--- a/Slide.pptx
+++ b/Slide.pptx
@@ -16,11 +16,16 @@
     <p:sldId id="263" r:id="rId10"/>
     <p:sldId id="265" r:id="rId11"/>
     <p:sldId id="266" r:id="rId12"/>
-    <p:sldId id="267" r:id="rId13"/>
-    <p:sldId id="268" r:id="rId14"/>
-    <p:sldId id="269" r:id="rId15"/>
-    <p:sldId id="270" r:id="rId16"/>
-    <p:sldId id="271" r:id="rId17"/>
+    <p:sldId id="272" r:id="rId13"/>
+    <p:sldId id="273" r:id="rId14"/>
+    <p:sldId id="274" r:id="rId15"/>
+    <p:sldId id="275" r:id="rId16"/>
+    <p:sldId id="276" r:id="rId17"/>
+    <p:sldId id="267" r:id="rId18"/>
+    <p:sldId id="268" r:id="rId19"/>
+    <p:sldId id="269" r:id="rId20"/>
+    <p:sldId id="270" r:id="rId21"/>
+    <p:sldId id="271" r:id="rId22"/>
   </p:sldIdLst>
   <p:sldSz cx="12192000" cy="6858000"/>
   <p:notesSz cx="6858000" cy="9144000"/>
@@ -14415,6 +14420,679 @@
           <p:cNvPr id="2" name="Title 1">
             <a:extLst>
               <a:ext uri="{FF2B5EF4-FFF2-40B4-BE49-F238E27FC236}">
+                <a16:creationId xmlns:a16="http://schemas.microsoft.com/office/drawing/2014/main" id="{1B22A38E-690C-4FF1-A2BF-2B46E01EEABB}"/>
+              </a:ext>
+            </a:extLst>
+          </p:cNvPr>
+          <p:cNvSpPr>
+            <a:spLocks noGrp="1"/>
+          </p:cNvSpPr>
+          <p:nvPr>
+            <p:ph type="title"/>
+          </p:nvPr>
+        </p:nvSpPr>
+        <p:spPr/>
+        <p:txBody>
+          <a:bodyPr/>
+          <a:lstStyle/>
+          <a:p>
+            <a:r>
+              <a:rPr lang="en-US" dirty="0"/>
+              <a:t>S</a:t>
+            </a:r>
+            <a:r>
+              <a:rPr lang="vi-VN" dirty="0"/>
+              <a:t>ơ</a:t>
+            </a:r>
+            <a:r>
+              <a:rPr lang="en-US" dirty="0"/>
+              <a:t> </a:t>
+            </a:r>
+            <a:r>
+              <a:rPr lang="en-US" dirty="0" err="1"/>
+              <a:t>đồ</a:t>
+            </a:r>
+            <a:r>
+              <a:rPr lang="en-US" dirty="0"/>
+              <a:t> ERD</a:t>
+            </a:r>
+          </a:p>
+        </p:txBody>
+      </p:sp>
+      <p:sp>
+        <p:nvSpPr>
+          <p:cNvPr id="6" name="Text Placeholder 5">
+            <a:extLst>
+              <a:ext uri="{FF2B5EF4-FFF2-40B4-BE49-F238E27FC236}">
+                <a16:creationId xmlns:a16="http://schemas.microsoft.com/office/drawing/2014/main" id="{346BA983-A219-457C-B4FE-94DF5FD10635}"/>
+              </a:ext>
+            </a:extLst>
+          </p:cNvPr>
+          <p:cNvSpPr>
+            <a:spLocks noGrp="1"/>
+          </p:cNvSpPr>
+          <p:nvPr>
+            <p:ph type="body" sz="half" idx="2"/>
+          </p:nvPr>
+        </p:nvSpPr>
+        <p:spPr/>
+        <p:txBody>
+          <a:bodyPr/>
+          <a:lstStyle/>
+          <a:p>
+            <a:endParaRPr lang="en-US" dirty="0"/>
+          </a:p>
+        </p:txBody>
+      </p:sp>
+      <p:pic>
+        <p:nvPicPr>
+          <p:cNvPr id="7" name="Picture Placeholder 6">
+            <a:extLst>
+              <a:ext uri="{FF2B5EF4-FFF2-40B4-BE49-F238E27FC236}">
+                <a16:creationId xmlns:a16="http://schemas.microsoft.com/office/drawing/2014/main" id="{C5B5F1EF-14B8-46E3-A516-11F970F7DF97}"/>
+              </a:ext>
+            </a:extLst>
+          </p:cNvPr>
+          <p:cNvPicPr>
+            <a:picLocks noGrp="1"/>
+          </p:cNvPicPr>
+          <p:nvPr>
+            <p:ph type="pic" idx="1"/>
+          </p:nvPr>
+        </p:nvPicPr>
+        <p:blipFill>
+          <a:blip r:embed="rId2" cstate="print">
+            <a:extLst>
+              <a:ext uri="{28A0092B-C50C-407E-A947-70E740481C1C}">
+                <a14:useLocalDpi xmlns:a14="http://schemas.microsoft.com/office/drawing/2010/main" val="0"/>
+              </a:ext>
+            </a:extLst>
+          </a:blip>
+          <a:srcRect t="8618" b="8618"/>
+          <a:stretch>
+            <a:fillRect/>
+          </a:stretch>
+        </p:blipFill>
+        <p:spPr>
+          <a:xfrm>
+            <a:off x="2450237" y="574872"/>
+            <a:ext cx="9983298" cy="4316723"/>
+          </a:xfrm>
+          <a:prstGeom prst="rect">
+            <a:avLst/>
+          </a:prstGeom>
+        </p:spPr>
+      </p:pic>
+    </p:spTree>
+    <p:extLst>
+      <p:ext uri="{BB962C8B-B14F-4D97-AF65-F5344CB8AC3E}">
+        <p14:creationId xmlns:p14="http://schemas.microsoft.com/office/powerpoint/2010/main" val="2752463031"/>
+      </p:ext>
+    </p:extLst>
+  </p:cSld>
+  <p:clrMapOvr>
+    <a:masterClrMapping/>
+  </p:clrMapOvr>
+</p:sld>
+</file>
+
+<file path=ppt/slides/slide13.xml><?xml version="1.0" encoding="utf-8"?>
+<p:sld xmlns:a="http://schemas.openxmlformats.org/drawingml/2006/main" xmlns:r="http://schemas.openxmlformats.org/officeDocument/2006/relationships" xmlns:p="http://schemas.openxmlformats.org/presentationml/2006/main">
+  <p:cSld>
+    <p:spTree>
+      <p:nvGrpSpPr>
+        <p:cNvPr id="1" name=""/>
+        <p:cNvGrpSpPr/>
+        <p:nvPr/>
+      </p:nvGrpSpPr>
+      <p:grpSpPr>
+        <a:xfrm>
+          <a:off x="0" y="0"/>
+          <a:ext cx="0" cy="0"/>
+          <a:chOff x="0" y="0"/>
+          <a:chExt cx="0" cy="0"/>
+        </a:xfrm>
+      </p:grpSpPr>
+      <p:sp>
+        <p:nvSpPr>
+          <p:cNvPr id="2" name="Title 1">
+            <a:extLst>
+              <a:ext uri="{FF2B5EF4-FFF2-40B4-BE49-F238E27FC236}">
+                <a16:creationId xmlns:a16="http://schemas.microsoft.com/office/drawing/2014/main" id="{0F132EFF-2540-4873-952B-FBDEBB53BDBF}"/>
+              </a:ext>
+            </a:extLst>
+          </p:cNvPr>
+          <p:cNvSpPr>
+            <a:spLocks noGrp="1"/>
+          </p:cNvSpPr>
+          <p:nvPr>
+            <p:ph type="title"/>
+          </p:nvPr>
+        </p:nvSpPr>
+        <p:spPr>
+          <a:xfrm>
+            <a:off x="2509314" y="5751159"/>
+            <a:ext cx="8915400" cy="566738"/>
+          </a:xfrm>
+        </p:spPr>
+        <p:txBody>
+          <a:bodyPr/>
+          <a:lstStyle/>
+          <a:p>
+            <a:r>
+              <a:rPr lang="en-US" dirty="0" err="1"/>
+              <a:t>Lớp</a:t>
+            </a:r>
+            <a:r>
+              <a:rPr lang="en-US" dirty="0"/>
+              <a:t> controller Admin</a:t>
+            </a:r>
+          </a:p>
+        </p:txBody>
+      </p:sp>
+      <p:sp>
+        <p:nvSpPr>
+          <p:cNvPr id="3" name="Picture Placeholder 2">
+            <a:extLst>
+              <a:ext uri="{FF2B5EF4-FFF2-40B4-BE49-F238E27FC236}">
+                <a16:creationId xmlns:a16="http://schemas.microsoft.com/office/drawing/2014/main" id="{F9839B93-BF84-42AD-A0AA-408FC4755BB2}"/>
+              </a:ext>
+            </a:extLst>
+          </p:cNvPr>
+          <p:cNvSpPr>
+            <a:spLocks noGrp="1"/>
+          </p:cNvSpPr>
+          <p:nvPr>
+            <p:ph type="pic" idx="1"/>
+          </p:nvPr>
+        </p:nvSpPr>
+        <p:spPr/>
+      </p:sp>
+      <p:sp>
+        <p:nvSpPr>
+          <p:cNvPr id="4" name="Text Placeholder 3">
+            <a:extLst>
+              <a:ext uri="{FF2B5EF4-FFF2-40B4-BE49-F238E27FC236}">
+                <a16:creationId xmlns:a16="http://schemas.microsoft.com/office/drawing/2014/main" id="{35742E73-F3F9-4CFB-8D4A-C0E6A0694C51}"/>
+              </a:ext>
+            </a:extLst>
+          </p:cNvPr>
+          <p:cNvSpPr>
+            <a:spLocks noGrp="1"/>
+          </p:cNvSpPr>
+          <p:nvPr>
+            <p:ph type="body" sz="half" idx="2"/>
+          </p:nvPr>
+        </p:nvSpPr>
+        <p:spPr/>
+        <p:txBody>
+          <a:bodyPr/>
+          <a:lstStyle/>
+          <a:p>
+            <a:endParaRPr lang="en-US" dirty="0"/>
+          </a:p>
+        </p:txBody>
+      </p:sp>
+      <p:pic>
+        <p:nvPicPr>
+          <p:cNvPr id="5" name="Picture 4">
+            <a:extLst>
+              <a:ext uri="{FF2B5EF4-FFF2-40B4-BE49-F238E27FC236}">
+                <a16:creationId xmlns:a16="http://schemas.microsoft.com/office/drawing/2014/main" id="{0EFB9785-F167-4384-AF2D-005E15F257EA}"/>
+              </a:ext>
+            </a:extLst>
+          </p:cNvPr>
+          <p:cNvPicPr/>
+          <p:nvPr/>
+        </p:nvPicPr>
+        <p:blipFill>
+          <a:blip r:embed="rId2"/>
+          <a:stretch>
+            <a:fillRect/>
+          </a:stretch>
+        </p:blipFill>
+        <p:spPr>
+          <a:xfrm>
+            <a:off x="2868875" y="0"/>
+            <a:ext cx="7189526" cy="5373866"/>
+          </a:xfrm>
+          <a:prstGeom prst="rect">
+            <a:avLst/>
+          </a:prstGeom>
+        </p:spPr>
+      </p:pic>
+    </p:spTree>
+    <p:extLst>
+      <p:ext uri="{BB962C8B-B14F-4D97-AF65-F5344CB8AC3E}">
+        <p14:creationId xmlns:p14="http://schemas.microsoft.com/office/powerpoint/2010/main" val="927858248"/>
+      </p:ext>
+    </p:extLst>
+  </p:cSld>
+  <p:clrMapOvr>
+    <a:masterClrMapping/>
+  </p:clrMapOvr>
+</p:sld>
+</file>
+
+<file path=ppt/slides/slide14.xml><?xml version="1.0" encoding="utf-8"?>
+<p:sld xmlns:a="http://schemas.openxmlformats.org/drawingml/2006/main" xmlns:r="http://schemas.openxmlformats.org/officeDocument/2006/relationships" xmlns:p="http://schemas.openxmlformats.org/presentationml/2006/main">
+  <p:cSld>
+    <p:spTree>
+      <p:nvGrpSpPr>
+        <p:cNvPr id="1" name=""/>
+        <p:cNvGrpSpPr/>
+        <p:nvPr/>
+      </p:nvGrpSpPr>
+      <p:grpSpPr>
+        <a:xfrm>
+          <a:off x="0" y="0"/>
+          <a:ext cx="0" cy="0"/>
+          <a:chOff x="0" y="0"/>
+          <a:chExt cx="0" cy="0"/>
+        </a:xfrm>
+      </p:grpSpPr>
+      <p:sp>
+        <p:nvSpPr>
+          <p:cNvPr id="2" name="Title 1">
+            <a:extLst>
+              <a:ext uri="{FF2B5EF4-FFF2-40B4-BE49-F238E27FC236}">
+                <a16:creationId xmlns:a16="http://schemas.microsoft.com/office/drawing/2014/main" id="{4DA13231-B66C-4F33-B486-78FB7685E96F}"/>
+              </a:ext>
+            </a:extLst>
+          </p:cNvPr>
+          <p:cNvSpPr>
+            <a:spLocks noGrp="1"/>
+          </p:cNvSpPr>
+          <p:nvPr>
+            <p:ph type="title"/>
+          </p:nvPr>
+        </p:nvSpPr>
+        <p:spPr/>
+        <p:txBody>
+          <a:bodyPr/>
+          <a:lstStyle/>
+          <a:p>
+            <a:r>
+              <a:rPr lang="en-US" dirty="0" err="1"/>
+              <a:t>Lớp</a:t>
+            </a:r>
+            <a:r>
+              <a:rPr lang="en-US" dirty="0"/>
+              <a:t> controller Client</a:t>
+            </a:r>
+          </a:p>
+        </p:txBody>
+      </p:sp>
+      <p:sp>
+        <p:nvSpPr>
+          <p:cNvPr id="3" name="Picture Placeholder 2">
+            <a:extLst>
+              <a:ext uri="{FF2B5EF4-FFF2-40B4-BE49-F238E27FC236}">
+                <a16:creationId xmlns:a16="http://schemas.microsoft.com/office/drawing/2014/main" id="{8A5F5C46-FEDB-485A-A845-80D768C4CBD9}"/>
+              </a:ext>
+            </a:extLst>
+          </p:cNvPr>
+          <p:cNvSpPr>
+            <a:spLocks noGrp="1"/>
+          </p:cNvSpPr>
+          <p:nvPr>
+            <p:ph type="pic" idx="1"/>
+          </p:nvPr>
+        </p:nvSpPr>
+        <p:spPr/>
+      </p:sp>
+      <p:sp>
+        <p:nvSpPr>
+          <p:cNvPr id="4" name="Text Placeholder 3">
+            <a:extLst>
+              <a:ext uri="{FF2B5EF4-FFF2-40B4-BE49-F238E27FC236}">
+                <a16:creationId xmlns:a16="http://schemas.microsoft.com/office/drawing/2014/main" id="{F5BB89BC-A75A-4093-B915-05A283A1F7B8}"/>
+              </a:ext>
+            </a:extLst>
+          </p:cNvPr>
+          <p:cNvSpPr>
+            <a:spLocks noGrp="1"/>
+          </p:cNvSpPr>
+          <p:nvPr>
+            <p:ph type="body" sz="half" idx="2"/>
+          </p:nvPr>
+        </p:nvSpPr>
+        <p:spPr/>
+        <p:txBody>
+          <a:bodyPr/>
+          <a:lstStyle/>
+          <a:p>
+            <a:endParaRPr lang="en-US"/>
+          </a:p>
+        </p:txBody>
+      </p:sp>
+      <p:pic>
+        <p:nvPicPr>
+          <p:cNvPr id="5" name="Picture 4">
+            <a:extLst>
+              <a:ext uri="{FF2B5EF4-FFF2-40B4-BE49-F238E27FC236}">
+                <a16:creationId xmlns:a16="http://schemas.microsoft.com/office/drawing/2014/main" id="{579D6950-5649-4448-8532-3CF936AB19A6}"/>
+              </a:ext>
+            </a:extLst>
+          </p:cNvPr>
+          <p:cNvPicPr/>
+          <p:nvPr/>
+        </p:nvPicPr>
+        <p:blipFill>
+          <a:blip r:embed="rId2"/>
+          <a:stretch>
+            <a:fillRect/>
+          </a:stretch>
+        </p:blipFill>
+        <p:spPr>
+          <a:xfrm>
+            <a:off x="2409963" y="165308"/>
+            <a:ext cx="6935079" cy="4479960"/>
+          </a:xfrm>
+          <a:prstGeom prst="rect">
+            <a:avLst/>
+          </a:prstGeom>
+        </p:spPr>
+      </p:pic>
+    </p:spTree>
+    <p:extLst>
+      <p:ext uri="{BB962C8B-B14F-4D97-AF65-F5344CB8AC3E}">
+        <p14:creationId xmlns:p14="http://schemas.microsoft.com/office/powerpoint/2010/main" val="2657361499"/>
+      </p:ext>
+    </p:extLst>
+  </p:cSld>
+  <p:clrMapOvr>
+    <a:masterClrMapping/>
+  </p:clrMapOvr>
+</p:sld>
+</file>
+
+<file path=ppt/slides/slide15.xml><?xml version="1.0" encoding="utf-8"?>
+<p:sld xmlns:a="http://schemas.openxmlformats.org/drawingml/2006/main" xmlns:r="http://schemas.openxmlformats.org/officeDocument/2006/relationships" xmlns:p="http://schemas.openxmlformats.org/presentationml/2006/main">
+  <p:cSld>
+    <p:spTree>
+      <p:nvGrpSpPr>
+        <p:cNvPr id="1" name=""/>
+        <p:cNvGrpSpPr/>
+        <p:nvPr/>
+      </p:nvGrpSpPr>
+      <p:grpSpPr>
+        <a:xfrm>
+          <a:off x="0" y="0"/>
+          <a:ext cx="0" cy="0"/>
+          <a:chOff x="0" y="0"/>
+          <a:chExt cx="0" cy="0"/>
+        </a:xfrm>
+      </p:grpSpPr>
+      <p:sp>
+        <p:nvSpPr>
+          <p:cNvPr id="2" name="Title 1">
+            <a:extLst>
+              <a:ext uri="{FF2B5EF4-FFF2-40B4-BE49-F238E27FC236}">
+                <a16:creationId xmlns:a16="http://schemas.microsoft.com/office/drawing/2014/main" id="{2A98BB85-D916-47A6-82FD-C050274979D8}"/>
+              </a:ext>
+            </a:extLst>
+          </p:cNvPr>
+          <p:cNvSpPr>
+            <a:spLocks noGrp="1"/>
+          </p:cNvSpPr>
+          <p:nvPr>
+            <p:ph type="title"/>
+          </p:nvPr>
+        </p:nvSpPr>
+        <p:spPr>
+          <a:xfrm>
+            <a:off x="2349516" y="5739850"/>
+            <a:ext cx="8915400" cy="566738"/>
+          </a:xfrm>
+        </p:spPr>
+        <p:txBody>
+          <a:bodyPr/>
+          <a:lstStyle/>
+          <a:p>
+            <a:r>
+              <a:rPr lang="en-US" dirty="0" err="1"/>
+              <a:t>Lớp</a:t>
+            </a:r>
+            <a:r>
+              <a:rPr lang="en-US" dirty="0"/>
+              <a:t> Model</a:t>
+            </a:r>
+          </a:p>
+        </p:txBody>
+      </p:sp>
+      <p:sp>
+        <p:nvSpPr>
+          <p:cNvPr id="3" name="Picture Placeholder 2">
+            <a:extLst>
+              <a:ext uri="{FF2B5EF4-FFF2-40B4-BE49-F238E27FC236}">
+                <a16:creationId xmlns:a16="http://schemas.microsoft.com/office/drawing/2014/main" id="{05A0D512-9DDC-40F6-BC49-862888565A8E}"/>
+              </a:ext>
+            </a:extLst>
+          </p:cNvPr>
+          <p:cNvSpPr>
+            <a:spLocks noGrp="1"/>
+          </p:cNvSpPr>
+          <p:nvPr>
+            <p:ph type="pic" idx="1"/>
+          </p:nvPr>
+        </p:nvSpPr>
+        <p:spPr/>
+      </p:sp>
+      <p:sp>
+        <p:nvSpPr>
+          <p:cNvPr id="4" name="Text Placeholder 3">
+            <a:extLst>
+              <a:ext uri="{FF2B5EF4-FFF2-40B4-BE49-F238E27FC236}">
+                <a16:creationId xmlns:a16="http://schemas.microsoft.com/office/drawing/2014/main" id="{70E5BD4C-B392-4693-9D1F-4F12412C70D0}"/>
+              </a:ext>
+            </a:extLst>
+          </p:cNvPr>
+          <p:cNvSpPr>
+            <a:spLocks noGrp="1"/>
+          </p:cNvSpPr>
+          <p:nvPr>
+            <p:ph type="body" sz="half" idx="2"/>
+          </p:nvPr>
+        </p:nvSpPr>
+        <p:spPr/>
+        <p:txBody>
+          <a:bodyPr/>
+          <a:lstStyle/>
+          <a:p>
+            <a:endParaRPr lang="en-US"/>
+          </a:p>
+        </p:txBody>
+      </p:sp>
+      <p:pic>
+        <p:nvPicPr>
+          <p:cNvPr id="5" name="Picture 4">
+            <a:extLst>
+              <a:ext uri="{FF2B5EF4-FFF2-40B4-BE49-F238E27FC236}">
+                <a16:creationId xmlns:a16="http://schemas.microsoft.com/office/drawing/2014/main" id="{FFEBCC07-0094-4AE3-A76E-C4C0ECAA2D00}"/>
+              </a:ext>
+            </a:extLst>
+          </p:cNvPr>
+          <p:cNvPicPr/>
+          <p:nvPr/>
+        </p:nvPicPr>
+        <p:blipFill>
+          <a:blip r:embed="rId2">
+            <a:extLst>
+              <a:ext uri="{28A0092B-C50C-407E-A947-70E740481C1C}">
+                <a14:useLocalDpi xmlns:a14="http://schemas.microsoft.com/office/drawing/2010/main" val="0"/>
+              </a:ext>
+            </a:extLst>
+          </a:blip>
+          <a:stretch>
+            <a:fillRect/>
+          </a:stretch>
+        </p:blipFill>
+        <p:spPr>
+          <a:xfrm>
+            <a:off x="2778710" y="225940"/>
+            <a:ext cx="5970597" cy="5388254"/>
+          </a:xfrm>
+          <a:prstGeom prst="rect">
+            <a:avLst/>
+          </a:prstGeom>
+        </p:spPr>
+      </p:pic>
+    </p:spTree>
+    <p:extLst>
+      <p:ext uri="{BB962C8B-B14F-4D97-AF65-F5344CB8AC3E}">
+        <p14:creationId xmlns:p14="http://schemas.microsoft.com/office/powerpoint/2010/main" val="2258414819"/>
+      </p:ext>
+    </p:extLst>
+  </p:cSld>
+  <p:clrMapOvr>
+    <a:masterClrMapping/>
+  </p:clrMapOvr>
+</p:sld>
+</file>
+
+<file path=ppt/slides/slide16.xml><?xml version="1.0" encoding="utf-8"?>
+<p:sld xmlns:a="http://schemas.openxmlformats.org/drawingml/2006/main" xmlns:r="http://schemas.openxmlformats.org/officeDocument/2006/relationships" xmlns:p="http://schemas.openxmlformats.org/presentationml/2006/main">
+  <p:cSld>
+    <p:spTree>
+      <p:nvGrpSpPr>
+        <p:cNvPr id="1" name=""/>
+        <p:cNvGrpSpPr/>
+        <p:nvPr/>
+      </p:nvGrpSpPr>
+      <p:grpSpPr>
+        <a:xfrm>
+          <a:off x="0" y="0"/>
+          <a:ext cx="0" cy="0"/>
+          <a:chOff x="0" y="0"/>
+          <a:chExt cx="0" cy="0"/>
+        </a:xfrm>
+      </p:grpSpPr>
+      <p:sp>
+        <p:nvSpPr>
+          <p:cNvPr id="2" name="Title 1">
+            <a:extLst>
+              <a:ext uri="{FF2B5EF4-FFF2-40B4-BE49-F238E27FC236}">
+                <a16:creationId xmlns:a16="http://schemas.microsoft.com/office/drawing/2014/main" id="{7ECFF39C-ADE0-475A-B2AA-BB75C1A90DB2}"/>
+              </a:ext>
+            </a:extLst>
+          </p:cNvPr>
+          <p:cNvSpPr>
+            <a:spLocks noGrp="1"/>
+          </p:cNvSpPr>
+          <p:nvPr>
+            <p:ph type="title"/>
+          </p:nvPr>
+        </p:nvSpPr>
+        <p:spPr/>
+        <p:txBody>
+          <a:bodyPr/>
+          <a:lstStyle/>
+          <a:p>
+            <a:r>
+              <a:rPr lang="en-US" dirty="0" err="1"/>
+              <a:t>Lớp</a:t>
+            </a:r>
+            <a:r>
+              <a:rPr lang="en-US" dirty="0"/>
+              <a:t> view</a:t>
+            </a:r>
+          </a:p>
+        </p:txBody>
+      </p:sp>
+      <p:sp>
+        <p:nvSpPr>
+          <p:cNvPr id="4" name="Text Placeholder 3">
+            <a:extLst>
+              <a:ext uri="{FF2B5EF4-FFF2-40B4-BE49-F238E27FC236}">
+                <a16:creationId xmlns:a16="http://schemas.microsoft.com/office/drawing/2014/main" id="{B304453A-9634-467A-AA94-FEFD967D8C75}"/>
+              </a:ext>
+            </a:extLst>
+          </p:cNvPr>
+          <p:cNvSpPr>
+            <a:spLocks noGrp="1"/>
+          </p:cNvSpPr>
+          <p:nvPr>
+            <p:ph type="body" sz="half" idx="2"/>
+          </p:nvPr>
+        </p:nvSpPr>
+        <p:spPr/>
+        <p:txBody>
+          <a:bodyPr/>
+          <a:lstStyle/>
+          <a:p>
+            <a:endParaRPr lang="en-US"/>
+          </a:p>
+        </p:txBody>
+      </p:sp>
+      <p:pic>
+        <p:nvPicPr>
+          <p:cNvPr id="5" name="Picture Placeholder 4">
+            <a:extLst>
+              <a:ext uri="{FF2B5EF4-FFF2-40B4-BE49-F238E27FC236}">
+                <a16:creationId xmlns:a16="http://schemas.microsoft.com/office/drawing/2014/main" id="{9250C66C-143A-450A-A3BA-7B2B802D75A0}"/>
+              </a:ext>
+            </a:extLst>
+          </p:cNvPr>
+          <p:cNvPicPr>
+            <a:picLocks noGrp="1"/>
+          </p:cNvPicPr>
+          <p:nvPr>
+            <p:ph type="pic" idx="1"/>
+          </p:nvPr>
+        </p:nvPicPr>
+        <p:blipFill>
+          <a:blip r:embed="rId2"/>
+          <a:srcRect t="2043" b="2043"/>
+          <a:stretch>
+            <a:fillRect/>
+          </a:stretch>
+        </p:blipFill>
+        <p:spPr>
+          <a:xfrm>
+            <a:off x="2361460" y="536486"/>
+            <a:ext cx="9143152" cy="3953449"/>
+          </a:xfrm>
+          <a:prstGeom prst="rect">
+            <a:avLst/>
+          </a:prstGeom>
+        </p:spPr>
+      </p:pic>
+    </p:spTree>
+    <p:extLst>
+      <p:ext uri="{BB962C8B-B14F-4D97-AF65-F5344CB8AC3E}">
+        <p14:creationId xmlns:p14="http://schemas.microsoft.com/office/powerpoint/2010/main" val="3807074223"/>
+      </p:ext>
+    </p:extLst>
+  </p:cSld>
+  <p:clrMapOvr>
+    <a:masterClrMapping/>
+  </p:clrMapOvr>
+</p:sld>
+</file>
+
+<file path=ppt/slides/slide17.xml><?xml version="1.0" encoding="utf-8"?>
+<p:sld xmlns:a="http://schemas.openxmlformats.org/drawingml/2006/main" xmlns:r="http://schemas.openxmlformats.org/officeDocument/2006/relationships" xmlns:p="http://schemas.openxmlformats.org/presentationml/2006/main">
+  <p:cSld>
+    <p:spTree>
+      <p:nvGrpSpPr>
+        <p:cNvPr id="1" name=""/>
+        <p:cNvGrpSpPr/>
+        <p:nvPr/>
+      </p:nvGrpSpPr>
+      <p:grpSpPr>
+        <a:xfrm>
+          <a:off x="0" y="0"/>
+          <a:ext cx="0" cy="0"/>
+          <a:chOff x="0" y="0"/>
+          <a:chExt cx="0" cy="0"/>
+        </a:xfrm>
+      </p:grpSpPr>
+      <p:sp>
+        <p:nvSpPr>
+          <p:cNvPr id="2" name="Title 1">
+            <a:extLst>
+              <a:ext uri="{FF2B5EF4-FFF2-40B4-BE49-F238E27FC236}">
                 <a16:creationId xmlns:a16="http://schemas.microsoft.com/office/drawing/2014/main" id="{46FAC0D1-AFD1-4F40-837F-CD49AF0A2945}"/>
               </a:ext>
             </a:extLst>
@@ -14672,7 +15350,7 @@
 </p:sld>
 </file>
 
-<file path=ppt/slides/slide13.xml><?xml version="1.0" encoding="utf-8"?>
+<file path=ppt/slides/slide18.xml><?xml version="1.0" encoding="utf-8"?>
 <p:sld xmlns:a="http://schemas.openxmlformats.org/drawingml/2006/main" xmlns:r="http://schemas.openxmlformats.org/officeDocument/2006/relationships" xmlns:p="http://schemas.openxmlformats.org/presentationml/2006/main">
   <p:cSld>
     <p:spTree>
@@ -14951,7 +15629,7 @@
 </p:sld>
 </file>
 
-<file path=ppt/slides/slide14.xml><?xml version="1.0" encoding="utf-8"?>
+<file path=ppt/slides/slide19.xml><?xml version="1.0" encoding="utf-8"?>
 <p:sld xmlns:a="http://schemas.openxmlformats.org/drawingml/2006/main" xmlns:r="http://schemas.openxmlformats.org/officeDocument/2006/relationships" xmlns:p="http://schemas.openxmlformats.org/presentationml/2006/main">
   <p:cSld>
     <p:spTree>
@@ -15169,7 +15847,1187 @@
 </p:sld>
 </file>
 
-<file path=ppt/slides/slide15.xml><?xml version="1.0" encoding="utf-8"?>
+<file path=ppt/slides/slide2.xml><?xml version="1.0" encoding="utf-8"?>
+<p:sld xmlns:a="http://schemas.openxmlformats.org/drawingml/2006/main" xmlns:r="http://schemas.openxmlformats.org/officeDocument/2006/relationships" xmlns:p="http://schemas.openxmlformats.org/presentationml/2006/main">
+  <p:cSld>
+    <p:spTree>
+      <p:nvGrpSpPr>
+        <p:cNvPr id="1" name=""/>
+        <p:cNvGrpSpPr/>
+        <p:nvPr/>
+      </p:nvGrpSpPr>
+      <p:grpSpPr>
+        <a:xfrm>
+          <a:off x="0" y="0"/>
+          <a:ext cx="0" cy="0"/>
+          <a:chOff x="0" y="0"/>
+          <a:chExt cx="0" cy="0"/>
+        </a:xfrm>
+      </p:grpSpPr>
+      <p:sp>
+        <p:nvSpPr>
+          <p:cNvPr id="2" name="Title 1">
+            <a:extLst>
+              <a:ext uri="{FF2B5EF4-FFF2-40B4-BE49-F238E27FC236}">
+                <a16:creationId xmlns:a16="http://schemas.microsoft.com/office/drawing/2014/main" id="{783ACFE5-A006-488F-ACAE-A84365A6C8E5}"/>
+              </a:ext>
+            </a:extLst>
+          </p:cNvPr>
+          <p:cNvSpPr>
+            <a:spLocks noGrp="1"/>
+          </p:cNvSpPr>
+          <p:nvPr>
+            <p:ph type="title"/>
+          </p:nvPr>
+        </p:nvSpPr>
+        <p:spPr/>
+        <p:txBody>
+          <a:bodyPr/>
+          <a:lstStyle/>
+          <a:p>
+            <a:r>
+              <a:rPr lang="en-US" dirty="0">
+                <a:latin typeface="Times New Roman" panose="02020603050405020304" pitchFamily="18" charset="0"/>
+                <a:cs typeface="Times New Roman" panose="02020603050405020304" pitchFamily="18" charset="0"/>
+              </a:rPr>
+              <a:t>GIỚI THIỆU</a:t>
+            </a:r>
+          </a:p>
+        </p:txBody>
+      </p:sp>
+      <p:sp>
+        <p:nvSpPr>
+          <p:cNvPr id="3" name="Content Placeholder 2">
+            <a:extLst>
+              <a:ext uri="{FF2B5EF4-FFF2-40B4-BE49-F238E27FC236}">
+                <a16:creationId xmlns:a16="http://schemas.microsoft.com/office/drawing/2014/main" id="{D8EA25B0-3259-4F4E-BAC3-8A1740CC2639}"/>
+              </a:ext>
+            </a:extLst>
+          </p:cNvPr>
+          <p:cNvSpPr>
+            <a:spLocks noGrp="1"/>
+          </p:cNvSpPr>
+          <p:nvPr>
+            <p:ph idx="1"/>
+          </p:nvPr>
+        </p:nvSpPr>
+        <p:spPr>
+          <a:xfrm>
+            <a:off x="2589212" y="2133600"/>
+            <a:ext cx="8237814" cy="4100290"/>
+          </a:xfrm>
+        </p:spPr>
+        <p:txBody>
+          <a:bodyPr>
+            <a:normAutofit lnSpcReduction="10000"/>
+          </a:bodyPr>
+          <a:lstStyle/>
+          <a:p>
+            <a:r>
+              <a:rPr lang="en-US" sz="3000" b="1" dirty="0">
+                <a:latin typeface="Times New Roman" panose="02020603050405020304" pitchFamily="18" charset="0"/>
+                <a:cs typeface="Times New Roman" panose="02020603050405020304" pitchFamily="18" charset="0"/>
+              </a:rPr>
+              <a:t>Spa </a:t>
+            </a:r>
+            <a:r>
+              <a:rPr lang="en-US" sz="3000" b="1" dirty="0" err="1">
+                <a:latin typeface="Times New Roman" panose="02020603050405020304" pitchFamily="18" charset="0"/>
+                <a:cs typeface="Times New Roman" panose="02020603050405020304" pitchFamily="18" charset="0"/>
+              </a:rPr>
+              <a:t>là</a:t>
+            </a:r>
+            <a:r>
+              <a:rPr lang="en-US" sz="3000" b="1" dirty="0">
+                <a:latin typeface="Times New Roman" panose="02020603050405020304" pitchFamily="18" charset="0"/>
+                <a:cs typeface="Times New Roman" panose="02020603050405020304" pitchFamily="18" charset="0"/>
+              </a:rPr>
+              <a:t> </a:t>
+            </a:r>
+            <a:r>
+              <a:rPr lang="en-US" sz="3000" b="1" dirty="0" err="1">
+                <a:latin typeface="Times New Roman" panose="02020603050405020304" pitchFamily="18" charset="0"/>
+                <a:cs typeface="Times New Roman" panose="02020603050405020304" pitchFamily="18" charset="0"/>
+              </a:rPr>
+              <a:t>một</a:t>
+            </a:r>
+            <a:r>
+              <a:rPr lang="en-US" sz="3000" b="1" dirty="0">
+                <a:latin typeface="Times New Roman" panose="02020603050405020304" pitchFamily="18" charset="0"/>
+                <a:cs typeface="Times New Roman" panose="02020603050405020304" pitchFamily="18" charset="0"/>
+              </a:rPr>
+              <a:t> </a:t>
+            </a:r>
+            <a:r>
+              <a:rPr lang="en-US" sz="3000" b="1" dirty="0" err="1">
+                <a:latin typeface="Times New Roman" panose="02020603050405020304" pitchFamily="18" charset="0"/>
+                <a:cs typeface="Times New Roman" panose="02020603050405020304" pitchFamily="18" charset="0"/>
+              </a:rPr>
+              <a:t>dịch</a:t>
+            </a:r>
+            <a:r>
+              <a:rPr lang="en-US" sz="3000" b="1" dirty="0">
+                <a:latin typeface="Times New Roman" panose="02020603050405020304" pitchFamily="18" charset="0"/>
+                <a:cs typeface="Times New Roman" panose="02020603050405020304" pitchFamily="18" charset="0"/>
+              </a:rPr>
+              <a:t> </a:t>
+            </a:r>
+            <a:r>
+              <a:rPr lang="en-US" sz="3000" b="1" dirty="0" err="1">
+                <a:latin typeface="Times New Roman" panose="02020603050405020304" pitchFamily="18" charset="0"/>
+                <a:cs typeface="Times New Roman" panose="02020603050405020304" pitchFamily="18" charset="0"/>
+              </a:rPr>
+              <a:t>vụ</a:t>
+            </a:r>
+            <a:r>
+              <a:rPr lang="en-US" sz="3000" b="1" dirty="0">
+                <a:latin typeface="Times New Roman" panose="02020603050405020304" pitchFamily="18" charset="0"/>
+                <a:cs typeface="Times New Roman" panose="02020603050405020304" pitchFamily="18" charset="0"/>
+              </a:rPr>
+              <a:t> </a:t>
+            </a:r>
+            <a:r>
+              <a:rPr lang="en-US" sz="3000" b="1" dirty="0" err="1">
+                <a:latin typeface="Times New Roman" panose="02020603050405020304" pitchFamily="18" charset="0"/>
+                <a:cs typeface="Times New Roman" panose="02020603050405020304" pitchFamily="18" charset="0"/>
+              </a:rPr>
+              <a:t>rất</a:t>
+            </a:r>
+            <a:r>
+              <a:rPr lang="en-US" sz="3000" b="1" dirty="0">
+                <a:latin typeface="Times New Roman" panose="02020603050405020304" pitchFamily="18" charset="0"/>
+                <a:cs typeface="Times New Roman" panose="02020603050405020304" pitchFamily="18" charset="0"/>
+              </a:rPr>
+              <a:t> </a:t>
+            </a:r>
+            <a:r>
+              <a:rPr lang="en-US" sz="3000" b="1" dirty="0" err="1">
+                <a:latin typeface="Times New Roman" panose="02020603050405020304" pitchFamily="18" charset="0"/>
+                <a:cs typeface="Times New Roman" panose="02020603050405020304" pitchFamily="18" charset="0"/>
+              </a:rPr>
+              <a:t>phát</a:t>
+            </a:r>
+            <a:r>
+              <a:rPr lang="en-US" sz="3000" b="1" dirty="0">
+                <a:latin typeface="Times New Roman" panose="02020603050405020304" pitchFamily="18" charset="0"/>
+                <a:cs typeface="Times New Roman" panose="02020603050405020304" pitchFamily="18" charset="0"/>
+              </a:rPr>
+              <a:t> </a:t>
+            </a:r>
+            <a:r>
+              <a:rPr lang="en-US" sz="3000" b="1" dirty="0" err="1">
+                <a:latin typeface="Times New Roman" panose="02020603050405020304" pitchFamily="18" charset="0"/>
+                <a:cs typeface="Times New Roman" panose="02020603050405020304" pitchFamily="18" charset="0"/>
+              </a:rPr>
+              <a:t>triển</a:t>
+            </a:r>
+            <a:r>
+              <a:rPr lang="en-US" sz="3000" b="1" dirty="0">
+                <a:latin typeface="Times New Roman" panose="02020603050405020304" pitchFamily="18" charset="0"/>
+                <a:cs typeface="Times New Roman" panose="02020603050405020304" pitchFamily="18" charset="0"/>
+              </a:rPr>
+              <a:t> </a:t>
+            </a:r>
+            <a:r>
+              <a:rPr lang="en-US" sz="3000" b="1" dirty="0" err="1">
+                <a:latin typeface="Times New Roman" panose="02020603050405020304" pitchFamily="18" charset="0"/>
+                <a:cs typeface="Times New Roman" panose="02020603050405020304" pitchFamily="18" charset="0"/>
+              </a:rPr>
+              <a:t>hiện</a:t>
+            </a:r>
+            <a:r>
+              <a:rPr lang="en-US" sz="3000" b="1" dirty="0">
+                <a:latin typeface="Times New Roman" panose="02020603050405020304" pitchFamily="18" charset="0"/>
+                <a:cs typeface="Times New Roman" panose="02020603050405020304" pitchFamily="18" charset="0"/>
+              </a:rPr>
+              <a:t> nay. </a:t>
+            </a:r>
+          </a:p>
+          <a:p>
+            <a:r>
+              <a:rPr lang="en-US" sz="3000" dirty="0">
+                <a:latin typeface="Times New Roman" panose="02020603050405020304" pitchFamily="18" charset="0"/>
+                <a:cs typeface="Times New Roman" panose="02020603050405020304" pitchFamily="18" charset="0"/>
+              </a:rPr>
+              <a:t>Website </a:t>
+            </a:r>
+            <a:r>
+              <a:rPr lang="en-US" sz="3000" dirty="0" err="1">
+                <a:latin typeface="Times New Roman" panose="02020603050405020304" pitchFamily="18" charset="0"/>
+                <a:cs typeface="Times New Roman" panose="02020603050405020304" pitchFamily="18" charset="0"/>
+              </a:rPr>
+              <a:t>là</a:t>
+            </a:r>
+            <a:r>
+              <a:rPr lang="en-US" sz="3000" dirty="0">
+                <a:latin typeface="Times New Roman" panose="02020603050405020304" pitchFamily="18" charset="0"/>
+                <a:cs typeface="Times New Roman" panose="02020603050405020304" pitchFamily="18" charset="0"/>
+              </a:rPr>
+              <a:t> </a:t>
+            </a:r>
+            <a:r>
+              <a:rPr lang="en-US" sz="3000" dirty="0" err="1">
+                <a:latin typeface="Times New Roman" panose="02020603050405020304" pitchFamily="18" charset="0"/>
+                <a:cs typeface="Times New Roman" panose="02020603050405020304" pitchFamily="18" charset="0"/>
+              </a:rPr>
+              <a:t>một</a:t>
+            </a:r>
+            <a:r>
+              <a:rPr lang="en-US" sz="3000" dirty="0">
+                <a:latin typeface="Times New Roman" panose="02020603050405020304" pitchFamily="18" charset="0"/>
+                <a:cs typeface="Times New Roman" panose="02020603050405020304" pitchFamily="18" charset="0"/>
+              </a:rPr>
+              <a:t> </a:t>
+            </a:r>
+            <a:r>
+              <a:rPr lang="en-US" sz="3000" dirty="0" err="1">
+                <a:latin typeface="Times New Roman" panose="02020603050405020304" pitchFamily="18" charset="0"/>
+                <a:cs typeface="Times New Roman" panose="02020603050405020304" pitchFamily="18" charset="0"/>
+              </a:rPr>
+              <a:t>nền</a:t>
+            </a:r>
+            <a:r>
+              <a:rPr lang="en-US" sz="3000" dirty="0">
+                <a:latin typeface="Times New Roman" panose="02020603050405020304" pitchFamily="18" charset="0"/>
+                <a:cs typeface="Times New Roman" panose="02020603050405020304" pitchFamily="18" charset="0"/>
+              </a:rPr>
+              <a:t> </a:t>
+            </a:r>
+            <a:r>
+              <a:rPr lang="en-US" sz="3000" dirty="0" err="1">
+                <a:latin typeface="Times New Roman" panose="02020603050405020304" pitchFamily="18" charset="0"/>
+                <a:cs typeface="Times New Roman" panose="02020603050405020304" pitchFamily="18" charset="0"/>
+              </a:rPr>
+              <a:t>tảng</a:t>
+            </a:r>
+            <a:r>
+              <a:rPr lang="en-US" sz="3000" dirty="0">
+                <a:latin typeface="Times New Roman" panose="02020603050405020304" pitchFamily="18" charset="0"/>
+                <a:cs typeface="Times New Roman" panose="02020603050405020304" pitchFamily="18" charset="0"/>
+              </a:rPr>
+              <a:t> </a:t>
+            </a:r>
+            <a:r>
+              <a:rPr lang="en-US" sz="3000" dirty="0" err="1">
+                <a:latin typeface="Times New Roman" panose="02020603050405020304" pitchFamily="18" charset="0"/>
+                <a:cs typeface="Times New Roman" panose="02020603050405020304" pitchFamily="18" charset="0"/>
+              </a:rPr>
+              <a:t>không</a:t>
+            </a:r>
+            <a:r>
+              <a:rPr lang="en-US" sz="3000" dirty="0">
+                <a:latin typeface="Times New Roman" panose="02020603050405020304" pitchFamily="18" charset="0"/>
+                <a:cs typeface="Times New Roman" panose="02020603050405020304" pitchFamily="18" charset="0"/>
+              </a:rPr>
+              <a:t> </a:t>
+            </a:r>
+            <a:r>
+              <a:rPr lang="en-US" sz="3000" dirty="0" err="1">
+                <a:latin typeface="Times New Roman" panose="02020603050405020304" pitchFamily="18" charset="0"/>
+                <a:cs typeface="Times New Roman" panose="02020603050405020304" pitchFamily="18" charset="0"/>
+              </a:rPr>
+              <a:t>thể</a:t>
+            </a:r>
+            <a:r>
+              <a:rPr lang="en-US" sz="3000" dirty="0">
+                <a:latin typeface="Times New Roman" panose="02020603050405020304" pitchFamily="18" charset="0"/>
+                <a:cs typeface="Times New Roman" panose="02020603050405020304" pitchFamily="18" charset="0"/>
+              </a:rPr>
+              <a:t> </a:t>
+            </a:r>
+            <a:r>
+              <a:rPr lang="en-US" sz="3000" dirty="0" err="1">
+                <a:latin typeface="Times New Roman" panose="02020603050405020304" pitchFamily="18" charset="0"/>
+                <a:cs typeface="Times New Roman" panose="02020603050405020304" pitchFamily="18" charset="0"/>
+              </a:rPr>
+              <a:t>thiếu</a:t>
+            </a:r>
+            <a:r>
+              <a:rPr lang="en-US" sz="3000" dirty="0">
+                <a:latin typeface="Times New Roman" panose="02020603050405020304" pitchFamily="18" charset="0"/>
+                <a:cs typeface="Times New Roman" panose="02020603050405020304" pitchFamily="18" charset="0"/>
+              </a:rPr>
+              <a:t> </a:t>
+            </a:r>
+            <a:r>
+              <a:rPr lang="en-US" sz="3000" dirty="0" err="1">
+                <a:latin typeface="Times New Roman" panose="02020603050405020304" pitchFamily="18" charset="0"/>
+                <a:cs typeface="Times New Roman" panose="02020603050405020304" pitchFamily="18" charset="0"/>
+              </a:rPr>
+              <a:t>trong</a:t>
+            </a:r>
+            <a:r>
+              <a:rPr lang="en-US" sz="3000" dirty="0">
+                <a:latin typeface="Times New Roman" panose="02020603050405020304" pitchFamily="18" charset="0"/>
+                <a:cs typeface="Times New Roman" panose="02020603050405020304" pitchFamily="18" charset="0"/>
+              </a:rPr>
+              <a:t> </a:t>
+            </a:r>
+            <a:r>
+              <a:rPr lang="en-US" sz="3000" dirty="0" err="1">
+                <a:latin typeface="Times New Roman" panose="02020603050405020304" pitchFamily="18" charset="0"/>
+                <a:cs typeface="Times New Roman" panose="02020603050405020304" pitchFamily="18" charset="0"/>
+              </a:rPr>
+              <a:t>việc</a:t>
+            </a:r>
+            <a:r>
+              <a:rPr lang="en-US" sz="3000" dirty="0">
+                <a:latin typeface="Times New Roman" panose="02020603050405020304" pitchFamily="18" charset="0"/>
+                <a:cs typeface="Times New Roman" panose="02020603050405020304" pitchFamily="18" charset="0"/>
+              </a:rPr>
+              <a:t> </a:t>
+            </a:r>
+            <a:r>
+              <a:rPr lang="en-US" sz="3000" dirty="0" err="1">
+                <a:latin typeface="Times New Roman" panose="02020603050405020304" pitchFamily="18" charset="0"/>
+                <a:cs typeface="Times New Roman" panose="02020603050405020304" pitchFamily="18" charset="0"/>
+              </a:rPr>
+              <a:t>kinh</a:t>
+            </a:r>
+            <a:r>
+              <a:rPr lang="en-US" sz="3000" dirty="0">
+                <a:latin typeface="Times New Roman" panose="02020603050405020304" pitchFamily="18" charset="0"/>
+                <a:cs typeface="Times New Roman" panose="02020603050405020304" pitchFamily="18" charset="0"/>
+              </a:rPr>
+              <a:t> </a:t>
+            </a:r>
+            <a:r>
+              <a:rPr lang="en-US" sz="3000" dirty="0" err="1">
+                <a:latin typeface="Times New Roman" panose="02020603050405020304" pitchFamily="18" charset="0"/>
+                <a:cs typeface="Times New Roman" panose="02020603050405020304" pitchFamily="18" charset="0"/>
+              </a:rPr>
+              <a:t>doanh</a:t>
+            </a:r>
+            <a:r>
+              <a:rPr lang="en-US" sz="3000" dirty="0">
+                <a:latin typeface="Times New Roman" panose="02020603050405020304" pitchFamily="18" charset="0"/>
+                <a:cs typeface="Times New Roman" panose="02020603050405020304" pitchFamily="18" charset="0"/>
+              </a:rPr>
+              <a:t> </a:t>
+            </a:r>
+            <a:r>
+              <a:rPr lang="en-US" sz="3000" dirty="0" err="1">
+                <a:latin typeface="Times New Roman" panose="02020603050405020304" pitchFamily="18" charset="0"/>
+                <a:cs typeface="Times New Roman" panose="02020603050405020304" pitchFamily="18" charset="0"/>
+              </a:rPr>
+              <a:t>và</a:t>
+            </a:r>
+            <a:r>
+              <a:rPr lang="en-US" sz="3000" dirty="0">
+                <a:latin typeface="Times New Roman" panose="02020603050405020304" pitchFamily="18" charset="0"/>
+                <a:cs typeface="Times New Roman" panose="02020603050405020304" pitchFamily="18" charset="0"/>
+              </a:rPr>
+              <a:t> </a:t>
+            </a:r>
+            <a:r>
+              <a:rPr lang="en-US" sz="3000" dirty="0" err="1">
+                <a:latin typeface="Times New Roman" panose="02020603050405020304" pitchFamily="18" charset="0"/>
+                <a:cs typeface="Times New Roman" panose="02020603050405020304" pitchFamily="18" charset="0"/>
+              </a:rPr>
+              <a:t>buôn</a:t>
+            </a:r>
+            <a:r>
+              <a:rPr lang="en-US" sz="3000" dirty="0">
+                <a:latin typeface="Times New Roman" panose="02020603050405020304" pitchFamily="18" charset="0"/>
+                <a:cs typeface="Times New Roman" panose="02020603050405020304" pitchFamily="18" charset="0"/>
+              </a:rPr>
+              <a:t> </a:t>
+            </a:r>
+            <a:r>
+              <a:rPr lang="en-US" sz="3000" dirty="0" err="1">
+                <a:latin typeface="Times New Roman" panose="02020603050405020304" pitchFamily="18" charset="0"/>
+                <a:cs typeface="Times New Roman" panose="02020603050405020304" pitchFamily="18" charset="0"/>
+              </a:rPr>
+              <a:t>bán</a:t>
+            </a:r>
+            <a:endParaRPr lang="en-US" sz="3000" dirty="0">
+              <a:latin typeface="Times New Roman" panose="02020603050405020304" pitchFamily="18" charset="0"/>
+              <a:cs typeface="Times New Roman" panose="02020603050405020304" pitchFamily="18" charset="0"/>
+            </a:endParaRPr>
+          </a:p>
+          <a:p>
+            <a:r>
+              <a:rPr lang="en-US" sz="3000" dirty="0" err="1">
+                <a:latin typeface="Times New Roman" panose="02020603050405020304" pitchFamily="18" charset="0"/>
+                <a:cs typeface="Times New Roman" panose="02020603050405020304" pitchFamily="18" charset="0"/>
+              </a:rPr>
+              <a:t>Với</a:t>
+            </a:r>
+            <a:r>
+              <a:rPr lang="en-US" sz="3000" dirty="0">
+                <a:latin typeface="Times New Roman" panose="02020603050405020304" pitchFamily="18" charset="0"/>
+                <a:cs typeface="Times New Roman" panose="02020603050405020304" pitchFamily="18" charset="0"/>
+              </a:rPr>
+              <a:t> </a:t>
+            </a:r>
+            <a:r>
+              <a:rPr lang="en-US" sz="3000" dirty="0" err="1">
+                <a:latin typeface="Times New Roman" panose="02020603050405020304" pitchFamily="18" charset="0"/>
+                <a:cs typeface="Times New Roman" panose="02020603050405020304" pitchFamily="18" charset="0"/>
+              </a:rPr>
+              <a:t>sự</a:t>
+            </a:r>
+            <a:r>
+              <a:rPr lang="en-US" sz="3000" dirty="0">
+                <a:latin typeface="Times New Roman" panose="02020603050405020304" pitchFamily="18" charset="0"/>
+                <a:cs typeface="Times New Roman" panose="02020603050405020304" pitchFamily="18" charset="0"/>
+              </a:rPr>
+              <a:t> </a:t>
+            </a:r>
+            <a:r>
+              <a:rPr lang="en-US" sz="3000" dirty="0" err="1">
+                <a:latin typeface="Times New Roman" panose="02020603050405020304" pitchFamily="18" charset="0"/>
+                <a:cs typeface="Times New Roman" panose="02020603050405020304" pitchFamily="18" charset="0"/>
+              </a:rPr>
+              <a:t>phát</a:t>
+            </a:r>
+            <a:r>
+              <a:rPr lang="en-US" sz="3000" dirty="0">
+                <a:latin typeface="Times New Roman" panose="02020603050405020304" pitchFamily="18" charset="0"/>
+                <a:cs typeface="Times New Roman" panose="02020603050405020304" pitchFamily="18" charset="0"/>
+              </a:rPr>
+              <a:t> </a:t>
+            </a:r>
+            <a:r>
+              <a:rPr lang="en-US" sz="3000" dirty="0" err="1">
+                <a:latin typeface="Times New Roman" panose="02020603050405020304" pitchFamily="18" charset="0"/>
+                <a:cs typeface="Times New Roman" panose="02020603050405020304" pitchFamily="18" charset="0"/>
+              </a:rPr>
+              <a:t>triển</a:t>
+            </a:r>
+            <a:r>
+              <a:rPr lang="en-US" sz="3000" dirty="0">
+                <a:latin typeface="Times New Roman" panose="02020603050405020304" pitchFamily="18" charset="0"/>
+                <a:cs typeface="Times New Roman" panose="02020603050405020304" pitchFamily="18" charset="0"/>
+              </a:rPr>
+              <a:t> </a:t>
+            </a:r>
+            <a:r>
+              <a:rPr lang="en-US" sz="3000" dirty="0" err="1">
+                <a:latin typeface="Times New Roman" panose="02020603050405020304" pitchFamily="18" charset="0"/>
+                <a:cs typeface="Times New Roman" panose="02020603050405020304" pitchFamily="18" charset="0"/>
+              </a:rPr>
+              <a:t>của</a:t>
+            </a:r>
+            <a:r>
+              <a:rPr lang="en-US" sz="3000" dirty="0">
+                <a:latin typeface="Times New Roman" panose="02020603050405020304" pitchFamily="18" charset="0"/>
+                <a:cs typeface="Times New Roman" panose="02020603050405020304" pitchFamily="18" charset="0"/>
+              </a:rPr>
+              <a:t> spa </a:t>
+            </a:r>
+            <a:r>
+              <a:rPr lang="en-US" sz="3000" dirty="0" err="1">
+                <a:latin typeface="Times New Roman" panose="02020603050405020304" pitchFamily="18" charset="0"/>
+                <a:cs typeface="Times New Roman" panose="02020603050405020304" pitchFamily="18" charset="0"/>
+              </a:rPr>
+              <a:t>và</a:t>
+            </a:r>
+            <a:r>
+              <a:rPr lang="en-US" sz="3000" dirty="0">
+                <a:latin typeface="Times New Roman" panose="02020603050405020304" pitchFamily="18" charset="0"/>
+                <a:cs typeface="Times New Roman" panose="02020603050405020304" pitchFamily="18" charset="0"/>
+              </a:rPr>
+              <a:t> </a:t>
+            </a:r>
+            <a:r>
+              <a:rPr lang="en-US" sz="3000" dirty="0" err="1">
+                <a:latin typeface="Times New Roman" panose="02020603050405020304" pitchFamily="18" charset="0"/>
+                <a:cs typeface="Times New Roman" panose="02020603050405020304" pitchFamily="18" charset="0"/>
+              </a:rPr>
+              <a:t>tầm</a:t>
+            </a:r>
+            <a:r>
+              <a:rPr lang="en-US" sz="3000" dirty="0">
+                <a:latin typeface="Times New Roman" panose="02020603050405020304" pitchFamily="18" charset="0"/>
+                <a:cs typeface="Times New Roman" panose="02020603050405020304" pitchFamily="18" charset="0"/>
+              </a:rPr>
+              <a:t> </a:t>
+            </a:r>
+            <a:r>
+              <a:rPr lang="en-US" sz="3000" dirty="0" err="1">
+                <a:latin typeface="Times New Roman" panose="02020603050405020304" pitchFamily="18" charset="0"/>
+                <a:cs typeface="Times New Roman" panose="02020603050405020304" pitchFamily="18" charset="0"/>
+              </a:rPr>
+              <a:t>quan</a:t>
+            </a:r>
+            <a:r>
+              <a:rPr lang="en-US" sz="3000" dirty="0">
+                <a:latin typeface="Times New Roman" panose="02020603050405020304" pitchFamily="18" charset="0"/>
+                <a:cs typeface="Times New Roman" panose="02020603050405020304" pitchFamily="18" charset="0"/>
+              </a:rPr>
+              <a:t> </a:t>
+            </a:r>
+            <a:r>
+              <a:rPr lang="en-US" sz="3000" dirty="0" err="1">
+                <a:latin typeface="Times New Roman" panose="02020603050405020304" pitchFamily="18" charset="0"/>
+                <a:cs typeface="Times New Roman" panose="02020603050405020304" pitchFamily="18" charset="0"/>
+              </a:rPr>
+              <a:t>trọng</a:t>
+            </a:r>
+            <a:r>
+              <a:rPr lang="en-US" sz="3000" dirty="0">
+                <a:latin typeface="Times New Roman" panose="02020603050405020304" pitchFamily="18" charset="0"/>
+                <a:cs typeface="Times New Roman" panose="02020603050405020304" pitchFamily="18" charset="0"/>
+              </a:rPr>
+              <a:t> </a:t>
+            </a:r>
+            <a:r>
+              <a:rPr lang="en-US" sz="3000" dirty="0" err="1">
+                <a:latin typeface="Times New Roman" panose="02020603050405020304" pitchFamily="18" charset="0"/>
+                <a:cs typeface="Times New Roman" panose="02020603050405020304" pitchFamily="18" charset="0"/>
+              </a:rPr>
+              <a:t>của</a:t>
+            </a:r>
+            <a:r>
+              <a:rPr lang="en-US" sz="3000" dirty="0">
+                <a:latin typeface="Times New Roman" panose="02020603050405020304" pitchFamily="18" charset="0"/>
+                <a:cs typeface="Times New Roman" panose="02020603050405020304" pitchFamily="18" charset="0"/>
+              </a:rPr>
+              <a:t> website =&gt; Spa </a:t>
+            </a:r>
+            <a:r>
+              <a:rPr lang="en-US" sz="3000" dirty="0" err="1">
+                <a:latin typeface="Times New Roman" panose="02020603050405020304" pitchFamily="18" charset="0"/>
+                <a:cs typeface="Times New Roman" panose="02020603050405020304" pitchFamily="18" charset="0"/>
+              </a:rPr>
+              <a:t>Webstie</a:t>
+            </a:r>
+            <a:r>
+              <a:rPr lang="en-US" sz="3000" dirty="0">
+                <a:latin typeface="Times New Roman" panose="02020603050405020304" pitchFamily="18" charset="0"/>
+                <a:cs typeface="Times New Roman" panose="02020603050405020304" pitchFamily="18" charset="0"/>
+              </a:rPr>
+              <a:t> ra </a:t>
+            </a:r>
+            <a:r>
+              <a:rPr lang="en-US" sz="3000" dirty="0" err="1">
+                <a:latin typeface="Times New Roman" panose="02020603050405020304" pitchFamily="18" charset="0"/>
+                <a:cs typeface="Times New Roman" panose="02020603050405020304" pitchFamily="18" charset="0"/>
+              </a:rPr>
+              <a:t>đời</a:t>
+            </a:r>
+            <a:endParaRPr lang="en-US" sz="2000" dirty="0">
+              <a:latin typeface="Times New Roman" panose="02020603050405020304" pitchFamily="18" charset="0"/>
+              <a:cs typeface="Times New Roman" panose="02020603050405020304" pitchFamily="18" charset="0"/>
+            </a:endParaRPr>
+          </a:p>
+          <a:p>
+            <a:r>
+              <a:rPr lang="en-US" sz="3000" dirty="0" err="1">
+                <a:latin typeface="Times New Roman" panose="02020603050405020304" pitchFamily="18" charset="0"/>
+                <a:cs typeface="Times New Roman" panose="02020603050405020304" pitchFamily="18" charset="0"/>
+              </a:rPr>
+              <a:t>Ứng</a:t>
+            </a:r>
+            <a:r>
+              <a:rPr lang="en-US" sz="3000" dirty="0">
+                <a:latin typeface="Times New Roman" panose="02020603050405020304" pitchFamily="18" charset="0"/>
+                <a:cs typeface="Times New Roman" panose="02020603050405020304" pitchFamily="18" charset="0"/>
+              </a:rPr>
+              <a:t> </a:t>
+            </a:r>
+            <a:r>
+              <a:rPr lang="en-US" sz="3000" dirty="0" err="1">
+                <a:latin typeface="Times New Roman" panose="02020603050405020304" pitchFamily="18" charset="0"/>
+                <a:cs typeface="Times New Roman" panose="02020603050405020304" pitchFamily="18" charset="0"/>
+              </a:rPr>
+              <a:t>dụng</a:t>
+            </a:r>
+            <a:r>
+              <a:rPr lang="en-US" sz="3000" dirty="0">
+                <a:latin typeface="Times New Roman" panose="02020603050405020304" pitchFamily="18" charset="0"/>
+                <a:cs typeface="Times New Roman" panose="02020603050405020304" pitchFamily="18" charset="0"/>
+              </a:rPr>
+              <a:t> website spa ra </a:t>
+            </a:r>
+            <a:r>
+              <a:rPr lang="en-US" sz="3000" dirty="0" err="1">
+                <a:latin typeface="Times New Roman" panose="02020603050405020304" pitchFamily="18" charset="0"/>
+                <a:cs typeface="Times New Roman" panose="02020603050405020304" pitchFamily="18" charset="0"/>
+              </a:rPr>
+              <a:t>đời</a:t>
+            </a:r>
+            <a:r>
+              <a:rPr lang="en-US" sz="3000" dirty="0">
+                <a:latin typeface="Times New Roman" panose="02020603050405020304" pitchFamily="18" charset="0"/>
+                <a:cs typeface="Times New Roman" panose="02020603050405020304" pitchFamily="18" charset="0"/>
+              </a:rPr>
+              <a:t> </a:t>
+            </a:r>
+            <a:r>
+              <a:rPr lang="en-US" sz="3000" dirty="0" err="1">
+                <a:latin typeface="Times New Roman" panose="02020603050405020304" pitchFamily="18" charset="0"/>
+                <a:cs typeface="Times New Roman" panose="02020603050405020304" pitchFamily="18" charset="0"/>
+              </a:rPr>
+              <a:t>giúp</a:t>
+            </a:r>
+            <a:r>
+              <a:rPr lang="en-US" sz="3000" dirty="0">
+                <a:latin typeface="Times New Roman" panose="02020603050405020304" pitchFamily="18" charset="0"/>
+                <a:cs typeface="Times New Roman" panose="02020603050405020304" pitchFamily="18" charset="0"/>
+              </a:rPr>
+              <a:t> </a:t>
+            </a:r>
+            <a:r>
+              <a:rPr lang="en-US" sz="3000" dirty="0" err="1">
+                <a:latin typeface="Times New Roman" panose="02020603050405020304" pitchFamily="18" charset="0"/>
+                <a:cs typeface="Times New Roman" panose="02020603050405020304" pitchFamily="18" charset="0"/>
+              </a:rPr>
+              <a:t>những</a:t>
+            </a:r>
+            <a:r>
+              <a:rPr lang="en-US" sz="3000" dirty="0">
+                <a:latin typeface="Times New Roman" panose="02020603050405020304" pitchFamily="18" charset="0"/>
+                <a:cs typeface="Times New Roman" panose="02020603050405020304" pitchFamily="18" charset="0"/>
+              </a:rPr>
+              <a:t> </a:t>
+            </a:r>
+            <a:r>
+              <a:rPr lang="en-US" sz="3000" dirty="0" err="1">
+                <a:latin typeface="Times New Roman" panose="02020603050405020304" pitchFamily="18" charset="0"/>
+                <a:cs typeface="Times New Roman" panose="02020603050405020304" pitchFamily="18" charset="0"/>
+              </a:rPr>
+              <a:t>trung</a:t>
+            </a:r>
+            <a:r>
+              <a:rPr lang="en-US" sz="3000" dirty="0">
+                <a:latin typeface="Times New Roman" panose="02020603050405020304" pitchFamily="18" charset="0"/>
+                <a:cs typeface="Times New Roman" panose="02020603050405020304" pitchFamily="18" charset="0"/>
+              </a:rPr>
+              <a:t> </a:t>
+            </a:r>
+            <a:r>
+              <a:rPr lang="en-US" sz="3000" dirty="0" err="1">
+                <a:latin typeface="Times New Roman" panose="02020603050405020304" pitchFamily="18" charset="0"/>
+                <a:cs typeface="Times New Roman" panose="02020603050405020304" pitchFamily="18" charset="0"/>
+              </a:rPr>
+              <a:t>tâm</a:t>
+            </a:r>
+            <a:r>
+              <a:rPr lang="en-US" sz="3000" dirty="0">
+                <a:latin typeface="Times New Roman" panose="02020603050405020304" pitchFamily="18" charset="0"/>
+                <a:cs typeface="Times New Roman" panose="02020603050405020304" pitchFamily="18" charset="0"/>
+              </a:rPr>
+              <a:t> spa </a:t>
+            </a:r>
+            <a:r>
+              <a:rPr lang="en-US" sz="3000" dirty="0" err="1">
+                <a:latin typeface="Times New Roman" panose="02020603050405020304" pitchFamily="18" charset="0"/>
+                <a:cs typeface="Times New Roman" panose="02020603050405020304" pitchFamily="18" charset="0"/>
+              </a:rPr>
+              <a:t>gia</a:t>
+            </a:r>
+            <a:r>
+              <a:rPr lang="en-US" sz="3000" dirty="0">
+                <a:latin typeface="Times New Roman" panose="02020603050405020304" pitchFamily="18" charset="0"/>
+                <a:cs typeface="Times New Roman" panose="02020603050405020304" pitchFamily="18" charset="0"/>
+              </a:rPr>
+              <a:t> </a:t>
+            </a:r>
+            <a:r>
+              <a:rPr lang="en-US" sz="3000" dirty="0" err="1">
+                <a:latin typeface="Times New Roman" panose="02020603050405020304" pitchFamily="18" charset="0"/>
+                <a:cs typeface="Times New Roman" panose="02020603050405020304" pitchFamily="18" charset="0"/>
+              </a:rPr>
+              <a:t>tăng</a:t>
+            </a:r>
+            <a:r>
+              <a:rPr lang="en-US" sz="3000" dirty="0">
+                <a:latin typeface="Times New Roman" panose="02020603050405020304" pitchFamily="18" charset="0"/>
+                <a:cs typeface="Times New Roman" panose="02020603050405020304" pitchFamily="18" charset="0"/>
+              </a:rPr>
+              <a:t> </a:t>
+            </a:r>
+            <a:r>
+              <a:rPr lang="en-US" sz="3000" dirty="0" err="1">
+                <a:latin typeface="Times New Roman" panose="02020603050405020304" pitchFamily="18" charset="0"/>
+                <a:cs typeface="Times New Roman" panose="02020603050405020304" pitchFamily="18" charset="0"/>
+              </a:rPr>
+              <a:t>doanh</a:t>
+            </a:r>
+            <a:r>
+              <a:rPr lang="en-US" sz="3000" dirty="0">
+                <a:latin typeface="Times New Roman" panose="02020603050405020304" pitchFamily="18" charset="0"/>
+                <a:cs typeface="Times New Roman" panose="02020603050405020304" pitchFamily="18" charset="0"/>
+              </a:rPr>
+              <a:t> </a:t>
+            </a:r>
+            <a:r>
+              <a:rPr lang="en-US" sz="3000" dirty="0" err="1">
+                <a:latin typeface="Times New Roman" panose="02020603050405020304" pitchFamily="18" charset="0"/>
+                <a:cs typeface="Times New Roman" panose="02020603050405020304" pitchFamily="18" charset="0"/>
+              </a:rPr>
+              <a:t>số</a:t>
+            </a:r>
+            <a:r>
+              <a:rPr lang="en-US" sz="3000" dirty="0">
+                <a:latin typeface="Times New Roman" panose="02020603050405020304" pitchFamily="18" charset="0"/>
+                <a:cs typeface="Times New Roman" panose="02020603050405020304" pitchFamily="18" charset="0"/>
+              </a:rPr>
+              <a:t> </a:t>
+            </a:r>
+            <a:r>
+              <a:rPr lang="en-US" sz="3000" dirty="0" err="1">
+                <a:latin typeface="Times New Roman" panose="02020603050405020304" pitchFamily="18" charset="0"/>
+                <a:cs typeface="Times New Roman" panose="02020603050405020304" pitchFamily="18" charset="0"/>
+              </a:rPr>
+              <a:t>nhiều</a:t>
+            </a:r>
+            <a:r>
+              <a:rPr lang="en-US" sz="3000" dirty="0">
+                <a:latin typeface="Times New Roman" panose="02020603050405020304" pitchFamily="18" charset="0"/>
+                <a:cs typeface="Times New Roman" panose="02020603050405020304" pitchFamily="18" charset="0"/>
+              </a:rPr>
+              <a:t> h</a:t>
+            </a:r>
+            <a:r>
+              <a:rPr lang="vi-VN" sz="3000" dirty="0">
+                <a:latin typeface="Times New Roman" panose="02020603050405020304" pitchFamily="18" charset="0"/>
+                <a:cs typeface="Times New Roman" panose="02020603050405020304" pitchFamily="18" charset="0"/>
+              </a:rPr>
+              <a:t>ơ</a:t>
+            </a:r>
+            <a:r>
+              <a:rPr lang="en-US" sz="3000" dirty="0">
+                <a:latin typeface="Times New Roman" panose="02020603050405020304" pitchFamily="18" charset="0"/>
+                <a:cs typeface="Times New Roman" panose="02020603050405020304" pitchFamily="18" charset="0"/>
+              </a:rPr>
+              <a:t>n, </a:t>
+            </a:r>
+            <a:r>
+              <a:rPr lang="en-US" sz="3000" dirty="0" err="1">
+                <a:latin typeface="Times New Roman" panose="02020603050405020304" pitchFamily="18" charset="0"/>
+                <a:cs typeface="Times New Roman" panose="02020603050405020304" pitchFamily="18" charset="0"/>
+              </a:rPr>
+              <a:t>tiếp</a:t>
+            </a:r>
+            <a:r>
+              <a:rPr lang="en-US" sz="3000" dirty="0">
+                <a:latin typeface="Times New Roman" panose="02020603050405020304" pitchFamily="18" charset="0"/>
+                <a:cs typeface="Times New Roman" panose="02020603050405020304" pitchFamily="18" charset="0"/>
+              </a:rPr>
+              <a:t> </a:t>
+            </a:r>
+            <a:r>
+              <a:rPr lang="en-US" sz="3000" dirty="0" err="1">
+                <a:latin typeface="Times New Roman" panose="02020603050405020304" pitchFamily="18" charset="0"/>
+                <a:cs typeface="Times New Roman" panose="02020603050405020304" pitchFamily="18" charset="0"/>
+              </a:rPr>
+              <a:t>cận</a:t>
+            </a:r>
+            <a:r>
+              <a:rPr lang="en-US" sz="3000" dirty="0">
+                <a:latin typeface="Times New Roman" panose="02020603050405020304" pitchFamily="18" charset="0"/>
+                <a:cs typeface="Times New Roman" panose="02020603050405020304" pitchFamily="18" charset="0"/>
+              </a:rPr>
+              <a:t> </a:t>
+            </a:r>
+            <a:r>
+              <a:rPr lang="en-US" sz="3000" dirty="0" err="1">
+                <a:latin typeface="Times New Roman" panose="02020603050405020304" pitchFamily="18" charset="0"/>
+                <a:cs typeface="Times New Roman" panose="02020603050405020304" pitchFamily="18" charset="0"/>
+              </a:rPr>
+              <a:t>đến</a:t>
+            </a:r>
+            <a:r>
+              <a:rPr lang="en-US" sz="3000" dirty="0">
+                <a:latin typeface="Times New Roman" panose="02020603050405020304" pitchFamily="18" charset="0"/>
+                <a:cs typeface="Times New Roman" panose="02020603050405020304" pitchFamily="18" charset="0"/>
+              </a:rPr>
+              <a:t> </a:t>
+            </a:r>
+            <a:r>
+              <a:rPr lang="en-US" sz="3000" dirty="0" err="1">
+                <a:latin typeface="Times New Roman" panose="02020603050405020304" pitchFamily="18" charset="0"/>
+                <a:cs typeface="Times New Roman" panose="02020603050405020304" pitchFamily="18" charset="0"/>
+              </a:rPr>
+              <a:t>khách</a:t>
+            </a:r>
+            <a:r>
+              <a:rPr lang="en-US" sz="3000" dirty="0">
+                <a:latin typeface="Times New Roman" panose="02020603050405020304" pitchFamily="18" charset="0"/>
+                <a:cs typeface="Times New Roman" panose="02020603050405020304" pitchFamily="18" charset="0"/>
+              </a:rPr>
+              <a:t> </a:t>
+            </a:r>
+            <a:r>
+              <a:rPr lang="en-US" sz="3000" dirty="0" err="1">
+                <a:latin typeface="Times New Roman" panose="02020603050405020304" pitchFamily="18" charset="0"/>
+                <a:cs typeface="Times New Roman" panose="02020603050405020304" pitchFamily="18" charset="0"/>
+              </a:rPr>
+              <a:t>hàng</a:t>
+            </a:r>
+            <a:r>
+              <a:rPr lang="en-US" sz="3000" dirty="0">
+                <a:latin typeface="Times New Roman" panose="02020603050405020304" pitchFamily="18" charset="0"/>
+                <a:cs typeface="Times New Roman" panose="02020603050405020304" pitchFamily="18" charset="0"/>
+              </a:rPr>
+              <a:t> </a:t>
+            </a:r>
+            <a:r>
+              <a:rPr lang="en-US" sz="3000">
+                <a:latin typeface="Times New Roman" panose="02020603050405020304" pitchFamily="18" charset="0"/>
+                <a:cs typeface="Times New Roman" panose="02020603050405020304" pitchFamily="18" charset="0"/>
+              </a:rPr>
+              <a:t>tốt </a:t>
+            </a:r>
+            <a:r>
+              <a:rPr lang="en-US" sz="3000" dirty="0">
+                <a:latin typeface="Times New Roman" panose="02020603050405020304" pitchFamily="18" charset="0"/>
+                <a:cs typeface="Times New Roman" panose="02020603050405020304" pitchFamily="18" charset="0"/>
+              </a:rPr>
+              <a:t>h</a:t>
+            </a:r>
+            <a:r>
+              <a:rPr lang="vi-VN" sz="3000" dirty="0">
+                <a:latin typeface="Times New Roman" panose="02020603050405020304" pitchFamily="18" charset="0"/>
+                <a:cs typeface="Times New Roman" panose="02020603050405020304" pitchFamily="18" charset="0"/>
+              </a:rPr>
+              <a:t>ơ</a:t>
+            </a:r>
+            <a:r>
+              <a:rPr lang="en-US" sz="3000" dirty="0">
+                <a:latin typeface="Times New Roman" panose="02020603050405020304" pitchFamily="18" charset="0"/>
+                <a:cs typeface="Times New Roman" panose="02020603050405020304" pitchFamily="18" charset="0"/>
+              </a:rPr>
+              <a:t>n.</a:t>
+            </a:r>
+            <a:endParaRPr lang="en-US" sz="2000" dirty="0">
+              <a:latin typeface="Times New Roman" panose="02020603050405020304" pitchFamily="18" charset="0"/>
+              <a:cs typeface="Times New Roman" panose="02020603050405020304" pitchFamily="18" charset="0"/>
+            </a:endParaRPr>
+          </a:p>
+        </p:txBody>
+      </p:sp>
+    </p:spTree>
+    <p:extLst>
+      <p:ext uri="{BB962C8B-B14F-4D97-AF65-F5344CB8AC3E}">
+        <p14:creationId xmlns:p14="http://schemas.microsoft.com/office/powerpoint/2010/main" val="2819966697"/>
+      </p:ext>
+    </p:extLst>
+  </p:cSld>
+  <p:clrMapOvr>
+    <a:masterClrMapping/>
+  </p:clrMapOvr>
+  <p:timing>
+    <p:tnLst>
+      <p:par>
+        <p:cTn id="1" dur="indefinite" restart="never" nodeType="tmRoot">
+          <p:childTnLst>
+            <p:seq concurrent="1" nextAc="seek">
+              <p:cTn id="2" dur="indefinite" nodeType="mainSeq">
+                <p:childTnLst>
+                  <p:par>
+                    <p:cTn id="3" fill="hold">
+                      <p:stCondLst>
+                        <p:cond delay="indefinite"/>
+                      </p:stCondLst>
+                      <p:childTnLst>
+                        <p:par>
+                          <p:cTn id="4" fill="hold">
+                            <p:stCondLst>
+                              <p:cond delay="0"/>
+                            </p:stCondLst>
+                            <p:childTnLst>
+                              <p:par>
+                                <p:cTn id="5" presetID="2" presetClass="entr" presetSubtype="4" fill="hold" grpId="0" nodeType="clickEffect">
+                                  <p:stCondLst>
+                                    <p:cond delay="0"/>
+                                  </p:stCondLst>
+                                  <p:childTnLst>
+                                    <p:set>
+                                      <p:cBhvr>
+                                        <p:cTn id="6" dur="1" fill="hold">
+                                          <p:stCondLst>
+                                            <p:cond delay="0"/>
+                                          </p:stCondLst>
+                                        </p:cTn>
+                                        <p:tgtEl>
+                                          <p:spTgt spid="2"/>
+                                        </p:tgtEl>
+                                        <p:attrNameLst>
+                                          <p:attrName>style.visibility</p:attrName>
+                                        </p:attrNameLst>
+                                      </p:cBhvr>
+                                      <p:to>
+                                        <p:strVal val="visible"/>
+                                      </p:to>
+                                    </p:set>
+                                    <p:anim calcmode="lin" valueType="num">
+                                      <p:cBhvr additive="base">
+                                        <p:cTn id="7" dur="500" fill="hold"/>
+                                        <p:tgtEl>
+                                          <p:spTgt spid="2"/>
+                                        </p:tgtEl>
+                                        <p:attrNameLst>
+                                          <p:attrName>ppt_x</p:attrName>
+                                        </p:attrNameLst>
+                                      </p:cBhvr>
+                                      <p:tavLst>
+                                        <p:tav tm="0">
+                                          <p:val>
+                                            <p:strVal val="#ppt_x"/>
+                                          </p:val>
+                                        </p:tav>
+                                        <p:tav tm="100000">
+                                          <p:val>
+                                            <p:strVal val="#ppt_x"/>
+                                          </p:val>
+                                        </p:tav>
+                                      </p:tavLst>
+                                    </p:anim>
+                                    <p:anim calcmode="lin" valueType="num">
+                                      <p:cBhvr additive="base">
+                                        <p:cTn id="8" dur="500" fill="hold"/>
+                                        <p:tgtEl>
+                                          <p:spTgt spid="2"/>
+                                        </p:tgtEl>
+                                        <p:attrNameLst>
+                                          <p:attrName>ppt_y</p:attrName>
+                                        </p:attrNameLst>
+                                      </p:cBhvr>
+                                      <p:tavLst>
+                                        <p:tav tm="0">
+                                          <p:val>
+                                            <p:strVal val="1+#ppt_h/2"/>
+                                          </p:val>
+                                        </p:tav>
+                                        <p:tav tm="100000">
+                                          <p:val>
+                                            <p:strVal val="#ppt_y"/>
+                                          </p:val>
+                                        </p:tav>
+                                      </p:tavLst>
+                                    </p:anim>
+                                  </p:childTnLst>
+                                </p:cTn>
+                              </p:par>
+                            </p:childTnLst>
+                          </p:cTn>
+                        </p:par>
+                      </p:childTnLst>
+                    </p:cTn>
+                  </p:par>
+                  <p:par>
+                    <p:cTn id="9" fill="hold">
+                      <p:stCondLst>
+                        <p:cond delay="indefinite"/>
+                      </p:stCondLst>
+                      <p:childTnLst>
+                        <p:par>
+                          <p:cTn id="10" fill="hold">
+                            <p:stCondLst>
+                              <p:cond delay="0"/>
+                            </p:stCondLst>
+                            <p:childTnLst>
+                              <p:par>
+                                <p:cTn id="11" presetID="10" presetClass="entr" presetSubtype="0" fill="hold" nodeType="clickEffect">
+                                  <p:stCondLst>
+                                    <p:cond delay="0"/>
+                                  </p:stCondLst>
+                                  <p:childTnLst>
+                                    <p:set>
+                                      <p:cBhvr>
+                                        <p:cTn id="12" dur="1" fill="hold">
+                                          <p:stCondLst>
+                                            <p:cond delay="0"/>
+                                          </p:stCondLst>
+                                        </p:cTn>
+                                        <p:tgtEl>
+                                          <p:spTgt spid="3">
+                                            <p:txEl>
+                                              <p:pRg st="0" end="0"/>
+                                            </p:txEl>
+                                          </p:spTgt>
+                                        </p:tgtEl>
+                                        <p:attrNameLst>
+                                          <p:attrName>style.visibility</p:attrName>
+                                        </p:attrNameLst>
+                                      </p:cBhvr>
+                                      <p:to>
+                                        <p:strVal val="visible"/>
+                                      </p:to>
+                                    </p:set>
+                                    <p:animEffect transition="in" filter="fade">
+                                      <p:cBhvr>
+                                        <p:cTn id="13" dur="500"/>
+                                        <p:tgtEl>
+                                          <p:spTgt spid="3">
+                                            <p:txEl>
+                                              <p:pRg st="0" end="0"/>
+                                            </p:txEl>
+                                          </p:spTgt>
+                                        </p:tgtEl>
+                                      </p:cBhvr>
+                                    </p:animEffect>
+                                  </p:childTnLst>
+                                </p:cTn>
+                              </p:par>
+                              <p:par>
+                                <p:cTn id="14" presetID="10" presetClass="entr" presetSubtype="0" fill="hold" nodeType="withEffect">
+                                  <p:stCondLst>
+                                    <p:cond delay="0"/>
+                                  </p:stCondLst>
+                                  <p:childTnLst>
+                                    <p:set>
+                                      <p:cBhvr>
+                                        <p:cTn id="15" dur="1" fill="hold">
+                                          <p:stCondLst>
+                                            <p:cond delay="0"/>
+                                          </p:stCondLst>
+                                        </p:cTn>
+                                        <p:tgtEl>
+                                          <p:spTgt spid="3">
+                                            <p:txEl>
+                                              <p:pRg st="1" end="1"/>
+                                            </p:txEl>
+                                          </p:spTgt>
+                                        </p:tgtEl>
+                                        <p:attrNameLst>
+                                          <p:attrName>style.visibility</p:attrName>
+                                        </p:attrNameLst>
+                                      </p:cBhvr>
+                                      <p:to>
+                                        <p:strVal val="visible"/>
+                                      </p:to>
+                                    </p:set>
+                                    <p:animEffect transition="in" filter="fade">
+                                      <p:cBhvr>
+                                        <p:cTn id="16" dur="500"/>
+                                        <p:tgtEl>
+                                          <p:spTgt spid="3">
+                                            <p:txEl>
+                                              <p:pRg st="1" end="1"/>
+                                            </p:txEl>
+                                          </p:spTgt>
+                                        </p:tgtEl>
+                                      </p:cBhvr>
+                                    </p:animEffect>
+                                  </p:childTnLst>
+                                </p:cTn>
+                              </p:par>
+                              <p:par>
+                                <p:cTn id="17" presetID="10" presetClass="entr" presetSubtype="0" fill="hold" nodeType="withEffect">
+                                  <p:stCondLst>
+                                    <p:cond delay="0"/>
+                                  </p:stCondLst>
+                                  <p:childTnLst>
+                                    <p:set>
+                                      <p:cBhvr>
+                                        <p:cTn id="18" dur="1" fill="hold">
+                                          <p:stCondLst>
+                                            <p:cond delay="0"/>
+                                          </p:stCondLst>
+                                        </p:cTn>
+                                        <p:tgtEl>
+                                          <p:spTgt spid="3">
+                                            <p:txEl>
+                                              <p:pRg st="2" end="2"/>
+                                            </p:txEl>
+                                          </p:spTgt>
+                                        </p:tgtEl>
+                                        <p:attrNameLst>
+                                          <p:attrName>style.visibility</p:attrName>
+                                        </p:attrNameLst>
+                                      </p:cBhvr>
+                                      <p:to>
+                                        <p:strVal val="visible"/>
+                                      </p:to>
+                                    </p:set>
+                                    <p:animEffect transition="in" filter="fade">
+                                      <p:cBhvr>
+                                        <p:cTn id="19" dur="500"/>
+                                        <p:tgtEl>
+                                          <p:spTgt spid="3">
+                                            <p:txEl>
+                                              <p:pRg st="2" end="2"/>
+                                            </p:txEl>
+                                          </p:spTgt>
+                                        </p:tgtEl>
+                                      </p:cBhvr>
+                                    </p:animEffect>
+                                  </p:childTnLst>
+                                </p:cTn>
+                              </p:par>
+                              <p:par>
+                                <p:cTn id="20" presetID="10" presetClass="entr" presetSubtype="0" fill="hold" nodeType="withEffect">
+                                  <p:stCondLst>
+                                    <p:cond delay="0"/>
+                                  </p:stCondLst>
+                                  <p:childTnLst>
+                                    <p:set>
+                                      <p:cBhvr>
+                                        <p:cTn id="21" dur="1" fill="hold">
+                                          <p:stCondLst>
+                                            <p:cond delay="0"/>
+                                          </p:stCondLst>
+                                        </p:cTn>
+                                        <p:tgtEl>
+                                          <p:spTgt spid="3">
+                                            <p:txEl>
+                                              <p:pRg st="3" end="3"/>
+                                            </p:txEl>
+                                          </p:spTgt>
+                                        </p:tgtEl>
+                                        <p:attrNameLst>
+                                          <p:attrName>style.visibility</p:attrName>
+                                        </p:attrNameLst>
+                                      </p:cBhvr>
+                                      <p:to>
+                                        <p:strVal val="visible"/>
+                                      </p:to>
+                                    </p:set>
+                                    <p:animEffect transition="in" filter="fade">
+                                      <p:cBhvr>
+                                        <p:cTn id="22" dur="500"/>
+                                        <p:tgtEl>
+                                          <p:spTgt spid="3">
+                                            <p:txEl>
+                                              <p:pRg st="3" end="3"/>
+                                            </p:txEl>
+                                          </p:spTgt>
+                                        </p:tgtEl>
+                                      </p:cBhvr>
+                                    </p:animEffect>
+                                  </p:childTnLst>
+                                </p:cTn>
+                              </p:par>
+                            </p:childTnLst>
+                          </p:cTn>
+                        </p:par>
+                      </p:childTnLst>
+                    </p:cTn>
+                  </p:par>
+                </p:childTnLst>
+              </p:cTn>
+              <p:prevCondLst>
+                <p:cond evt="onPrev" delay="0">
+                  <p:tgtEl>
+                    <p:sldTgt/>
+                  </p:tgtEl>
+                </p:cond>
+              </p:prevCondLst>
+              <p:nextCondLst>
+                <p:cond evt="onNext" delay="0">
+                  <p:tgtEl>
+                    <p:sldTgt/>
+                  </p:tgtEl>
+                </p:cond>
+              </p:nextCondLst>
+            </p:seq>
+          </p:childTnLst>
+        </p:cTn>
+      </p:par>
+    </p:tnLst>
+    <p:bldLst>
+      <p:bldP spid="2" grpId="0"/>
+    </p:bldLst>
+  </p:timing>
+</p:sld>
+</file>
+
+<file path=ppt/slides/slide20.xml><?xml version="1.0" encoding="utf-8"?>
 <p:sld xmlns:a="http://schemas.openxmlformats.org/drawingml/2006/main" xmlns:r="http://schemas.openxmlformats.org/officeDocument/2006/relationships" xmlns:p="http://schemas.openxmlformats.org/presentationml/2006/main">
   <p:cSld>
     <p:spTree>
@@ -16574,7 +18432,7 @@
 </p:sld>
 </file>
 
-<file path=ppt/slides/slide16.xml><?xml version="1.0" encoding="utf-8"?>
+<file path=ppt/slides/slide21.xml><?xml version="1.0" encoding="utf-8"?>
 <p:sld xmlns:a="http://schemas.openxmlformats.org/drawingml/2006/main" xmlns:r="http://schemas.openxmlformats.org/officeDocument/2006/relationships" xmlns:p="http://schemas.openxmlformats.org/presentationml/2006/main">
   <p:cSld>
     <p:spTree>
@@ -16814,1172 +18672,6 @@
     </p:tnLst>
     <p:bldLst>
       <p:bldP spid="4" grpId="0"/>
-    </p:bldLst>
-  </p:timing>
-</p:sld>
-</file>
-
-<file path=ppt/slides/slide2.xml><?xml version="1.0" encoding="utf-8"?>
-<p:sld xmlns:a="http://schemas.openxmlformats.org/drawingml/2006/main" xmlns:r="http://schemas.openxmlformats.org/officeDocument/2006/relationships" xmlns:p="http://schemas.openxmlformats.org/presentationml/2006/main">
-  <p:cSld>
-    <p:spTree>
-      <p:nvGrpSpPr>
-        <p:cNvPr id="1" name=""/>
-        <p:cNvGrpSpPr/>
-        <p:nvPr/>
-      </p:nvGrpSpPr>
-      <p:grpSpPr>
-        <a:xfrm>
-          <a:off x="0" y="0"/>
-          <a:ext cx="0" cy="0"/>
-          <a:chOff x="0" y="0"/>
-          <a:chExt cx="0" cy="0"/>
-        </a:xfrm>
-      </p:grpSpPr>
-      <p:sp>
-        <p:nvSpPr>
-          <p:cNvPr id="2" name="Title 1">
-            <a:extLst>
-              <a:ext uri="{FF2B5EF4-FFF2-40B4-BE49-F238E27FC236}">
-                <a16:creationId xmlns:a16="http://schemas.microsoft.com/office/drawing/2014/main" id="{783ACFE5-A006-488F-ACAE-A84365A6C8E5}"/>
-              </a:ext>
-            </a:extLst>
-          </p:cNvPr>
-          <p:cNvSpPr>
-            <a:spLocks noGrp="1"/>
-          </p:cNvSpPr>
-          <p:nvPr>
-            <p:ph type="title"/>
-          </p:nvPr>
-        </p:nvSpPr>
-        <p:spPr/>
-        <p:txBody>
-          <a:bodyPr/>
-          <a:lstStyle/>
-          <a:p>
-            <a:r>
-              <a:rPr lang="en-US" dirty="0">
-                <a:latin typeface="Times New Roman" panose="02020603050405020304" pitchFamily="18" charset="0"/>
-                <a:cs typeface="Times New Roman" panose="02020603050405020304" pitchFamily="18" charset="0"/>
-              </a:rPr>
-              <a:t>GIỚI THIỆU</a:t>
-            </a:r>
-          </a:p>
-        </p:txBody>
-      </p:sp>
-      <p:sp>
-        <p:nvSpPr>
-          <p:cNvPr id="3" name="Content Placeholder 2">
-            <a:extLst>
-              <a:ext uri="{FF2B5EF4-FFF2-40B4-BE49-F238E27FC236}">
-                <a16:creationId xmlns:a16="http://schemas.microsoft.com/office/drawing/2014/main" id="{D8EA25B0-3259-4F4E-BAC3-8A1740CC2639}"/>
-              </a:ext>
-            </a:extLst>
-          </p:cNvPr>
-          <p:cNvSpPr>
-            <a:spLocks noGrp="1"/>
-          </p:cNvSpPr>
-          <p:nvPr>
-            <p:ph idx="1"/>
-          </p:nvPr>
-        </p:nvSpPr>
-        <p:spPr>
-          <a:xfrm>
-            <a:off x="2589212" y="2133600"/>
-            <a:ext cx="8237814" cy="4100290"/>
-          </a:xfrm>
-        </p:spPr>
-        <p:txBody>
-          <a:bodyPr>
-            <a:normAutofit lnSpcReduction="10000"/>
-          </a:bodyPr>
-          <a:lstStyle/>
-          <a:p>
-            <a:r>
-              <a:rPr lang="en-US" sz="3000" b="1" dirty="0">
-                <a:latin typeface="Times New Roman" panose="02020603050405020304" pitchFamily="18" charset="0"/>
-                <a:cs typeface="Times New Roman" panose="02020603050405020304" pitchFamily="18" charset="0"/>
-              </a:rPr>
-              <a:t>Spa </a:t>
-            </a:r>
-            <a:r>
-              <a:rPr lang="en-US" sz="3000" b="1" dirty="0" err="1">
-                <a:latin typeface="Times New Roman" panose="02020603050405020304" pitchFamily="18" charset="0"/>
-                <a:cs typeface="Times New Roman" panose="02020603050405020304" pitchFamily="18" charset="0"/>
-              </a:rPr>
-              <a:t>là</a:t>
-            </a:r>
-            <a:r>
-              <a:rPr lang="en-US" sz="3000" b="1" dirty="0">
-                <a:latin typeface="Times New Roman" panose="02020603050405020304" pitchFamily="18" charset="0"/>
-                <a:cs typeface="Times New Roman" panose="02020603050405020304" pitchFamily="18" charset="0"/>
-              </a:rPr>
-              <a:t> </a:t>
-            </a:r>
-            <a:r>
-              <a:rPr lang="en-US" sz="3000" b="1" dirty="0" err="1">
-                <a:latin typeface="Times New Roman" panose="02020603050405020304" pitchFamily="18" charset="0"/>
-                <a:cs typeface="Times New Roman" panose="02020603050405020304" pitchFamily="18" charset="0"/>
-              </a:rPr>
-              <a:t>một</a:t>
-            </a:r>
-            <a:r>
-              <a:rPr lang="en-US" sz="3000" b="1" dirty="0">
-                <a:latin typeface="Times New Roman" panose="02020603050405020304" pitchFamily="18" charset="0"/>
-                <a:cs typeface="Times New Roman" panose="02020603050405020304" pitchFamily="18" charset="0"/>
-              </a:rPr>
-              <a:t> </a:t>
-            </a:r>
-            <a:r>
-              <a:rPr lang="en-US" sz="3000" b="1" dirty="0" err="1">
-                <a:latin typeface="Times New Roman" panose="02020603050405020304" pitchFamily="18" charset="0"/>
-                <a:cs typeface="Times New Roman" panose="02020603050405020304" pitchFamily="18" charset="0"/>
-              </a:rPr>
-              <a:t>dịch</a:t>
-            </a:r>
-            <a:r>
-              <a:rPr lang="en-US" sz="3000" b="1" dirty="0">
-                <a:latin typeface="Times New Roman" panose="02020603050405020304" pitchFamily="18" charset="0"/>
-                <a:cs typeface="Times New Roman" panose="02020603050405020304" pitchFamily="18" charset="0"/>
-              </a:rPr>
-              <a:t> </a:t>
-            </a:r>
-            <a:r>
-              <a:rPr lang="en-US" sz="3000" b="1" dirty="0" err="1">
-                <a:latin typeface="Times New Roman" panose="02020603050405020304" pitchFamily="18" charset="0"/>
-                <a:cs typeface="Times New Roman" panose="02020603050405020304" pitchFamily="18" charset="0"/>
-              </a:rPr>
-              <a:t>vụ</a:t>
-            </a:r>
-            <a:r>
-              <a:rPr lang="en-US" sz="3000" b="1" dirty="0">
-                <a:latin typeface="Times New Roman" panose="02020603050405020304" pitchFamily="18" charset="0"/>
-                <a:cs typeface="Times New Roman" panose="02020603050405020304" pitchFamily="18" charset="0"/>
-              </a:rPr>
-              <a:t> </a:t>
-            </a:r>
-            <a:r>
-              <a:rPr lang="en-US" sz="3000" b="1" dirty="0" err="1">
-                <a:latin typeface="Times New Roman" panose="02020603050405020304" pitchFamily="18" charset="0"/>
-                <a:cs typeface="Times New Roman" panose="02020603050405020304" pitchFamily="18" charset="0"/>
-              </a:rPr>
-              <a:t>rất</a:t>
-            </a:r>
-            <a:r>
-              <a:rPr lang="en-US" sz="3000" b="1" dirty="0">
-                <a:latin typeface="Times New Roman" panose="02020603050405020304" pitchFamily="18" charset="0"/>
-                <a:cs typeface="Times New Roman" panose="02020603050405020304" pitchFamily="18" charset="0"/>
-              </a:rPr>
-              <a:t> </a:t>
-            </a:r>
-            <a:r>
-              <a:rPr lang="en-US" sz="3000" b="1" dirty="0" err="1">
-                <a:latin typeface="Times New Roman" panose="02020603050405020304" pitchFamily="18" charset="0"/>
-                <a:cs typeface="Times New Roman" panose="02020603050405020304" pitchFamily="18" charset="0"/>
-              </a:rPr>
-              <a:t>phát</a:t>
-            </a:r>
-            <a:r>
-              <a:rPr lang="en-US" sz="3000" b="1" dirty="0">
-                <a:latin typeface="Times New Roman" panose="02020603050405020304" pitchFamily="18" charset="0"/>
-                <a:cs typeface="Times New Roman" panose="02020603050405020304" pitchFamily="18" charset="0"/>
-              </a:rPr>
-              <a:t> </a:t>
-            </a:r>
-            <a:r>
-              <a:rPr lang="en-US" sz="3000" b="1" dirty="0" err="1">
-                <a:latin typeface="Times New Roman" panose="02020603050405020304" pitchFamily="18" charset="0"/>
-                <a:cs typeface="Times New Roman" panose="02020603050405020304" pitchFamily="18" charset="0"/>
-              </a:rPr>
-              <a:t>triển</a:t>
-            </a:r>
-            <a:r>
-              <a:rPr lang="en-US" sz="3000" b="1" dirty="0">
-                <a:latin typeface="Times New Roman" panose="02020603050405020304" pitchFamily="18" charset="0"/>
-                <a:cs typeface="Times New Roman" panose="02020603050405020304" pitchFamily="18" charset="0"/>
-              </a:rPr>
-              <a:t> </a:t>
-            </a:r>
-            <a:r>
-              <a:rPr lang="en-US" sz="3000" b="1" dirty="0" err="1">
-                <a:latin typeface="Times New Roman" panose="02020603050405020304" pitchFamily="18" charset="0"/>
-                <a:cs typeface="Times New Roman" panose="02020603050405020304" pitchFamily="18" charset="0"/>
-              </a:rPr>
-              <a:t>hiện</a:t>
-            </a:r>
-            <a:r>
-              <a:rPr lang="en-US" sz="3000" b="1" dirty="0">
-                <a:latin typeface="Times New Roman" panose="02020603050405020304" pitchFamily="18" charset="0"/>
-                <a:cs typeface="Times New Roman" panose="02020603050405020304" pitchFamily="18" charset="0"/>
-              </a:rPr>
-              <a:t> nay. </a:t>
-            </a:r>
-          </a:p>
-          <a:p>
-            <a:r>
-              <a:rPr lang="en-US" sz="3000" dirty="0">
-                <a:latin typeface="Times New Roman" panose="02020603050405020304" pitchFamily="18" charset="0"/>
-                <a:cs typeface="Times New Roman" panose="02020603050405020304" pitchFamily="18" charset="0"/>
-              </a:rPr>
-              <a:t>Website </a:t>
-            </a:r>
-            <a:r>
-              <a:rPr lang="en-US" sz="3000" dirty="0" err="1">
-                <a:latin typeface="Times New Roman" panose="02020603050405020304" pitchFamily="18" charset="0"/>
-                <a:cs typeface="Times New Roman" panose="02020603050405020304" pitchFamily="18" charset="0"/>
-              </a:rPr>
-              <a:t>là</a:t>
-            </a:r>
-            <a:r>
-              <a:rPr lang="en-US" sz="3000" dirty="0">
-                <a:latin typeface="Times New Roman" panose="02020603050405020304" pitchFamily="18" charset="0"/>
-                <a:cs typeface="Times New Roman" panose="02020603050405020304" pitchFamily="18" charset="0"/>
-              </a:rPr>
-              <a:t> </a:t>
-            </a:r>
-            <a:r>
-              <a:rPr lang="en-US" sz="3000" dirty="0" err="1">
-                <a:latin typeface="Times New Roman" panose="02020603050405020304" pitchFamily="18" charset="0"/>
-                <a:cs typeface="Times New Roman" panose="02020603050405020304" pitchFamily="18" charset="0"/>
-              </a:rPr>
-              <a:t>một</a:t>
-            </a:r>
-            <a:r>
-              <a:rPr lang="en-US" sz="3000" dirty="0">
-                <a:latin typeface="Times New Roman" panose="02020603050405020304" pitchFamily="18" charset="0"/>
-                <a:cs typeface="Times New Roman" panose="02020603050405020304" pitchFamily="18" charset="0"/>
-              </a:rPr>
-              <a:t> </a:t>
-            </a:r>
-            <a:r>
-              <a:rPr lang="en-US" sz="3000" dirty="0" err="1">
-                <a:latin typeface="Times New Roman" panose="02020603050405020304" pitchFamily="18" charset="0"/>
-                <a:cs typeface="Times New Roman" panose="02020603050405020304" pitchFamily="18" charset="0"/>
-              </a:rPr>
-              <a:t>nền</a:t>
-            </a:r>
-            <a:r>
-              <a:rPr lang="en-US" sz="3000" dirty="0">
-                <a:latin typeface="Times New Roman" panose="02020603050405020304" pitchFamily="18" charset="0"/>
-                <a:cs typeface="Times New Roman" panose="02020603050405020304" pitchFamily="18" charset="0"/>
-              </a:rPr>
-              <a:t> </a:t>
-            </a:r>
-            <a:r>
-              <a:rPr lang="en-US" sz="3000" dirty="0" err="1">
-                <a:latin typeface="Times New Roman" panose="02020603050405020304" pitchFamily="18" charset="0"/>
-                <a:cs typeface="Times New Roman" panose="02020603050405020304" pitchFamily="18" charset="0"/>
-              </a:rPr>
-              <a:t>tảng</a:t>
-            </a:r>
-            <a:r>
-              <a:rPr lang="en-US" sz="3000" dirty="0">
-                <a:latin typeface="Times New Roman" panose="02020603050405020304" pitchFamily="18" charset="0"/>
-                <a:cs typeface="Times New Roman" panose="02020603050405020304" pitchFamily="18" charset="0"/>
-              </a:rPr>
-              <a:t> </a:t>
-            </a:r>
-            <a:r>
-              <a:rPr lang="en-US" sz="3000" dirty="0" err="1">
-                <a:latin typeface="Times New Roman" panose="02020603050405020304" pitchFamily="18" charset="0"/>
-                <a:cs typeface="Times New Roman" panose="02020603050405020304" pitchFamily="18" charset="0"/>
-              </a:rPr>
-              <a:t>không</a:t>
-            </a:r>
-            <a:r>
-              <a:rPr lang="en-US" sz="3000" dirty="0">
-                <a:latin typeface="Times New Roman" panose="02020603050405020304" pitchFamily="18" charset="0"/>
-                <a:cs typeface="Times New Roman" panose="02020603050405020304" pitchFamily="18" charset="0"/>
-              </a:rPr>
-              <a:t> </a:t>
-            </a:r>
-            <a:r>
-              <a:rPr lang="en-US" sz="3000" dirty="0" err="1">
-                <a:latin typeface="Times New Roman" panose="02020603050405020304" pitchFamily="18" charset="0"/>
-                <a:cs typeface="Times New Roman" panose="02020603050405020304" pitchFamily="18" charset="0"/>
-              </a:rPr>
-              <a:t>thể</a:t>
-            </a:r>
-            <a:r>
-              <a:rPr lang="en-US" sz="3000" dirty="0">
-                <a:latin typeface="Times New Roman" panose="02020603050405020304" pitchFamily="18" charset="0"/>
-                <a:cs typeface="Times New Roman" panose="02020603050405020304" pitchFamily="18" charset="0"/>
-              </a:rPr>
-              <a:t> </a:t>
-            </a:r>
-            <a:r>
-              <a:rPr lang="en-US" sz="3000" dirty="0" err="1">
-                <a:latin typeface="Times New Roman" panose="02020603050405020304" pitchFamily="18" charset="0"/>
-                <a:cs typeface="Times New Roman" panose="02020603050405020304" pitchFamily="18" charset="0"/>
-              </a:rPr>
-              <a:t>thiếu</a:t>
-            </a:r>
-            <a:r>
-              <a:rPr lang="en-US" sz="3000" dirty="0">
-                <a:latin typeface="Times New Roman" panose="02020603050405020304" pitchFamily="18" charset="0"/>
-                <a:cs typeface="Times New Roman" panose="02020603050405020304" pitchFamily="18" charset="0"/>
-              </a:rPr>
-              <a:t> </a:t>
-            </a:r>
-            <a:r>
-              <a:rPr lang="en-US" sz="3000" dirty="0" err="1">
-                <a:latin typeface="Times New Roman" panose="02020603050405020304" pitchFamily="18" charset="0"/>
-                <a:cs typeface="Times New Roman" panose="02020603050405020304" pitchFamily="18" charset="0"/>
-              </a:rPr>
-              <a:t>trong</a:t>
-            </a:r>
-            <a:r>
-              <a:rPr lang="en-US" sz="3000" dirty="0">
-                <a:latin typeface="Times New Roman" panose="02020603050405020304" pitchFamily="18" charset="0"/>
-                <a:cs typeface="Times New Roman" panose="02020603050405020304" pitchFamily="18" charset="0"/>
-              </a:rPr>
-              <a:t> </a:t>
-            </a:r>
-            <a:r>
-              <a:rPr lang="en-US" sz="3000" dirty="0" err="1">
-                <a:latin typeface="Times New Roman" panose="02020603050405020304" pitchFamily="18" charset="0"/>
-                <a:cs typeface="Times New Roman" panose="02020603050405020304" pitchFamily="18" charset="0"/>
-              </a:rPr>
-              <a:t>việc</a:t>
-            </a:r>
-            <a:r>
-              <a:rPr lang="en-US" sz="3000" dirty="0">
-                <a:latin typeface="Times New Roman" panose="02020603050405020304" pitchFamily="18" charset="0"/>
-                <a:cs typeface="Times New Roman" panose="02020603050405020304" pitchFamily="18" charset="0"/>
-              </a:rPr>
-              <a:t> </a:t>
-            </a:r>
-            <a:r>
-              <a:rPr lang="en-US" sz="3000" dirty="0" err="1">
-                <a:latin typeface="Times New Roman" panose="02020603050405020304" pitchFamily="18" charset="0"/>
-                <a:cs typeface="Times New Roman" panose="02020603050405020304" pitchFamily="18" charset="0"/>
-              </a:rPr>
-              <a:t>kinh</a:t>
-            </a:r>
-            <a:r>
-              <a:rPr lang="en-US" sz="3000" dirty="0">
-                <a:latin typeface="Times New Roman" panose="02020603050405020304" pitchFamily="18" charset="0"/>
-                <a:cs typeface="Times New Roman" panose="02020603050405020304" pitchFamily="18" charset="0"/>
-              </a:rPr>
-              <a:t> </a:t>
-            </a:r>
-            <a:r>
-              <a:rPr lang="en-US" sz="3000" dirty="0" err="1">
-                <a:latin typeface="Times New Roman" panose="02020603050405020304" pitchFamily="18" charset="0"/>
-                <a:cs typeface="Times New Roman" panose="02020603050405020304" pitchFamily="18" charset="0"/>
-              </a:rPr>
-              <a:t>doanh</a:t>
-            </a:r>
-            <a:r>
-              <a:rPr lang="en-US" sz="3000" dirty="0">
-                <a:latin typeface="Times New Roman" panose="02020603050405020304" pitchFamily="18" charset="0"/>
-                <a:cs typeface="Times New Roman" panose="02020603050405020304" pitchFamily="18" charset="0"/>
-              </a:rPr>
-              <a:t> </a:t>
-            </a:r>
-            <a:r>
-              <a:rPr lang="en-US" sz="3000" dirty="0" err="1">
-                <a:latin typeface="Times New Roman" panose="02020603050405020304" pitchFamily="18" charset="0"/>
-                <a:cs typeface="Times New Roman" panose="02020603050405020304" pitchFamily="18" charset="0"/>
-              </a:rPr>
-              <a:t>và</a:t>
-            </a:r>
-            <a:r>
-              <a:rPr lang="en-US" sz="3000" dirty="0">
-                <a:latin typeface="Times New Roman" panose="02020603050405020304" pitchFamily="18" charset="0"/>
-                <a:cs typeface="Times New Roman" panose="02020603050405020304" pitchFamily="18" charset="0"/>
-              </a:rPr>
-              <a:t> </a:t>
-            </a:r>
-            <a:r>
-              <a:rPr lang="en-US" sz="3000" dirty="0" err="1">
-                <a:latin typeface="Times New Roman" panose="02020603050405020304" pitchFamily="18" charset="0"/>
-                <a:cs typeface="Times New Roman" panose="02020603050405020304" pitchFamily="18" charset="0"/>
-              </a:rPr>
-              <a:t>buôn</a:t>
-            </a:r>
-            <a:r>
-              <a:rPr lang="en-US" sz="3000" dirty="0">
-                <a:latin typeface="Times New Roman" panose="02020603050405020304" pitchFamily="18" charset="0"/>
-                <a:cs typeface="Times New Roman" panose="02020603050405020304" pitchFamily="18" charset="0"/>
-              </a:rPr>
-              <a:t> </a:t>
-            </a:r>
-            <a:r>
-              <a:rPr lang="en-US" sz="3000" dirty="0" err="1">
-                <a:latin typeface="Times New Roman" panose="02020603050405020304" pitchFamily="18" charset="0"/>
-                <a:cs typeface="Times New Roman" panose="02020603050405020304" pitchFamily="18" charset="0"/>
-              </a:rPr>
-              <a:t>bán</a:t>
-            </a:r>
-            <a:endParaRPr lang="en-US" sz="3000" dirty="0">
-              <a:latin typeface="Times New Roman" panose="02020603050405020304" pitchFamily="18" charset="0"/>
-              <a:cs typeface="Times New Roman" panose="02020603050405020304" pitchFamily="18" charset="0"/>
-            </a:endParaRPr>
-          </a:p>
-          <a:p>
-            <a:r>
-              <a:rPr lang="en-US" sz="3000" dirty="0" err="1">
-                <a:latin typeface="Times New Roman" panose="02020603050405020304" pitchFamily="18" charset="0"/>
-                <a:cs typeface="Times New Roman" panose="02020603050405020304" pitchFamily="18" charset="0"/>
-              </a:rPr>
-              <a:t>Với</a:t>
-            </a:r>
-            <a:r>
-              <a:rPr lang="en-US" sz="3000" dirty="0">
-                <a:latin typeface="Times New Roman" panose="02020603050405020304" pitchFamily="18" charset="0"/>
-                <a:cs typeface="Times New Roman" panose="02020603050405020304" pitchFamily="18" charset="0"/>
-              </a:rPr>
-              <a:t> </a:t>
-            </a:r>
-            <a:r>
-              <a:rPr lang="en-US" sz="3000" dirty="0" err="1">
-                <a:latin typeface="Times New Roman" panose="02020603050405020304" pitchFamily="18" charset="0"/>
-                <a:cs typeface="Times New Roman" panose="02020603050405020304" pitchFamily="18" charset="0"/>
-              </a:rPr>
-              <a:t>sự</a:t>
-            </a:r>
-            <a:r>
-              <a:rPr lang="en-US" sz="3000" dirty="0">
-                <a:latin typeface="Times New Roman" panose="02020603050405020304" pitchFamily="18" charset="0"/>
-                <a:cs typeface="Times New Roman" panose="02020603050405020304" pitchFamily="18" charset="0"/>
-              </a:rPr>
-              <a:t> </a:t>
-            </a:r>
-            <a:r>
-              <a:rPr lang="en-US" sz="3000" dirty="0" err="1">
-                <a:latin typeface="Times New Roman" panose="02020603050405020304" pitchFamily="18" charset="0"/>
-                <a:cs typeface="Times New Roman" panose="02020603050405020304" pitchFamily="18" charset="0"/>
-              </a:rPr>
-              <a:t>phát</a:t>
-            </a:r>
-            <a:r>
-              <a:rPr lang="en-US" sz="3000" dirty="0">
-                <a:latin typeface="Times New Roman" panose="02020603050405020304" pitchFamily="18" charset="0"/>
-                <a:cs typeface="Times New Roman" panose="02020603050405020304" pitchFamily="18" charset="0"/>
-              </a:rPr>
-              <a:t> </a:t>
-            </a:r>
-            <a:r>
-              <a:rPr lang="en-US" sz="3000" dirty="0" err="1">
-                <a:latin typeface="Times New Roman" panose="02020603050405020304" pitchFamily="18" charset="0"/>
-                <a:cs typeface="Times New Roman" panose="02020603050405020304" pitchFamily="18" charset="0"/>
-              </a:rPr>
-              <a:t>triển</a:t>
-            </a:r>
-            <a:r>
-              <a:rPr lang="en-US" sz="3000" dirty="0">
-                <a:latin typeface="Times New Roman" panose="02020603050405020304" pitchFamily="18" charset="0"/>
-                <a:cs typeface="Times New Roman" panose="02020603050405020304" pitchFamily="18" charset="0"/>
-              </a:rPr>
-              <a:t> </a:t>
-            </a:r>
-            <a:r>
-              <a:rPr lang="en-US" sz="3000" dirty="0" err="1">
-                <a:latin typeface="Times New Roman" panose="02020603050405020304" pitchFamily="18" charset="0"/>
-                <a:cs typeface="Times New Roman" panose="02020603050405020304" pitchFamily="18" charset="0"/>
-              </a:rPr>
-              <a:t>của</a:t>
-            </a:r>
-            <a:r>
-              <a:rPr lang="en-US" sz="3000" dirty="0">
-                <a:latin typeface="Times New Roman" panose="02020603050405020304" pitchFamily="18" charset="0"/>
-                <a:cs typeface="Times New Roman" panose="02020603050405020304" pitchFamily="18" charset="0"/>
-              </a:rPr>
-              <a:t> spa </a:t>
-            </a:r>
-            <a:r>
-              <a:rPr lang="en-US" sz="3000" dirty="0" err="1">
-                <a:latin typeface="Times New Roman" panose="02020603050405020304" pitchFamily="18" charset="0"/>
-                <a:cs typeface="Times New Roman" panose="02020603050405020304" pitchFamily="18" charset="0"/>
-              </a:rPr>
-              <a:t>và</a:t>
-            </a:r>
-            <a:r>
-              <a:rPr lang="en-US" sz="3000" dirty="0">
-                <a:latin typeface="Times New Roman" panose="02020603050405020304" pitchFamily="18" charset="0"/>
-                <a:cs typeface="Times New Roman" panose="02020603050405020304" pitchFamily="18" charset="0"/>
-              </a:rPr>
-              <a:t> </a:t>
-            </a:r>
-            <a:r>
-              <a:rPr lang="en-US" sz="3000" dirty="0" err="1">
-                <a:latin typeface="Times New Roman" panose="02020603050405020304" pitchFamily="18" charset="0"/>
-                <a:cs typeface="Times New Roman" panose="02020603050405020304" pitchFamily="18" charset="0"/>
-              </a:rPr>
-              <a:t>tầm</a:t>
-            </a:r>
-            <a:r>
-              <a:rPr lang="en-US" sz="3000" dirty="0">
-                <a:latin typeface="Times New Roman" panose="02020603050405020304" pitchFamily="18" charset="0"/>
-                <a:cs typeface="Times New Roman" panose="02020603050405020304" pitchFamily="18" charset="0"/>
-              </a:rPr>
-              <a:t> </a:t>
-            </a:r>
-            <a:r>
-              <a:rPr lang="en-US" sz="3000" dirty="0" err="1">
-                <a:latin typeface="Times New Roman" panose="02020603050405020304" pitchFamily="18" charset="0"/>
-                <a:cs typeface="Times New Roman" panose="02020603050405020304" pitchFamily="18" charset="0"/>
-              </a:rPr>
-              <a:t>quan</a:t>
-            </a:r>
-            <a:r>
-              <a:rPr lang="en-US" sz="3000" dirty="0">
-                <a:latin typeface="Times New Roman" panose="02020603050405020304" pitchFamily="18" charset="0"/>
-                <a:cs typeface="Times New Roman" panose="02020603050405020304" pitchFamily="18" charset="0"/>
-              </a:rPr>
-              <a:t> </a:t>
-            </a:r>
-            <a:r>
-              <a:rPr lang="en-US" sz="3000" dirty="0" err="1">
-                <a:latin typeface="Times New Roman" panose="02020603050405020304" pitchFamily="18" charset="0"/>
-                <a:cs typeface="Times New Roman" panose="02020603050405020304" pitchFamily="18" charset="0"/>
-              </a:rPr>
-              <a:t>trọng</a:t>
-            </a:r>
-            <a:r>
-              <a:rPr lang="en-US" sz="3000" dirty="0">
-                <a:latin typeface="Times New Roman" panose="02020603050405020304" pitchFamily="18" charset="0"/>
-                <a:cs typeface="Times New Roman" panose="02020603050405020304" pitchFamily="18" charset="0"/>
-              </a:rPr>
-              <a:t> </a:t>
-            </a:r>
-            <a:r>
-              <a:rPr lang="en-US" sz="3000" dirty="0" err="1">
-                <a:latin typeface="Times New Roman" panose="02020603050405020304" pitchFamily="18" charset="0"/>
-                <a:cs typeface="Times New Roman" panose="02020603050405020304" pitchFamily="18" charset="0"/>
-              </a:rPr>
-              <a:t>của</a:t>
-            </a:r>
-            <a:r>
-              <a:rPr lang="en-US" sz="3000" dirty="0">
-                <a:latin typeface="Times New Roman" panose="02020603050405020304" pitchFamily="18" charset="0"/>
-                <a:cs typeface="Times New Roman" panose="02020603050405020304" pitchFamily="18" charset="0"/>
-              </a:rPr>
-              <a:t> website =&gt; Spa </a:t>
-            </a:r>
-            <a:r>
-              <a:rPr lang="en-US" sz="3000" dirty="0" err="1">
-                <a:latin typeface="Times New Roman" panose="02020603050405020304" pitchFamily="18" charset="0"/>
-                <a:cs typeface="Times New Roman" panose="02020603050405020304" pitchFamily="18" charset="0"/>
-              </a:rPr>
-              <a:t>Webstie</a:t>
-            </a:r>
-            <a:r>
-              <a:rPr lang="en-US" sz="3000" dirty="0">
-                <a:latin typeface="Times New Roman" panose="02020603050405020304" pitchFamily="18" charset="0"/>
-                <a:cs typeface="Times New Roman" panose="02020603050405020304" pitchFamily="18" charset="0"/>
-              </a:rPr>
-              <a:t> ra </a:t>
-            </a:r>
-            <a:r>
-              <a:rPr lang="en-US" sz="3000" dirty="0" err="1">
-                <a:latin typeface="Times New Roman" panose="02020603050405020304" pitchFamily="18" charset="0"/>
-                <a:cs typeface="Times New Roman" panose="02020603050405020304" pitchFamily="18" charset="0"/>
-              </a:rPr>
-              <a:t>đời</a:t>
-            </a:r>
-            <a:endParaRPr lang="en-US" sz="2000" dirty="0">
-              <a:latin typeface="Times New Roman" panose="02020603050405020304" pitchFamily="18" charset="0"/>
-              <a:cs typeface="Times New Roman" panose="02020603050405020304" pitchFamily="18" charset="0"/>
-            </a:endParaRPr>
-          </a:p>
-          <a:p>
-            <a:r>
-              <a:rPr lang="en-US" sz="3000" dirty="0" err="1">
-                <a:latin typeface="Times New Roman" panose="02020603050405020304" pitchFamily="18" charset="0"/>
-                <a:cs typeface="Times New Roman" panose="02020603050405020304" pitchFamily="18" charset="0"/>
-              </a:rPr>
-              <a:t>Ứng</a:t>
-            </a:r>
-            <a:r>
-              <a:rPr lang="en-US" sz="3000" dirty="0">
-                <a:latin typeface="Times New Roman" panose="02020603050405020304" pitchFamily="18" charset="0"/>
-                <a:cs typeface="Times New Roman" panose="02020603050405020304" pitchFamily="18" charset="0"/>
-              </a:rPr>
-              <a:t> </a:t>
-            </a:r>
-            <a:r>
-              <a:rPr lang="en-US" sz="3000" dirty="0" err="1">
-                <a:latin typeface="Times New Roman" panose="02020603050405020304" pitchFamily="18" charset="0"/>
-                <a:cs typeface="Times New Roman" panose="02020603050405020304" pitchFamily="18" charset="0"/>
-              </a:rPr>
-              <a:t>dụng</a:t>
-            </a:r>
-            <a:r>
-              <a:rPr lang="en-US" sz="3000" dirty="0">
-                <a:latin typeface="Times New Roman" panose="02020603050405020304" pitchFamily="18" charset="0"/>
-                <a:cs typeface="Times New Roman" panose="02020603050405020304" pitchFamily="18" charset="0"/>
-              </a:rPr>
-              <a:t> website spa ra </a:t>
-            </a:r>
-            <a:r>
-              <a:rPr lang="en-US" sz="3000" dirty="0" err="1">
-                <a:latin typeface="Times New Roman" panose="02020603050405020304" pitchFamily="18" charset="0"/>
-                <a:cs typeface="Times New Roman" panose="02020603050405020304" pitchFamily="18" charset="0"/>
-              </a:rPr>
-              <a:t>đời</a:t>
-            </a:r>
-            <a:r>
-              <a:rPr lang="en-US" sz="3000" dirty="0">
-                <a:latin typeface="Times New Roman" panose="02020603050405020304" pitchFamily="18" charset="0"/>
-                <a:cs typeface="Times New Roman" panose="02020603050405020304" pitchFamily="18" charset="0"/>
-              </a:rPr>
-              <a:t> </a:t>
-            </a:r>
-            <a:r>
-              <a:rPr lang="en-US" sz="3000" dirty="0" err="1">
-                <a:latin typeface="Times New Roman" panose="02020603050405020304" pitchFamily="18" charset="0"/>
-                <a:cs typeface="Times New Roman" panose="02020603050405020304" pitchFamily="18" charset="0"/>
-              </a:rPr>
-              <a:t>giúp</a:t>
-            </a:r>
-            <a:r>
-              <a:rPr lang="en-US" sz="3000" dirty="0">
-                <a:latin typeface="Times New Roman" panose="02020603050405020304" pitchFamily="18" charset="0"/>
-                <a:cs typeface="Times New Roman" panose="02020603050405020304" pitchFamily="18" charset="0"/>
-              </a:rPr>
-              <a:t> </a:t>
-            </a:r>
-            <a:r>
-              <a:rPr lang="en-US" sz="3000" dirty="0" err="1">
-                <a:latin typeface="Times New Roman" panose="02020603050405020304" pitchFamily="18" charset="0"/>
-                <a:cs typeface="Times New Roman" panose="02020603050405020304" pitchFamily="18" charset="0"/>
-              </a:rPr>
-              <a:t>những</a:t>
-            </a:r>
-            <a:r>
-              <a:rPr lang="en-US" sz="3000" dirty="0">
-                <a:latin typeface="Times New Roman" panose="02020603050405020304" pitchFamily="18" charset="0"/>
-                <a:cs typeface="Times New Roman" panose="02020603050405020304" pitchFamily="18" charset="0"/>
-              </a:rPr>
-              <a:t> </a:t>
-            </a:r>
-            <a:r>
-              <a:rPr lang="en-US" sz="3000" dirty="0" err="1">
-                <a:latin typeface="Times New Roman" panose="02020603050405020304" pitchFamily="18" charset="0"/>
-                <a:cs typeface="Times New Roman" panose="02020603050405020304" pitchFamily="18" charset="0"/>
-              </a:rPr>
-              <a:t>trung</a:t>
-            </a:r>
-            <a:r>
-              <a:rPr lang="en-US" sz="3000" dirty="0">
-                <a:latin typeface="Times New Roman" panose="02020603050405020304" pitchFamily="18" charset="0"/>
-                <a:cs typeface="Times New Roman" panose="02020603050405020304" pitchFamily="18" charset="0"/>
-              </a:rPr>
-              <a:t> </a:t>
-            </a:r>
-            <a:r>
-              <a:rPr lang="en-US" sz="3000" dirty="0" err="1">
-                <a:latin typeface="Times New Roman" panose="02020603050405020304" pitchFamily="18" charset="0"/>
-                <a:cs typeface="Times New Roman" panose="02020603050405020304" pitchFamily="18" charset="0"/>
-              </a:rPr>
-              <a:t>tâm</a:t>
-            </a:r>
-            <a:r>
-              <a:rPr lang="en-US" sz="3000" dirty="0">
-                <a:latin typeface="Times New Roman" panose="02020603050405020304" pitchFamily="18" charset="0"/>
-                <a:cs typeface="Times New Roman" panose="02020603050405020304" pitchFamily="18" charset="0"/>
-              </a:rPr>
-              <a:t> spa </a:t>
-            </a:r>
-            <a:r>
-              <a:rPr lang="en-US" sz="3000" dirty="0" err="1">
-                <a:latin typeface="Times New Roman" panose="02020603050405020304" pitchFamily="18" charset="0"/>
-                <a:cs typeface="Times New Roman" panose="02020603050405020304" pitchFamily="18" charset="0"/>
-              </a:rPr>
-              <a:t>gia</a:t>
-            </a:r>
-            <a:r>
-              <a:rPr lang="en-US" sz="3000" dirty="0">
-                <a:latin typeface="Times New Roman" panose="02020603050405020304" pitchFamily="18" charset="0"/>
-                <a:cs typeface="Times New Roman" panose="02020603050405020304" pitchFamily="18" charset="0"/>
-              </a:rPr>
-              <a:t> </a:t>
-            </a:r>
-            <a:r>
-              <a:rPr lang="en-US" sz="3000" dirty="0" err="1">
-                <a:latin typeface="Times New Roman" panose="02020603050405020304" pitchFamily="18" charset="0"/>
-                <a:cs typeface="Times New Roman" panose="02020603050405020304" pitchFamily="18" charset="0"/>
-              </a:rPr>
-              <a:t>tăng</a:t>
-            </a:r>
-            <a:r>
-              <a:rPr lang="en-US" sz="3000" dirty="0">
-                <a:latin typeface="Times New Roman" panose="02020603050405020304" pitchFamily="18" charset="0"/>
-                <a:cs typeface="Times New Roman" panose="02020603050405020304" pitchFamily="18" charset="0"/>
-              </a:rPr>
-              <a:t> </a:t>
-            </a:r>
-            <a:r>
-              <a:rPr lang="en-US" sz="3000" dirty="0" err="1">
-                <a:latin typeface="Times New Roman" panose="02020603050405020304" pitchFamily="18" charset="0"/>
-                <a:cs typeface="Times New Roman" panose="02020603050405020304" pitchFamily="18" charset="0"/>
-              </a:rPr>
-              <a:t>doanh</a:t>
-            </a:r>
-            <a:r>
-              <a:rPr lang="en-US" sz="3000" dirty="0">
-                <a:latin typeface="Times New Roman" panose="02020603050405020304" pitchFamily="18" charset="0"/>
-                <a:cs typeface="Times New Roman" panose="02020603050405020304" pitchFamily="18" charset="0"/>
-              </a:rPr>
-              <a:t> </a:t>
-            </a:r>
-            <a:r>
-              <a:rPr lang="en-US" sz="3000" dirty="0" err="1">
-                <a:latin typeface="Times New Roman" panose="02020603050405020304" pitchFamily="18" charset="0"/>
-                <a:cs typeface="Times New Roman" panose="02020603050405020304" pitchFamily="18" charset="0"/>
-              </a:rPr>
-              <a:t>số</a:t>
-            </a:r>
-            <a:r>
-              <a:rPr lang="en-US" sz="3000" dirty="0">
-                <a:latin typeface="Times New Roman" panose="02020603050405020304" pitchFamily="18" charset="0"/>
-                <a:cs typeface="Times New Roman" panose="02020603050405020304" pitchFamily="18" charset="0"/>
-              </a:rPr>
-              <a:t> </a:t>
-            </a:r>
-            <a:r>
-              <a:rPr lang="en-US" sz="3000" dirty="0" err="1">
-                <a:latin typeface="Times New Roman" panose="02020603050405020304" pitchFamily="18" charset="0"/>
-                <a:cs typeface="Times New Roman" panose="02020603050405020304" pitchFamily="18" charset="0"/>
-              </a:rPr>
-              <a:t>nhiều</a:t>
-            </a:r>
-            <a:r>
-              <a:rPr lang="en-US" sz="3000" dirty="0">
-                <a:latin typeface="Times New Roman" panose="02020603050405020304" pitchFamily="18" charset="0"/>
-                <a:cs typeface="Times New Roman" panose="02020603050405020304" pitchFamily="18" charset="0"/>
-              </a:rPr>
-              <a:t> h</a:t>
-            </a:r>
-            <a:r>
-              <a:rPr lang="vi-VN" sz="3000" dirty="0">
-                <a:latin typeface="Times New Roman" panose="02020603050405020304" pitchFamily="18" charset="0"/>
-                <a:cs typeface="Times New Roman" panose="02020603050405020304" pitchFamily="18" charset="0"/>
-              </a:rPr>
-              <a:t>ơ</a:t>
-            </a:r>
-            <a:r>
-              <a:rPr lang="en-US" sz="3000" dirty="0">
-                <a:latin typeface="Times New Roman" panose="02020603050405020304" pitchFamily="18" charset="0"/>
-                <a:cs typeface="Times New Roman" panose="02020603050405020304" pitchFamily="18" charset="0"/>
-              </a:rPr>
-              <a:t>n, </a:t>
-            </a:r>
-            <a:r>
-              <a:rPr lang="en-US" sz="3000" dirty="0" err="1">
-                <a:latin typeface="Times New Roman" panose="02020603050405020304" pitchFamily="18" charset="0"/>
-                <a:cs typeface="Times New Roman" panose="02020603050405020304" pitchFamily="18" charset="0"/>
-              </a:rPr>
-              <a:t>tiếp</a:t>
-            </a:r>
-            <a:r>
-              <a:rPr lang="en-US" sz="3000" dirty="0">
-                <a:latin typeface="Times New Roman" panose="02020603050405020304" pitchFamily="18" charset="0"/>
-                <a:cs typeface="Times New Roman" panose="02020603050405020304" pitchFamily="18" charset="0"/>
-              </a:rPr>
-              <a:t> </a:t>
-            </a:r>
-            <a:r>
-              <a:rPr lang="en-US" sz="3000" dirty="0" err="1">
-                <a:latin typeface="Times New Roman" panose="02020603050405020304" pitchFamily="18" charset="0"/>
-                <a:cs typeface="Times New Roman" panose="02020603050405020304" pitchFamily="18" charset="0"/>
-              </a:rPr>
-              <a:t>cận</a:t>
-            </a:r>
-            <a:r>
-              <a:rPr lang="en-US" sz="3000" dirty="0">
-                <a:latin typeface="Times New Roman" panose="02020603050405020304" pitchFamily="18" charset="0"/>
-                <a:cs typeface="Times New Roman" panose="02020603050405020304" pitchFamily="18" charset="0"/>
-              </a:rPr>
-              <a:t> </a:t>
-            </a:r>
-            <a:r>
-              <a:rPr lang="en-US" sz="3000" dirty="0" err="1">
-                <a:latin typeface="Times New Roman" panose="02020603050405020304" pitchFamily="18" charset="0"/>
-                <a:cs typeface="Times New Roman" panose="02020603050405020304" pitchFamily="18" charset="0"/>
-              </a:rPr>
-              <a:t>đến</a:t>
-            </a:r>
-            <a:r>
-              <a:rPr lang="en-US" sz="3000" dirty="0">
-                <a:latin typeface="Times New Roman" panose="02020603050405020304" pitchFamily="18" charset="0"/>
-                <a:cs typeface="Times New Roman" panose="02020603050405020304" pitchFamily="18" charset="0"/>
-              </a:rPr>
-              <a:t> </a:t>
-            </a:r>
-            <a:r>
-              <a:rPr lang="en-US" sz="3000" dirty="0" err="1">
-                <a:latin typeface="Times New Roman" panose="02020603050405020304" pitchFamily="18" charset="0"/>
-                <a:cs typeface="Times New Roman" panose="02020603050405020304" pitchFamily="18" charset="0"/>
-              </a:rPr>
-              <a:t>khách</a:t>
-            </a:r>
-            <a:r>
-              <a:rPr lang="en-US" sz="3000" dirty="0">
-                <a:latin typeface="Times New Roman" panose="02020603050405020304" pitchFamily="18" charset="0"/>
-                <a:cs typeface="Times New Roman" panose="02020603050405020304" pitchFamily="18" charset="0"/>
-              </a:rPr>
-              <a:t> hang </a:t>
-            </a:r>
-            <a:r>
-              <a:rPr lang="en-US" sz="3000" dirty="0" err="1">
-                <a:latin typeface="Times New Roman" panose="02020603050405020304" pitchFamily="18" charset="0"/>
-                <a:cs typeface="Times New Roman" panose="02020603050405020304" pitchFamily="18" charset="0"/>
-              </a:rPr>
-              <a:t>nhiều</a:t>
-            </a:r>
-            <a:r>
-              <a:rPr lang="en-US" sz="3000" dirty="0">
-                <a:latin typeface="Times New Roman" panose="02020603050405020304" pitchFamily="18" charset="0"/>
-                <a:cs typeface="Times New Roman" panose="02020603050405020304" pitchFamily="18" charset="0"/>
-              </a:rPr>
-              <a:t> h</a:t>
-            </a:r>
-            <a:r>
-              <a:rPr lang="vi-VN" sz="3000" dirty="0">
-                <a:latin typeface="Times New Roman" panose="02020603050405020304" pitchFamily="18" charset="0"/>
-                <a:cs typeface="Times New Roman" panose="02020603050405020304" pitchFamily="18" charset="0"/>
-              </a:rPr>
-              <a:t>ơ</a:t>
-            </a:r>
-            <a:r>
-              <a:rPr lang="en-US" sz="3000" dirty="0">
-                <a:latin typeface="Times New Roman" panose="02020603050405020304" pitchFamily="18" charset="0"/>
-                <a:cs typeface="Times New Roman" panose="02020603050405020304" pitchFamily="18" charset="0"/>
-              </a:rPr>
-              <a:t>n.</a:t>
-            </a:r>
-            <a:endParaRPr lang="en-US" sz="2000" dirty="0">
-              <a:latin typeface="Times New Roman" panose="02020603050405020304" pitchFamily="18" charset="0"/>
-              <a:cs typeface="Times New Roman" panose="02020603050405020304" pitchFamily="18" charset="0"/>
-            </a:endParaRPr>
-          </a:p>
-        </p:txBody>
-      </p:sp>
-    </p:spTree>
-    <p:extLst>
-      <p:ext uri="{BB962C8B-B14F-4D97-AF65-F5344CB8AC3E}">
-        <p14:creationId xmlns:p14="http://schemas.microsoft.com/office/powerpoint/2010/main" val="2819966697"/>
-      </p:ext>
-    </p:extLst>
-  </p:cSld>
-  <p:clrMapOvr>
-    <a:masterClrMapping/>
-  </p:clrMapOvr>
-  <p:timing>
-    <p:tnLst>
-      <p:par>
-        <p:cTn id="1" dur="indefinite" restart="never" nodeType="tmRoot">
-          <p:childTnLst>
-            <p:seq concurrent="1" nextAc="seek">
-              <p:cTn id="2" dur="indefinite" nodeType="mainSeq">
-                <p:childTnLst>
-                  <p:par>
-                    <p:cTn id="3" fill="hold">
-                      <p:stCondLst>
-                        <p:cond delay="indefinite"/>
-                      </p:stCondLst>
-                      <p:childTnLst>
-                        <p:par>
-                          <p:cTn id="4" fill="hold">
-                            <p:stCondLst>
-                              <p:cond delay="0"/>
-                            </p:stCondLst>
-                            <p:childTnLst>
-                              <p:par>
-                                <p:cTn id="5" presetID="2" presetClass="entr" presetSubtype="4" fill="hold" grpId="0" nodeType="clickEffect">
-                                  <p:stCondLst>
-                                    <p:cond delay="0"/>
-                                  </p:stCondLst>
-                                  <p:childTnLst>
-                                    <p:set>
-                                      <p:cBhvr>
-                                        <p:cTn id="6" dur="1" fill="hold">
-                                          <p:stCondLst>
-                                            <p:cond delay="0"/>
-                                          </p:stCondLst>
-                                        </p:cTn>
-                                        <p:tgtEl>
-                                          <p:spTgt spid="2"/>
-                                        </p:tgtEl>
-                                        <p:attrNameLst>
-                                          <p:attrName>style.visibility</p:attrName>
-                                        </p:attrNameLst>
-                                      </p:cBhvr>
-                                      <p:to>
-                                        <p:strVal val="visible"/>
-                                      </p:to>
-                                    </p:set>
-                                    <p:anim calcmode="lin" valueType="num">
-                                      <p:cBhvr additive="base">
-                                        <p:cTn id="7" dur="500" fill="hold"/>
-                                        <p:tgtEl>
-                                          <p:spTgt spid="2"/>
-                                        </p:tgtEl>
-                                        <p:attrNameLst>
-                                          <p:attrName>ppt_x</p:attrName>
-                                        </p:attrNameLst>
-                                      </p:cBhvr>
-                                      <p:tavLst>
-                                        <p:tav tm="0">
-                                          <p:val>
-                                            <p:strVal val="#ppt_x"/>
-                                          </p:val>
-                                        </p:tav>
-                                        <p:tav tm="100000">
-                                          <p:val>
-                                            <p:strVal val="#ppt_x"/>
-                                          </p:val>
-                                        </p:tav>
-                                      </p:tavLst>
-                                    </p:anim>
-                                    <p:anim calcmode="lin" valueType="num">
-                                      <p:cBhvr additive="base">
-                                        <p:cTn id="8" dur="500" fill="hold"/>
-                                        <p:tgtEl>
-                                          <p:spTgt spid="2"/>
-                                        </p:tgtEl>
-                                        <p:attrNameLst>
-                                          <p:attrName>ppt_y</p:attrName>
-                                        </p:attrNameLst>
-                                      </p:cBhvr>
-                                      <p:tavLst>
-                                        <p:tav tm="0">
-                                          <p:val>
-                                            <p:strVal val="1+#ppt_h/2"/>
-                                          </p:val>
-                                        </p:tav>
-                                        <p:tav tm="100000">
-                                          <p:val>
-                                            <p:strVal val="#ppt_y"/>
-                                          </p:val>
-                                        </p:tav>
-                                      </p:tavLst>
-                                    </p:anim>
-                                  </p:childTnLst>
-                                </p:cTn>
-                              </p:par>
-                            </p:childTnLst>
-                          </p:cTn>
-                        </p:par>
-                      </p:childTnLst>
-                    </p:cTn>
-                  </p:par>
-                  <p:par>
-                    <p:cTn id="9" fill="hold">
-                      <p:stCondLst>
-                        <p:cond delay="indefinite"/>
-                      </p:stCondLst>
-                      <p:childTnLst>
-                        <p:par>
-                          <p:cTn id="10" fill="hold">
-                            <p:stCondLst>
-                              <p:cond delay="0"/>
-                            </p:stCondLst>
-                            <p:childTnLst>
-                              <p:par>
-                                <p:cTn id="11" presetID="10" presetClass="entr" presetSubtype="0" fill="hold" nodeType="clickEffect">
-                                  <p:stCondLst>
-                                    <p:cond delay="0"/>
-                                  </p:stCondLst>
-                                  <p:childTnLst>
-                                    <p:set>
-                                      <p:cBhvr>
-                                        <p:cTn id="12" dur="1" fill="hold">
-                                          <p:stCondLst>
-                                            <p:cond delay="0"/>
-                                          </p:stCondLst>
-                                        </p:cTn>
-                                        <p:tgtEl>
-                                          <p:spTgt spid="3">
-                                            <p:txEl>
-                                              <p:pRg st="0" end="0"/>
-                                            </p:txEl>
-                                          </p:spTgt>
-                                        </p:tgtEl>
-                                        <p:attrNameLst>
-                                          <p:attrName>style.visibility</p:attrName>
-                                        </p:attrNameLst>
-                                      </p:cBhvr>
-                                      <p:to>
-                                        <p:strVal val="visible"/>
-                                      </p:to>
-                                    </p:set>
-                                    <p:animEffect transition="in" filter="fade">
-                                      <p:cBhvr>
-                                        <p:cTn id="13" dur="500"/>
-                                        <p:tgtEl>
-                                          <p:spTgt spid="3">
-                                            <p:txEl>
-                                              <p:pRg st="0" end="0"/>
-                                            </p:txEl>
-                                          </p:spTgt>
-                                        </p:tgtEl>
-                                      </p:cBhvr>
-                                    </p:animEffect>
-                                  </p:childTnLst>
-                                </p:cTn>
-                              </p:par>
-                              <p:par>
-                                <p:cTn id="14" presetID="10" presetClass="entr" presetSubtype="0" fill="hold" nodeType="withEffect">
-                                  <p:stCondLst>
-                                    <p:cond delay="0"/>
-                                  </p:stCondLst>
-                                  <p:childTnLst>
-                                    <p:set>
-                                      <p:cBhvr>
-                                        <p:cTn id="15" dur="1" fill="hold">
-                                          <p:stCondLst>
-                                            <p:cond delay="0"/>
-                                          </p:stCondLst>
-                                        </p:cTn>
-                                        <p:tgtEl>
-                                          <p:spTgt spid="3">
-                                            <p:txEl>
-                                              <p:pRg st="1" end="1"/>
-                                            </p:txEl>
-                                          </p:spTgt>
-                                        </p:tgtEl>
-                                        <p:attrNameLst>
-                                          <p:attrName>style.visibility</p:attrName>
-                                        </p:attrNameLst>
-                                      </p:cBhvr>
-                                      <p:to>
-                                        <p:strVal val="visible"/>
-                                      </p:to>
-                                    </p:set>
-                                    <p:animEffect transition="in" filter="fade">
-                                      <p:cBhvr>
-                                        <p:cTn id="16" dur="500"/>
-                                        <p:tgtEl>
-                                          <p:spTgt spid="3">
-                                            <p:txEl>
-                                              <p:pRg st="1" end="1"/>
-                                            </p:txEl>
-                                          </p:spTgt>
-                                        </p:tgtEl>
-                                      </p:cBhvr>
-                                    </p:animEffect>
-                                  </p:childTnLst>
-                                </p:cTn>
-                              </p:par>
-                              <p:par>
-                                <p:cTn id="17" presetID="10" presetClass="entr" presetSubtype="0" fill="hold" nodeType="withEffect">
-                                  <p:stCondLst>
-                                    <p:cond delay="0"/>
-                                  </p:stCondLst>
-                                  <p:childTnLst>
-                                    <p:set>
-                                      <p:cBhvr>
-                                        <p:cTn id="18" dur="1" fill="hold">
-                                          <p:stCondLst>
-                                            <p:cond delay="0"/>
-                                          </p:stCondLst>
-                                        </p:cTn>
-                                        <p:tgtEl>
-                                          <p:spTgt spid="3">
-                                            <p:txEl>
-                                              <p:pRg st="2" end="2"/>
-                                            </p:txEl>
-                                          </p:spTgt>
-                                        </p:tgtEl>
-                                        <p:attrNameLst>
-                                          <p:attrName>style.visibility</p:attrName>
-                                        </p:attrNameLst>
-                                      </p:cBhvr>
-                                      <p:to>
-                                        <p:strVal val="visible"/>
-                                      </p:to>
-                                    </p:set>
-                                    <p:animEffect transition="in" filter="fade">
-                                      <p:cBhvr>
-                                        <p:cTn id="19" dur="500"/>
-                                        <p:tgtEl>
-                                          <p:spTgt spid="3">
-                                            <p:txEl>
-                                              <p:pRg st="2" end="2"/>
-                                            </p:txEl>
-                                          </p:spTgt>
-                                        </p:tgtEl>
-                                      </p:cBhvr>
-                                    </p:animEffect>
-                                  </p:childTnLst>
-                                </p:cTn>
-                              </p:par>
-                              <p:par>
-                                <p:cTn id="20" presetID="10" presetClass="entr" presetSubtype="0" fill="hold" nodeType="withEffect">
-                                  <p:stCondLst>
-                                    <p:cond delay="0"/>
-                                  </p:stCondLst>
-                                  <p:childTnLst>
-                                    <p:set>
-                                      <p:cBhvr>
-                                        <p:cTn id="21" dur="1" fill="hold">
-                                          <p:stCondLst>
-                                            <p:cond delay="0"/>
-                                          </p:stCondLst>
-                                        </p:cTn>
-                                        <p:tgtEl>
-                                          <p:spTgt spid="3">
-                                            <p:txEl>
-                                              <p:pRg st="3" end="3"/>
-                                            </p:txEl>
-                                          </p:spTgt>
-                                        </p:tgtEl>
-                                        <p:attrNameLst>
-                                          <p:attrName>style.visibility</p:attrName>
-                                        </p:attrNameLst>
-                                      </p:cBhvr>
-                                      <p:to>
-                                        <p:strVal val="visible"/>
-                                      </p:to>
-                                    </p:set>
-                                    <p:animEffect transition="in" filter="fade">
-                                      <p:cBhvr>
-                                        <p:cTn id="22" dur="500"/>
-                                        <p:tgtEl>
-                                          <p:spTgt spid="3">
-                                            <p:txEl>
-                                              <p:pRg st="3" end="3"/>
-                                            </p:txEl>
-                                          </p:spTgt>
-                                        </p:tgtEl>
-                                      </p:cBhvr>
-                                    </p:animEffect>
-                                  </p:childTnLst>
-                                </p:cTn>
-                              </p:par>
-                            </p:childTnLst>
-                          </p:cTn>
-                        </p:par>
-                      </p:childTnLst>
-                    </p:cTn>
-                  </p:par>
-                </p:childTnLst>
-              </p:cTn>
-              <p:prevCondLst>
-                <p:cond evt="onPrev" delay="0">
-                  <p:tgtEl>
-                    <p:sldTgt/>
-                  </p:tgtEl>
-                </p:cond>
-              </p:prevCondLst>
-              <p:nextCondLst>
-                <p:cond evt="onNext" delay="0">
-                  <p:tgtEl>
-                    <p:sldTgt/>
-                  </p:tgtEl>
-                </p:cond>
-              </p:nextCondLst>
-            </p:seq>
-          </p:childTnLst>
-        </p:cTn>
-      </p:par>
-    </p:tnLst>
-    <p:bldLst>
-      <p:bldP spid="2" grpId="0"/>
     </p:bldLst>
   </p:timing>
 </p:sld>

--- a/Slide.pptx
+++ b/Slide.pptx
@@ -14484,39 +14484,48 @@
           </a:p>
         </p:txBody>
       </p:sp>
+      <p:sp>
+        <p:nvSpPr>
+          <p:cNvPr id="9" name="Picture Placeholder 8">
+            <a:extLst>
+              <a:ext uri="{FF2B5EF4-FFF2-40B4-BE49-F238E27FC236}">
+                <a16:creationId xmlns:a16="http://schemas.microsoft.com/office/drawing/2014/main" id="{F1110F95-8697-4189-A57D-A6FB176B9A9A}"/>
+              </a:ext>
+            </a:extLst>
+          </p:cNvPr>
+          <p:cNvSpPr>
+            <a:spLocks noGrp="1"/>
+          </p:cNvSpPr>
+          <p:nvPr>
+            <p:ph type="pic" idx="1"/>
+          </p:nvPr>
+        </p:nvSpPr>
+        <p:spPr/>
+      </p:sp>
       <p:pic>
         <p:nvPicPr>
-          <p:cNvPr id="7" name="Picture Placeholder 6">
+          <p:cNvPr id="11" name="Picture 10">
             <a:extLst>
               <a:ext uri="{FF2B5EF4-FFF2-40B4-BE49-F238E27FC236}">
-                <a16:creationId xmlns:a16="http://schemas.microsoft.com/office/drawing/2014/main" id="{C5B5F1EF-14B8-46E3-A516-11F970F7DF97}"/>
+                <a16:creationId xmlns:a16="http://schemas.microsoft.com/office/drawing/2014/main" id="{B05D2290-5767-46A1-8658-3EC05FC969D1}"/>
               </a:ext>
             </a:extLst>
           </p:cNvPr>
           <p:cNvPicPr>
-            <a:picLocks noGrp="1"/>
+            <a:picLocks noChangeAspect="1"/>
           </p:cNvPicPr>
-          <p:nvPr>
-            <p:ph type="pic" idx="1"/>
-          </p:nvPr>
+          <p:nvPr/>
         </p:nvPicPr>
         <p:blipFill>
-          <a:blip r:embed="rId2" cstate="print">
-            <a:extLst>
-              <a:ext uri="{28A0092B-C50C-407E-A947-70E740481C1C}">
-                <a14:useLocalDpi xmlns:a14="http://schemas.microsoft.com/office/drawing/2010/main" val="0"/>
-              </a:ext>
-            </a:extLst>
-          </a:blip>
-          <a:srcRect t="8618" b="8618"/>
+          <a:blip r:embed="rId2"/>
           <a:stretch>
             <a:fillRect/>
           </a:stretch>
         </p:blipFill>
         <p:spPr>
           <a:xfrm>
-            <a:off x="2450237" y="574872"/>
-            <a:ext cx="9983298" cy="4316723"/>
+            <a:off x="2589212" y="196263"/>
+            <a:ext cx="9018943" cy="4732373"/>
           </a:xfrm>
           <a:prstGeom prst="rect">
             <a:avLst/>
@@ -16666,18 +16675,18 @@
               <a:t> </a:t>
             </a:r>
             <a:r>
-              <a:rPr lang="en-US" sz="3000">
+              <a:rPr lang="en-US" sz="3000" dirty="0" err="1">
                 <a:latin typeface="Times New Roman" panose="02020603050405020304" pitchFamily="18" charset="0"/>
                 <a:cs typeface="Times New Roman" panose="02020603050405020304" pitchFamily="18" charset="0"/>
               </a:rPr>
-              <a:t>tốt </a:t>
+              <a:t>tốt</a:t>
             </a:r>
             <a:r>
               <a:rPr lang="en-US" sz="3000" dirty="0">
                 <a:latin typeface="Times New Roman" panose="02020603050405020304" pitchFamily="18" charset="0"/>
                 <a:cs typeface="Times New Roman" panose="02020603050405020304" pitchFamily="18" charset="0"/>
               </a:rPr>
-              <a:t>h</a:t>
+              <a:t> h</a:t>
             </a:r>
             <a:r>
               <a:rPr lang="vi-VN" sz="3000" dirty="0">

--- a/Slide.pptx
+++ b/Slide.pptx
@@ -17,15 +17,19 @@
     <p:sldId id="265" r:id="rId11"/>
     <p:sldId id="266" r:id="rId12"/>
     <p:sldId id="272" r:id="rId13"/>
-    <p:sldId id="273" r:id="rId14"/>
-    <p:sldId id="274" r:id="rId15"/>
-    <p:sldId id="275" r:id="rId16"/>
-    <p:sldId id="276" r:id="rId17"/>
-    <p:sldId id="267" r:id="rId18"/>
-    <p:sldId id="268" r:id="rId19"/>
-    <p:sldId id="269" r:id="rId20"/>
-    <p:sldId id="270" r:id="rId21"/>
-    <p:sldId id="271" r:id="rId22"/>
+    <p:sldId id="280" r:id="rId14"/>
+    <p:sldId id="273" r:id="rId15"/>
+    <p:sldId id="274" r:id="rId16"/>
+    <p:sldId id="275" r:id="rId17"/>
+    <p:sldId id="276" r:id="rId18"/>
+    <p:sldId id="267" r:id="rId19"/>
+    <p:sldId id="268" r:id="rId20"/>
+    <p:sldId id="269" r:id="rId21"/>
+    <p:sldId id="277" r:id="rId22"/>
+    <p:sldId id="278" r:id="rId23"/>
+    <p:sldId id="270" r:id="rId24"/>
+    <p:sldId id="279" r:id="rId25"/>
+    <p:sldId id="271" r:id="rId26"/>
   </p:sldIdLst>
   <p:sldSz cx="12192000" cy="6858000"/>
   <p:notesSz cx="6858000" cy="9144000"/>
@@ -347,7 +351,7 @@
             <a:fld id="{B61BEF0D-F0BB-DE4B-95CE-6DB70DBA9567}" type="datetimeFigureOut">
               <a:rPr lang="en-US" dirty="0"/>
               <a:pPr/>
-              <a:t>11-12-2019</a:t>
+              <a:t>12-12-2019</a:t>
             </a:fld>
             <a:endParaRPr lang="en-US" dirty="0"/>
           </a:p>
@@ -682,7 +686,7 @@
             <a:fld id="{B61BEF0D-F0BB-DE4B-95CE-6DB70DBA9567}" type="datetimeFigureOut">
               <a:rPr lang="en-US" dirty="0"/>
               <a:pPr/>
-              <a:t>11-12-2019</a:t>
+              <a:t>12-12-2019</a:t>
             </a:fld>
             <a:endParaRPr lang="en-US" dirty="0"/>
           </a:p>
@@ -1080,7 +1084,7 @@
             <a:fld id="{B61BEF0D-F0BB-DE4B-95CE-6DB70DBA9567}" type="datetimeFigureOut">
               <a:rPr lang="en-US" dirty="0"/>
               <a:pPr/>
-              <a:t>11-12-2019</a:t>
+              <a:t>12-12-2019</a:t>
             </a:fld>
             <a:endParaRPr lang="en-US" dirty="0"/>
           </a:p>
@@ -1413,7 +1417,7 @@
             <a:fld id="{B61BEF0D-F0BB-DE4B-95CE-6DB70DBA9567}" type="datetimeFigureOut">
               <a:rPr lang="en-US" dirty="0"/>
               <a:pPr/>
-              <a:t>11-12-2019</a:t>
+              <a:t>12-12-2019</a:t>
             </a:fld>
             <a:endParaRPr lang="en-US" dirty="0"/>
           </a:p>
@@ -1730,7 +1734,7 @@
             <a:fld id="{B61BEF0D-F0BB-DE4B-95CE-6DB70DBA9567}" type="datetimeFigureOut">
               <a:rPr lang="en-US" dirty="0"/>
               <a:pPr/>
-              <a:t>11-12-2019</a:t>
+              <a:t>12-12-2019</a:t>
             </a:fld>
             <a:endParaRPr lang="en-US" dirty="0"/>
           </a:p>
@@ -2123,7 +2127,7 @@
             <a:fld id="{B61BEF0D-F0BB-DE4B-95CE-6DB70DBA9567}" type="datetimeFigureOut">
               <a:rPr lang="en-US" dirty="0"/>
               <a:pPr/>
-              <a:t>11-12-2019</a:t>
+              <a:t>12-12-2019</a:t>
             </a:fld>
             <a:endParaRPr lang="en-US" dirty="0"/>
           </a:p>
@@ -2377,7 +2381,7 @@
             <a:fld id="{B61BEF0D-F0BB-DE4B-95CE-6DB70DBA9567}" type="datetimeFigureOut">
               <a:rPr lang="en-US" dirty="0"/>
               <a:pPr/>
-              <a:t>11-12-2019</a:t>
+              <a:t>12-12-2019</a:t>
             </a:fld>
             <a:endParaRPr lang="en-US" dirty="0"/>
           </a:p>
@@ -2636,7 +2640,7 @@
             <a:fld id="{B61BEF0D-F0BB-DE4B-95CE-6DB70DBA9567}" type="datetimeFigureOut">
               <a:rPr lang="en-US" dirty="0"/>
               <a:pPr/>
-              <a:t>11-12-2019</a:t>
+              <a:t>12-12-2019</a:t>
             </a:fld>
             <a:endParaRPr lang="en-US" dirty="0"/>
           </a:p>
@@ -2895,7 +2899,7 @@
             <a:fld id="{B61BEF0D-F0BB-DE4B-95CE-6DB70DBA9567}" type="datetimeFigureOut">
               <a:rPr lang="en-US" dirty="0"/>
               <a:pPr/>
-              <a:t>11-12-2019</a:t>
+              <a:t>12-12-2019</a:t>
             </a:fld>
             <a:endParaRPr lang="en-US" dirty="0"/>
           </a:p>
@@ -3221,7 +3225,7 @@
             <a:fld id="{B61BEF0D-F0BB-DE4B-95CE-6DB70DBA9567}" type="datetimeFigureOut">
               <a:rPr lang="en-US" dirty="0"/>
               <a:pPr/>
-              <a:t>11-12-2019</a:t>
+              <a:t>12-12-2019</a:t>
             </a:fld>
             <a:endParaRPr lang="en-US" dirty="0"/>
           </a:p>
@@ -3541,7 +3545,7 @@
             <a:fld id="{B61BEF0D-F0BB-DE4B-95CE-6DB70DBA9567}" type="datetimeFigureOut">
               <a:rPr lang="en-US" dirty="0"/>
               <a:pPr/>
-              <a:t>11-12-2019</a:t>
+              <a:t>12-12-2019</a:t>
             </a:fld>
             <a:endParaRPr lang="en-US" dirty="0"/>
           </a:p>
@@ -3995,7 +3999,7 @@
             <a:fld id="{B61BEF0D-F0BB-DE4B-95CE-6DB70DBA9567}" type="datetimeFigureOut">
               <a:rPr lang="en-US" dirty="0"/>
               <a:pPr/>
-              <a:t>11-12-2019</a:t>
+              <a:t>12-12-2019</a:t>
             </a:fld>
             <a:endParaRPr lang="en-US" dirty="0"/>
           </a:p>
@@ -4197,7 +4201,7 @@
             <a:fld id="{B61BEF0D-F0BB-DE4B-95CE-6DB70DBA9567}" type="datetimeFigureOut">
               <a:rPr lang="en-US" dirty="0"/>
               <a:pPr/>
-              <a:t>11-12-2019</a:t>
+              <a:t>12-12-2019</a:t>
             </a:fld>
             <a:endParaRPr lang="en-US" dirty="0"/>
           </a:p>
@@ -4371,7 +4375,7 @@
             <a:fld id="{B61BEF0D-F0BB-DE4B-95CE-6DB70DBA9567}" type="datetimeFigureOut">
               <a:rPr lang="en-US" dirty="0"/>
               <a:pPr/>
-              <a:t>11-12-2019</a:t>
+              <a:t>12-12-2019</a:t>
             </a:fld>
             <a:endParaRPr lang="en-US" dirty="0"/>
           </a:p>
@@ -4701,7 +4705,7 @@
             <a:fld id="{B61BEF0D-F0BB-DE4B-95CE-6DB70DBA9567}" type="datetimeFigureOut">
               <a:rPr lang="en-US" dirty="0"/>
               <a:pPr/>
-              <a:t>11-12-2019</a:t>
+              <a:t>12-12-2019</a:t>
             </a:fld>
             <a:endParaRPr lang="en-US" dirty="0"/>
           </a:p>
@@ -5043,7 +5047,7 @@
             <a:fld id="{B61BEF0D-F0BB-DE4B-95CE-6DB70DBA9567}" type="datetimeFigureOut">
               <a:rPr lang="en-US" dirty="0"/>
               <a:pPr/>
-              <a:t>11-12-2019</a:t>
+              <a:t>12-12-2019</a:t>
             </a:fld>
             <a:endParaRPr lang="en-US" dirty="0"/>
           </a:p>
@@ -7157,7 +7161,7 @@
             <a:fld id="{B61BEF0D-F0BB-DE4B-95CE-6DB70DBA9567}" type="datetimeFigureOut">
               <a:rPr lang="en-US" dirty="0"/>
               <a:pPr/>
-              <a:t>11-12-2019</a:t>
+              <a:t>12-12-2019</a:t>
             </a:fld>
             <a:endParaRPr lang="en-US" dirty="0"/>
           </a:p>
@@ -14567,6 +14571,166 @@
           <p:cNvPr id="2" name="Title 1">
             <a:extLst>
               <a:ext uri="{FF2B5EF4-FFF2-40B4-BE49-F238E27FC236}">
+                <a16:creationId xmlns:a16="http://schemas.microsoft.com/office/drawing/2014/main" id="{E4CA7279-6AC6-412C-9912-9296335F0572}"/>
+              </a:ext>
+            </a:extLst>
+          </p:cNvPr>
+          <p:cNvSpPr>
+            <a:spLocks noGrp="1"/>
+          </p:cNvSpPr>
+          <p:nvPr>
+            <p:ph type="title"/>
+          </p:nvPr>
+        </p:nvSpPr>
+        <p:spPr/>
+        <p:txBody>
+          <a:bodyPr/>
+          <a:lstStyle/>
+          <a:p>
+            <a:r>
+              <a:rPr lang="en-US" dirty="0"/>
+              <a:t>S</a:t>
+            </a:r>
+            <a:r>
+              <a:rPr lang="vi-VN" dirty="0"/>
+              <a:t>ơ</a:t>
+            </a:r>
+            <a:r>
+              <a:rPr lang="en-US" dirty="0"/>
+              <a:t> </a:t>
+            </a:r>
+            <a:r>
+              <a:rPr lang="en-US" dirty="0" err="1"/>
+              <a:t>đồ</a:t>
+            </a:r>
+            <a:r>
+              <a:rPr lang="en-US" dirty="0"/>
+              <a:t> </a:t>
+            </a:r>
+            <a:r>
+              <a:rPr lang="en-US" dirty="0" err="1"/>
+              <a:t>thiết</a:t>
+            </a:r>
+            <a:r>
+              <a:rPr lang="en-US" dirty="0"/>
+              <a:t> </a:t>
+            </a:r>
+            <a:r>
+              <a:rPr lang="en-US" dirty="0" err="1"/>
+              <a:t>kế</a:t>
+            </a:r>
+            <a:endParaRPr lang="en-US" dirty="0"/>
+          </a:p>
+        </p:txBody>
+      </p:sp>
+      <p:sp>
+        <p:nvSpPr>
+          <p:cNvPr id="3" name="Picture Placeholder 2">
+            <a:extLst>
+              <a:ext uri="{FF2B5EF4-FFF2-40B4-BE49-F238E27FC236}">
+                <a16:creationId xmlns:a16="http://schemas.microsoft.com/office/drawing/2014/main" id="{ACB34F6B-3653-4558-B62A-90BA2BBE308C}"/>
+              </a:ext>
+            </a:extLst>
+          </p:cNvPr>
+          <p:cNvSpPr>
+            <a:spLocks noGrp="1"/>
+          </p:cNvSpPr>
+          <p:nvPr>
+            <p:ph type="pic" idx="1"/>
+          </p:nvPr>
+        </p:nvSpPr>
+        <p:spPr/>
+      </p:sp>
+      <p:sp>
+        <p:nvSpPr>
+          <p:cNvPr id="4" name="Text Placeholder 3">
+            <a:extLst>
+              <a:ext uri="{FF2B5EF4-FFF2-40B4-BE49-F238E27FC236}">
+                <a16:creationId xmlns:a16="http://schemas.microsoft.com/office/drawing/2014/main" id="{C240C327-91AA-402E-9D86-8B90483E616A}"/>
+              </a:ext>
+            </a:extLst>
+          </p:cNvPr>
+          <p:cNvSpPr>
+            <a:spLocks noGrp="1"/>
+          </p:cNvSpPr>
+          <p:nvPr>
+            <p:ph type="body" sz="half" idx="2"/>
+          </p:nvPr>
+        </p:nvSpPr>
+        <p:spPr/>
+        <p:txBody>
+          <a:bodyPr/>
+          <a:lstStyle/>
+          <a:p>
+            <a:endParaRPr lang="en-US"/>
+          </a:p>
+        </p:txBody>
+      </p:sp>
+      <p:pic>
+        <p:nvPicPr>
+          <p:cNvPr id="5" name="Picture 4">
+            <a:extLst>
+              <a:ext uri="{FF2B5EF4-FFF2-40B4-BE49-F238E27FC236}">
+                <a16:creationId xmlns:a16="http://schemas.microsoft.com/office/drawing/2014/main" id="{D81F99E4-4D8D-406A-900C-25C10CCB2EA6}"/>
+              </a:ext>
+            </a:extLst>
+          </p:cNvPr>
+          <p:cNvPicPr>
+            <a:picLocks noChangeAspect="1"/>
+          </p:cNvPicPr>
+          <p:nvPr/>
+        </p:nvPicPr>
+        <p:blipFill>
+          <a:blip r:embed="rId2"/>
+          <a:stretch>
+            <a:fillRect/>
+          </a:stretch>
+        </p:blipFill>
+        <p:spPr>
+          <a:xfrm>
+            <a:off x="1402672" y="541012"/>
+            <a:ext cx="10022889" cy="4259588"/>
+          </a:xfrm>
+          <a:prstGeom prst="rect">
+            <a:avLst/>
+          </a:prstGeom>
+        </p:spPr>
+      </p:pic>
+    </p:spTree>
+    <p:extLst>
+      <p:ext uri="{BB962C8B-B14F-4D97-AF65-F5344CB8AC3E}">
+        <p14:creationId xmlns:p14="http://schemas.microsoft.com/office/powerpoint/2010/main" val="1890279"/>
+      </p:ext>
+    </p:extLst>
+  </p:cSld>
+  <p:clrMapOvr>
+    <a:masterClrMapping/>
+  </p:clrMapOvr>
+</p:sld>
+</file>
+
+<file path=ppt/slides/slide14.xml><?xml version="1.0" encoding="utf-8"?>
+<p:sld xmlns:a="http://schemas.openxmlformats.org/drawingml/2006/main" xmlns:r="http://schemas.openxmlformats.org/officeDocument/2006/relationships" xmlns:p="http://schemas.openxmlformats.org/presentationml/2006/main">
+  <p:cSld>
+    <p:spTree>
+      <p:nvGrpSpPr>
+        <p:cNvPr id="1" name=""/>
+        <p:cNvGrpSpPr/>
+        <p:nvPr/>
+      </p:nvGrpSpPr>
+      <p:grpSpPr>
+        <a:xfrm>
+          <a:off x="0" y="0"/>
+          <a:ext cx="0" cy="0"/>
+          <a:chOff x="0" y="0"/>
+          <a:chExt cx="0" cy="0"/>
+        </a:xfrm>
+      </p:grpSpPr>
+      <p:sp>
+        <p:nvSpPr>
+          <p:cNvPr id="2" name="Title 1">
+            <a:extLst>
+              <a:ext uri="{FF2B5EF4-FFF2-40B4-BE49-F238E27FC236}">
                 <a16:creationId xmlns:a16="http://schemas.microsoft.com/office/drawing/2014/main" id="{0F132EFF-2540-4873-952B-FBDEBB53BDBF}"/>
               </a:ext>
             </a:extLst>
@@ -14683,7 +14847,7 @@
 </p:sld>
 </file>
 
-<file path=ppt/slides/slide14.xml><?xml version="1.0" encoding="utf-8"?>
+<file path=ppt/slides/slide15.xml><?xml version="1.0" encoding="utf-8"?>
 <p:sld xmlns:a="http://schemas.openxmlformats.org/drawingml/2006/main" xmlns:r="http://schemas.openxmlformats.org/officeDocument/2006/relationships" xmlns:p="http://schemas.openxmlformats.org/presentationml/2006/main">
   <p:cSld>
     <p:spTree>
@@ -14816,7 +14980,7 @@
 </p:sld>
 </file>
 
-<file path=ppt/slides/slide15.xml><?xml version="1.0" encoding="utf-8"?>
+<file path=ppt/slides/slide16.xml><?xml version="1.0" encoding="utf-8"?>
 <p:sld xmlns:a="http://schemas.openxmlformats.org/drawingml/2006/main" xmlns:r="http://schemas.openxmlformats.org/officeDocument/2006/relationships" xmlns:p="http://schemas.openxmlformats.org/presentationml/2006/main">
   <p:cSld>
     <p:spTree>
@@ -14960,7 +15124,7 @@
 </p:sld>
 </file>
 
-<file path=ppt/slides/slide16.xml><?xml version="1.0" encoding="utf-8"?>
+<file path=ppt/slides/slide17.xml><?xml version="1.0" encoding="utf-8"?>
 <p:sld xmlns:a="http://schemas.openxmlformats.org/drawingml/2006/main" xmlns:r="http://schemas.openxmlformats.org/officeDocument/2006/relationships" xmlns:p="http://schemas.openxmlformats.org/presentationml/2006/main">
   <p:cSld>
     <p:spTree>
@@ -15080,7 +15244,7 @@
 </p:sld>
 </file>
 
-<file path=ppt/slides/slide17.xml><?xml version="1.0" encoding="utf-8"?>
+<file path=ppt/slides/slide18.xml><?xml version="1.0" encoding="utf-8"?>
 <p:sld xmlns:a="http://schemas.openxmlformats.org/drawingml/2006/main" xmlns:r="http://schemas.openxmlformats.org/officeDocument/2006/relationships" xmlns:p="http://schemas.openxmlformats.org/presentationml/2006/main">
   <p:cSld>
     <p:spTree>
@@ -15359,7 +15523,7 @@
 </p:sld>
 </file>
 
-<file path=ppt/slides/slide18.xml><?xml version="1.0" encoding="utf-8"?>
+<file path=ppt/slides/slide19.xml><?xml version="1.0" encoding="utf-8"?>
 <p:sld xmlns:a="http://schemas.openxmlformats.org/drawingml/2006/main" xmlns:r="http://schemas.openxmlformats.org/officeDocument/2006/relationships" xmlns:p="http://schemas.openxmlformats.org/presentationml/2006/main">
   <p:cSld>
     <p:spTree>
@@ -15601,224 +15765,6 @@
                                         </p:tgtEl>
                                       </p:cBhvr>
                                     </p:animEffect>
-                                  </p:childTnLst>
-                                </p:cTn>
-                              </p:par>
-                            </p:childTnLst>
-                          </p:cTn>
-                        </p:par>
-                      </p:childTnLst>
-                    </p:cTn>
-                  </p:par>
-                </p:childTnLst>
-              </p:cTn>
-              <p:prevCondLst>
-                <p:cond evt="onPrev" delay="0">
-                  <p:tgtEl>
-                    <p:sldTgt/>
-                  </p:tgtEl>
-                </p:cond>
-              </p:prevCondLst>
-              <p:nextCondLst>
-                <p:cond evt="onNext" delay="0">
-                  <p:tgtEl>
-                    <p:sldTgt/>
-                  </p:tgtEl>
-                </p:cond>
-              </p:nextCondLst>
-            </p:seq>
-          </p:childTnLst>
-        </p:cTn>
-      </p:par>
-    </p:tnLst>
-    <p:bldLst>
-      <p:bldP spid="2" grpId="0"/>
-    </p:bldLst>
-  </p:timing>
-</p:sld>
-</file>
-
-<file path=ppt/slides/slide19.xml><?xml version="1.0" encoding="utf-8"?>
-<p:sld xmlns:a="http://schemas.openxmlformats.org/drawingml/2006/main" xmlns:r="http://schemas.openxmlformats.org/officeDocument/2006/relationships" xmlns:p="http://schemas.openxmlformats.org/presentationml/2006/main">
-  <p:cSld>
-    <p:spTree>
-      <p:nvGrpSpPr>
-        <p:cNvPr id="1" name=""/>
-        <p:cNvGrpSpPr/>
-        <p:nvPr/>
-      </p:nvGrpSpPr>
-      <p:grpSpPr>
-        <a:xfrm>
-          <a:off x="0" y="0"/>
-          <a:ext cx="0" cy="0"/>
-          <a:chOff x="0" y="0"/>
-          <a:chExt cx="0" cy="0"/>
-        </a:xfrm>
-      </p:grpSpPr>
-      <p:sp>
-        <p:nvSpPr>
-          <p:cNvPr id="2" name="Title 1">
-            <a:extLst>
-              <a:ext uri="{FF2B5EF4-FFF2-40B4-BE49-F238E27FC236}">
-                <a16:creationId xmlns:a16="http://schemas.microsoft.com/office/drawing/2014/main" id="{E362416A-F073-401C-85B0-F7A19F3CB8A1}"/>
-              </a:ext>
-            </a:extLst>
-          </p:cNvPr>
-          <p:cNvSpPr>
-            <a:spLocks noGrp="1"/>
-          </p:cNvSpPr>
-          <p:nvPr>
-            <p:ph type="title"/>
-          </p:nvPr>
-        </p:nvSpPr>
-        <p:spPr/>
-        <p:txBody>
-          <a:bodyPr/>
-          <a:lstStyle/>
-          <a:p>
-            <a:r>
-              <a:rPr lang="en-US" dirty="0"/>
-              <a:t>Demo website</a:t>
-            </a:r>
-          </a:p>
-        </p:txBody>
-      </p:sp>
-      <p:sp>
-        <p:nvSpPr>
-          <p:cNvPr id="4" name="Subtitle 3">
-            <a:extLst>
-              <a:ext uri="{FF2B5EF4-FFF2-40B4-BE49-F238E27FC236}">
-                <a16:creationId xmlns:a16="http://schemas.microsoft.com/office/drawing/2014/main" id="{E8D7C603-5788-4844-9B36-6422F4B3A968}"/>
-              </a:ext>
-            </a:extLst>
-          </p:cNvPr>
-          <p:cNvSpPr>
-            <a:spLocks noGrp="1"/>
-          </p:cNvSpPr>
-          <p:nvPr>
-            <p:ph type="body" idx="1"/>
-          </p:nvPr>
-        </p:nvSpPr>
-        <p:spPr/>
-        <p:txBody>
-          <a:bodyPr/>
-          <a:lstStyle/>
-          <a:p>
-            <a:r>
-              <a:rPr lang="en-US" dirty="0"/>
-              <a:t>- Connect </a:t>
-            </a:r>
-            <a:r>
-              <a:rPr lang="en-US" dirty="0" err="1"/>
-              <a:t>fonspa</a:t>
-            </a:r>
-            <a:r>
-              <a:rPr lang="en-US" dirty="0"/>
-              <a:t>/</a:t>
-            </a:r>
-          </a:p>
-        </p:txBody>
-      </p:sp>
-    </p:spTree>
-    <p:extLst>
-      <p:ext uri="{BB962C8B-B14F-4D97-AF65-F5344CB8AC3E}">
-        <p14:creationId xmlns:p14="http://schemas.microsoft.com/office/powerpoint/2010/main" val="49995700"/>
-      </p:ext>
-    </p:extLst>
-  </p:cSld>
-  <p:clrMapOvr>
-    <a:masterClrMapping/>
-  </p:clrMapOvr>
-  <p:timing>
-    <p:tnLst>
-      <p:par>
-        <p:cTn id="1" dur="indefinite" restart="never" nodeType="tmRoot">
-          <p:childTnLst>
-            <p:seq concurrent="1" nextAc="seek">
-              <p:cTn id="2" dur="indefinite" nodeType="mainSeq">
-                <p:childTnLst>
-                  <p:par>
-                    <p:cTn id="3" fill="hold">
-                      <p:stCondLst>
-                        <p:cond delay="indefinite"/>
-                      </p:stCondLst>
-                      <p:childTnLst>
-                        <p:par>
-                          <p:cTn id="4" fill="hold">
-                            <p:stCondLst>
-                              <p:cond delay="0"/>
-                            </p:stCondLst>
-                            <p:childTnLst>
-                              <p:par>
-                                <p:cTn id="5" presetID="2" presetClass="entr" presetSubtype="4" fill="hold" grpId="0" nodeType="clickEffect">
-                                  <p:stCondLst>
-                                    <p:cond delay="0"/>
-                                  </p:stCondLst>
-                                  <p:childTnLst>
-                                    <p:set>
-                                      <p:cBhvr>
-                                        <p:cTn id="6" dur="1" fill="hold">
-                                          <p:stCondLst>
-                                            <p:cond delay="0"/>
-                                          </p:stCondLst>
-                                        </p:cTn>
-                                        <p:tgtEl>
-                                          <p:spTgt spid="2"/>
-                                        </p:tgtEl>
-                                        <p:attrNameLst>
-                                          <p:attrName>style.visibility</p:attrName>
-                                        </p:attrNameLst>
-                                      </p:cBhvr>
-                                      <p:to>
-                                        <p:strVal val="visible"/>
-                                      </p:to>
-                                    </p:set>
-                                    <p:anim calcmode="lin" valueType="num">
-                                      <p:cBhvr additive="base">
-                                        <p:cTn id="7" dur="500" fill="hold"/>
-                                        <p:tgtEl>
-                                          <p:spTgt spid="2"/>
-                                        </p:tgtEl>
-                                        <p:attrNameLst>
-                                          <p:attrName>ppt_x</p:attrName>
-                                        </p:attrNameLst>
-                                      </p:cBhvr>
-                                      <p:tavLst>
-                                        <p:tav tm="0">
-                                          <p:val>
-                                            <p:strVal val="#ppt_x"/>
-                                          </p:val>
-                                        </p:tav>
-                                        <p:tav tm="100000">
-                                          <p:val>
-                                            <p:strVal val="#ppt_x"/>
-                                          </p:val>
-                                        </p:tav>
-                                      </p:tavLst>
-                                    </p:anim>
-                                    <p:anim calcmode="lin" valueType="num">
-                                      <p:cBhvr additive="base">
-                                        <p:cTn id="8" dur="500" fill="hold"/>
-                                        <p:tgtEl>
-                                          <p:spTgt spid="2"/>
-                                        </p:tgtEl>
-                                        <p:attrNameLst>
-                                          <p:attrName>ppt_y</p:attrName>
-                                        </p:attrNameLst>
-                                      </p:cBhvr>
-                                      <p:tavLst>
-                                        <p:tav tm="0">
-                                          <p:val>
-                                            <p:strVal val="1+#ppt_h/2"/>
-                                          </p:val>
-                                        </p:tav>
-                                        <p:tav tm="100000">
-                                          <p:val>
-                                            <p:strVal val="#ppt_y"/>
-                                          </p:val>
-                                        </p:tav>
-                                      </p:tavLst>
-                                    </p:anim>
                                   </p:childTnLst>
                                 </p:cTn>
                               </p:par>
@@ -17037,6 +16983,1279 @@
 </file>
 
 <file path=ppt/slides/slide20.xml><?xml version="1.0" encoding="utf-8"?>
+<p:sld xmlns:a="http://schemas.openxmlformats.org/drawingml/2006/main" xmlns:r="http://schemas.openxmlformats.org/officeDocument/2006/relationships" xmlns:p="http://schemas.openxmlformats.org/presentationml/2006/main">
+  <p:cSld>
+    <p:spTree>
+      <p:nvGrpSpPr>
+        <p:cNvPr id="1" name=""/>
+        <p:cNvGrpSpPr/>
+        <p:nvPr/>
+      </p:nvGrpSpPr>
+      <p:grpSpPr>
+        <a:xfrm>
+          <a:off x="0" y="0"/>
+          <a:ext cx="0" cy="0"/>
+          <a:chOff x="0" y="0"/>
+          <a:chExt cx="0" cy="0"/>
+        </a:xfrm>
+      </p:grpSpPr>
+      <p:sp>
+        <p:nvSpPr>
+          <p:cNvPr id="2" name="Title 1">
+            <a:extLst>
+              <a:ext uri="{FF2B5EF4-FFF2-40B4-BE49-F238E27FC236}">
+                <a16:creationId xmlns:a16="http://schemas.microsoft.com/office/drawing/2014/main" id="{E362416A-F073-401C-85B0-F7A19F3CB8A1}"/>
+              </a:ext>
+            </a:extLst>
+          </p:cNvPr>
+          <p:cNvSpPr>
+            <a:spLocks noGrp="1"/>
+          </p:cNvSpPr>
+          <p:nvPr>
+            <p:ph type="title"/>
+          </p:nvPr>
+        </p:nvSpPr>
+        <p:spPr/>
+        <p:txBody>
+          <a:bodyPr/>
+          <a:lstStyle/>
+          <a:p>
+            <a:r>
+              <a:rPr lang="en-US" dirty="0"/>
+              <a:t>Demo website</a:t>
+            </a:r>
+          </a:p>
+        </p:txBody>
+      </p:sp>
+      <p:sp>
+        <p:nvSpPr>
+          <p:cNvPr id="4" name="Subtitle 3">
+            <a:extLst>
+              <a:ext uri="{FF2B5EF4-FFF2-40B4-BE49-F238E27FC236}">
+                <a16:creationId xmlns:a16="http://schemas.microsoft.com/office/drawing/2014/main" id="{E8D7C603-5788-4844-9B36-6422F4B3A968}"/>
+              </a:ext>
+            </a:extLst>
+          </p:cNvPr>
+          <p:cNvSpPr>
+            <a:spLocks noGrp="1"/>
+          </p:cNvSpPr>
+          <p:nvPr>
+            <p:ph type="body" idx="1"/>
+          </p:nvPr>
+        </p:nvSpPr>
+        <p:spPr/>
+        <p:txBody>
+          <a:bodyPr/>
+          <a:lstStyle/>
+          <a:p>
+            <a:r>
+              <a:rPr lang="en-US" dirty="0"/>
+              <a:t>- Connect </a:t>
+            </a:r>
+            <a:r>
+              <a:rPr lang="en-US" dirty="0" err="1"/>
+              <a:t>fonspa</a:t>
+            </a:r>
+            <a:r>
+              <a:rPr lang="en-US" dirty="0"/>
+              <a:t>/</a:t>
+            </a:r>
+          </a:p>
+        </p:txBody>
+      </p:sp>
+    </p:spTree>
+    <p:extLst>
+      <p:ext uri="{BB962C8B-B14F-4D97-AF65-F5344CB8AC3E}">
+        <p14:creationId xmlns:p14="http://schemas.microsoft.com/office/powerpoint/2010/main" val="49995700"/>
+      </p:ext>
+    </p:extLst>
+  </p:cSld>
+  <p:clrMapOvr>
+    <a:masterClrMapping/>
+  </p:clrMapOvr>
+  <p:timing>
+    <p:tnLst>
+      <p:par>
+        <p:cTn id="1" dur="indefinite" restart="never" nodeType="tmRoot">
+          <p:childTnLst>
+            <p:seq concurrent="1" nextAc="seek">
+              <p:cTn id="2" dur="indefinite" nodeType="mainSeq">
+                <p:childTnLst>
+                  <p:par>
+                    <p:cTn id="3" fill="hold">
+                      <p:stCondLst>
+                        <p:cond delay="indefinite"/>
+                      </p:stCondLst>
+                      <p:childTnLst>
+                        <p:par>
+                          <p:cTn id="4" fill="hold">
+                            <p:stCondLst>
+                              <p:cond delay="0"/>
+                            </p:stCondLst>
+                            <p:childTnLst>
+                              <p:par>
+                                <p:cTn id="5" presetID="2" presetClass="entr" presetSubtype="4" fill="hold" grpId="0" nodeType="clickEffect">
+                                  <p:stCondLst>
+                                    <p:cond delay="0"/>
+                                  </p:stCondLst>
+                                  <p:childTnLst>
+                                    <p:set>
+                                      <p:cBhvr>
+                                        <p:cTn id="6" dur="1" fill="hold">
+                                          <p:stCondLst>
+                                            <p:cond delay="0"/>
+                                          </p:stCondLst>
+                                        </p:cTn>
+                                        <p:tgtEl>
+                                          <p:spTgt spid="2"/>
+                                        </p:tgtEl>
+                                        <p:attrNameLst>
+                                          <p:attrName>style.visibility</p:attrName>
+                                        </p:attrNameLst>
+                                      </p:cBhvr>
+                                      <p:to>
+                                        <p:strVal val="visible"/>
+                                      </p:to>
+                                    </p:set>
+                                    <p:anim calcmode="lin" valueType="num">
+                                      <p:cBhvr additive="base">
+                                        <p:cTn id="7" dur="500" fill="hold"/>
+                                        <p:tgtEl>
+                                          <p:spTgt spid="2"/>
+                                        </p:tgtEl>
+                                        <p:attrNameLst>
+                                          <p:attrName>ppt_x</p:attrName>
+                                        </p:attrNameLst>
+                                      </p:cBhvr>
+                                      <p:tavLst>
+                                        <p:tav tm="0">
+                                          <p:val>
+                                            <p:strVal val="#ppt_x"/>
+                                          </p:val>
+                                        </p:tav>
+                                        <p:tav tm="100000">
+                                          <p:val>
+                                            <p:strVal val="#ppt_x"/>
+                                          </p:val>
+                                        </p:tav>
+                                      </p:tavLst>
+                                    </p:anim>
+                                    <p:anim calcmode="lin" valueType="num">
+                                      <p:cBhvr additive="base">
+                                        <p:cTn id="8" dur="500" fill="hold"/>
+                                        <p:tgtEl>
+                                          <p:spTgt spid="2"/>
+                                        </p:tgtEl>
+                                        <p:attrNameLst>
+                                          <p:attrName>ppt_y</p:attrName>
+                                        </p:attrNameLst>
+                                      </p:cBhvr>
+                                      <p:tavLst>
+                                        <p:tav tm="0">
+                                          <p:val>
+                                            <p:strVal val="1+#ppt_h/2"/>
+                                          </p:val>
+                                        </p:tav>
+                                        <p:tav tm="100000">
+                                          <p:val>
+                                            <p:strVal val="#ppt_y"/>
+                                          </p:val>
+                                        </p:tav>
+                                      </p:tavLst>
+                                    </p:anim>
+                                  </p:childTnLst>
+                                </p:cTn>
+                              </p:par>
+                            </p:childTnLst>
+                          </p:cTn>
+                        </p:par>
+                      </p:childTnLst>
+                    </p:cTn>
+                  </p:par>
+                </p:childTnLst>
+              </p:cTn>
+              <p:prevCondLst>
+                <p:cond evt="onPrev" delay="0">
+                  <p:tgtEl>
+                    <p:sldTgt/>
+                  </p:tgtEl>
+                </p:cond>
+              </p:prevCondLst>
+              <p:nextCondLst>
+                <p:cond evt="onNext" delay="0">
+                  <p:tgtEl>
+                    <p:sldTgt/>
+                  </p:tgtEl>
+                </p:cond>
+              </p:nextCondLst>
+            </p:seq>
+          </p:childTnLst>
+        </p:cTn>
+      </p:par>
+    </p:tnLst>
+    <p:bldLst>
+      <p:bldP spid="2" grpId="0"/>
+    </p:bldLst>
+  </p:timing>
+</p:sld>
+</file>
+
+<file path=ppt/slides/slide21.xml><?xml version="1.0" encoding="utf-8"?>
+<p:sld xmlns:a="http://schemas.openxmlformats.org/drawingml/2006/main" xmlns:r="http://schemas.openxmlformats.org/officeDocument/2006/relationships" xmlns:p="http://schemas.openxmlformats.org/presentationml/2006/main">
+  <p:cSld>
+    <p:spTree>
+      <p:nvGrpSpPr>
+        <p:cNvPr id="1" name=""/>
+        <p:cNvGrpSpPr/>
+        <p:nvPr/>
+      </p:nvGrpSpPr>
+      <p:grpSpPr>
+        <a:xfrm>
+          <a:off x="0" y="0"/>
+          <a:ext cx="0" cy="0"/>
+          <a:chOff x="0" y="0"/>
+          <a:chExt cx="0" cy="0"/>
+        </a:xfrm>
+      </p:grpSpPr>
+      <p:sp>
+        <p:nvSpPr>
+          <p:cNvPr id="4" name="Title 3">
+            <a:extLst>
+              <a:ext uri="{FF2B5EF4-FFF2-40B4-BE49-F238E27FC236}">
+                <a16:creationId xmlns:a16="http://schemas.microsoft.com/office/drawing/2014/main" id="{DADF0449-91DA-4232-B4FB-5CBA87C45F4B}"/>
+              </a:ext>
+            </a:extLst>
+          </p:cNvPr>
+          <p:cNvSpPr>
+            <a:spLocks noGrp="1"/>
+          </p:cNvSpPr>
+          <p:nvPr>
+            <p:ph type="title"/>
+          </p:nvPr>
+        </p:nvSpPr>
+        <p:spPr/>
+        <p:txBody>
+          <a:bodyPr/>
+          <a:lstStyle/>
+          <a:p>
+            <a:r>
+              <a:rPr lang="en-US" dirty="0" err="1"/>
+              <a:t>Kết</a:t>
+            </a:r>
+            <a:r>
+              <a:rPr lang="en-US" dirty="0"/>
+              <a:t> </a:t>
+            </a:r>
+            <a:r>
+              <a:rPr lang="en-US" dirty="0" err="1"/>
+              <a:t>luận</a:t>
+            </a:r>
+            <a:r>
+              <a:rPr lang="en-US" dirty="0"/>
+              <a:t> – </a:t>
+            </a:r>
+            <a:r>
+              <a:rPr lang="en-US" dirty="0" err="1"/>
+              <a:t>Những</a:t>
+            </a:r>
+            <a:r>
+              <a:rPr lang="en-US" dirty="0"/>
+              <a:t> </a:t>
+            </a:r>
+            <a:r>
+              <a:rPr lang="en-US" dirty="0" err="1"/>
+              <a:t>việc</a:t>
+            </a:r>
+            <a:r>
+              <a:rPr lang="en-US" dirty="0"/>
+              <a:t> </a:t>
+            </a:r>
+            <a:r>
+              <a:rPr lang="en-US" dirty="0" err="1"/>
+              <a:t>đã</a:t>
+            </a:r>
+            <a:r>
+              <a:rPr lang="en-US" dirty="0"/>
+              <a:t> </a:t>
+            </a:r>
+            <a:r>
+              <a:rPr lang="en-US" dirty="0" err="1"/>
+              <a:t>thực</a:t>
+            </a:r>
+            <a:r>
+              <a:rPr lang="en-US" dirty="0"/>
+              <a:t> </a:t>
+            </a:r>
+            <a:r>
+              <a:rPr lang="en-US" dirty="0" err="1"/>
+              <a:t>hiện</a:t>
+            </a:r>
+            <a:r>
+              <a:rPr lang="en-US" dirty="0"/>
+              <a:t> đ</a:t>
+            </a:r>
+            <a:r>
+              <a:rPr lang="vi-VN" dirty="0"/>
+              <a:t>ư</a:t>
+            </a:r>
+            <a:r>
+              <a:rPr lang="en-US" dirty="0" err="1"/>
+              <a:t>ợc</a:t>
+            </a:r>
+            <a:endParaRPr lang="en-US" dirty="0"/>
+          </a:p>
+        </p:txBody>
+      </p:sp>
+      <p:sp>
+        <p:nvSpPr>
+          <p:cNvPr id="5" name="Content Placeholder 4">
+            <a:extLst>
+              <a:ext uri="{FF2B5EF4-FFF2-40B4-BE49-F238E27FC236}">
+                <a16:creationId xmlns:a16="http://schemas.microsoft.com/office/drawing/2014/main" id="{47351B1C-B3A2-4E5D-9009-F2DBD0922718}"/>
+              </a:ext>
+            </a:extLst>
+          </p:cNvPr>
+          <p:cNvSpPr>
+            <a:spLocks noGrp="1"/>
+          </p:cNvSpPr>
+          <p:nvPr>
+            <p:ph idx="1"/>
+          </p:nvPr>
+        </p:nvSpPr>
+        <p:spPr/>
+        <p:txBody>
+          <a:bodyPr/>
+          <a:lstStyle/>
+          <a:p>
+            <a:r>
+              <a:rPr lang="en-US" dirty="0" err="1"/>
+              <a:t>Thực</a:t>
+            </a:r>
+            <a:r>
+              <a:rPr lang="en-US" dirty="0"/>
+              <a:t> </a:t>
+            </a:r>
+            <a:r>
+              <a:rPr lang="en-US" dirty="0" err="1"/>
+              <a:t>hiện</a:t>
+            </a:r>
+            <a:r>
+              <a:rPr lang="en-US" dirty="0"/>
+              <a:t> đ</a:t>
+            </a:r>
+            <a:r>
+              <a:rPr lang="vi-VN" dirty="0"/>
+              <a:t>ư</a:t>
+            </a:r>
+            <a:r>
+              <a:rPr lang="en-US" dirty="0" err="1"/>
+              <a:t>ợc</a:t>
+            </a:r>
+            <a:r>
+              <a:rPr lang="en-US" dirty="0"/>
+              <a:t> </a:t>
+            </a:r>
+            <a:r>
+              <a:rPr lang="en-US" dirty="0" err="1"/>
+              <a:t>hầu</a:t>
+            </a:r>
+            <a:r>
+              <a:rPr lang="en-US" dirty="0"/>
+              <a:t> </a:t>
+            </a:r>
+            <a:r>
+              <a:rPr lang="en-US" dirty="0" err="1"/>
+              <a:t>hết</a:t>
+            </a:r>
+            <a:r>
+              <a:rPr lang="en-US" dirty="0"/>
+              <a:t> </a:t>
+            </a:r>
+            <a:r>
+              <a:rPr lang="en-US" dirty="0" err="1"/>
+              <a:t>các</a:t>
+            </a:r>
+            <a:r>
+              <a:rPr lang="en-US" dirty="0"/>
+              <a:t> </a:t>
+            </a:r>
+            <a:r>
+              <a:rPr lang="en-US" dirty="0" err="1"/>
+              <a:t>chức</a:t>
+            </a:r>
+            <a:r>
+              <a:rPr lang="en-US" dirty="0"/>
+              <a:t> </a:t>
+            </a:r>
+            <a:r>
+              <a:rPr lang="en-US" dirty="0" err="1"/>
+              <a:t>năng</a:t>
+            </a:r>
+            <a:r>
+              <a:rPr lang="en-US" dirty="0"/>
+              <a:t> c</a:t>
+            </a:r>
+            <a:r>
+              <a:rPr lang="vi-VN" dirty="0"/>
+              <a:t>ơ</a:t>
+            </a:r>
+            <a:r>
+              <a:rPr lang="en-US" dirty="0"/>
+              <a:t> </a:t>
+            </a:r>
+            <a:r>
+              <a:rPr lang="en-US" dirty="0" err="1"/>
+              <a:t>bản</a:t>
+            </a:r>
+            <a:r>
+              <a:rPr lang="en-US" dirty="0"/>
+              <a:t> </a:t>
+            </a:r>
+            <a:r>
+              <a:rPr lang="en-US" dirty="0" err="1"/>
+              <a:t>của</a:t>
+            </a:r>
+            <a:r>
+              <a:rPr lang="en-US" dirty="0"/>
+              <a:t> website</a:t>
+            </a:r>
+          </a:p>
+          <a:p>
+            <a:r>
+              <a:rPr lang="en-US" dirty="0" err="1"/>
+              <a:t>Quản</a:t>
+            </a:r>
+            <a:r>
+              <a:rPr lang="en-US" dirty="0"/>
+              <a:t> </a:t>
+            </a:r>
+            <a:r>
+              <a:rPr lang="en-US" dirty="0" err="1"/>
+              <a:t>lý</a:t>
+            </a:r>
+            <a:r>
+              <a:rPr lang="en-US" dirty="0"/>
+              <a:t> đ</a:t>
+            </a:r>
+            <a:r>
+              <a:rPr lang="vi-VN" dirty="0"/>
+              <a:t>ư</a:t>
+            </a:r>
+            <a:r>
+              <a:rPr lang="en-US" dirty="0" err="1"/>
+              <a:t>ợc</a:t>
+            </a:r>
+            <a:r>
+              <a:rPr lang="en-US" dirty="0"/>
+              <a:t> </a:t>
+            </a:r>
+            <a:r>
+              <a:rPr lang="en-US" dirty="0" err="1"/>
+              <a:t>gần</a:t>
+            </a:r>
+            <a:r>
+              <a:rPr lang="en-US" dirty="0"/>
+              <a:t> </a:t>
+            </a:r>
+            <a:r>
+              <a:rPr lang="en-US" dirty="0" err="1"/>
+              <a:t>nh</a:t>
+            </a:r>
+            <a:r>
+              <a:rPr lang="vi-VN" dirty="0"/>
+              <a:t>ư</a:t>
+            </a:r>
+            <a:r>
+              <a:rPr lang="en-US" dirty="0"/>
+              <a:t> </a:t>
+            </a:r>
+            <a:r>
+              <a:rPr lang="en-US" dirty="0" err="1"/>
+              <a:t>tất</a:t>
+            </a:r>
+            <a:r>
+              <a:rPr lang="en-US" dirty="0"/>
+              <a:t> </a:t>
+            </a:r>
+            <a:r>
+              <a:rPr lang="en-US" dirty="0" err="1"/>
+              <a:t>cả</a:t>
+            </a:r>
+            <a:r>
+              <a:rPr lang="en-US" dirty="0"/>
+              <a:t> content </a:t>
+            </a:r>
+            <a:r>
+              <a:rPr lang="en-US" dirty="0" err="1"/>
+              <a:t>trên</a:t>
+            </a:r>
+            <a:r>
+              <a:rPr lang="en-US" dirty="0"/>
+              <a:t> </a:t>
+            </a:r>
+            <a:r>
+              <a:rPr lang="en-US" dirty="0" err="1"/>
+              <a:t>trang</a:t>
+            </a:r>
+            <a:r>
+              <a:rPr lang="en-US" dirty="0"/>
+              <a:t> web</a:t>
+            </a:r>
+          </a:p>
+          <a:p>
+            <a:r>
+              <a:rPr lang="en-US" dirty="0" err="1"/>
+              <a:t>Quản</a:t>
+            </a:r>
+            <a:r>
+              <a:rPr lang="en-US" dirty="0"/>
+              <a:t> </a:t>
+            </a:r>
+            <a:r>
+              <a:rPr lang="en-US" dirty="0" err="1"/>
+              <a:t>lý</a:t>
+            </a:r>
+            <a:r>
+              <a:rPr lang="en-US" dirty="0"/>
+              <a:t> đ</a:t>
+            </a:r>
+            <a:r>
+              <a:rPr lang="vi-VN" dirty="0"/>
+              <a:t>ư</a:t>
+            </a:r>
+            <a:r>
+              <a:rPr lang="en-US" dirty="0" err="1"/>
+              <a:t>ợc</a:t>
+            </a:r>
+            <a:r>
+              <a:rPr lang="en-US" dirty="0"/>
+              <a:t> </a:t>
+            </a:r>
+            <a:r>
+              <a:rPr lang="en-US" dirty="0" err="1"/>
+              <a:t>sản</a:t>
+            </a:r>
+            <a:r>
+              <a:rPr lang="en-US" dirty="0"/>
+              <a:t> </a:t>
+            </a:r>
+            <a:r>
+              <a:rPr lang="en-US" dirty="0" err="1"/>
+              <a:t>phẩm</a:t>
+            </a:r>
+            <a:r>
+              <a:rPr lang="en-US" dirty="0"/>
+              <a:t>, </a:t>
+            </a:r>
+            <a:r>
+              <a:rPr lang="en-US" dirty="0" err="1"/>
+              <a:t>dịch</a:t>
+            </a:r>
+            <a:r>
+              <a:rPr lang="en-US" dirty="0"/>
+              <a:t> </a:t>
+            </a:r>
+            <a:r>
+              <a:rPr lang="en-US" dirty="0" err="1"/>
+              <a:t>vụ</a:t>
+            </a:r>
+            <a:endParaRPr lang="en-US" dirty="0"/>
+          </a:p>
+          <a:p>
+            <a:r>
+              <a:rPr lang="en-US" dirty="0" err="1"/>
+              <a:t>Quản</a:t>
+            </a:r>
+            <a:r>
+              <a:rPr lang="en-US" dirty="0"/>
+              <a:t> </a:t>
+            </a:r>
+            <a:r>
+              <a:rPr lang="en-US" dirty="0" err="1"/>
+              <a:t>lý</a:t>
+            </a:r>
+            <a:r>
+              <a:rPr lang="en-US" dirty="0"/>
+              <a:t> đ</a:t>
+            </a:r>
+            <a:r>
+              <a:rPr lang="vi-VN" dirty="0"/>
+              <a:t>ư</a:t>
+            </a:r>
+            <a:r>
+              <a:rPr lang="en-US" dirty="0" err="1"/>
+              <a:t>ợc</a:t>
+            </a:r>
+            <a:r>
+              <a:rPr lang="en-US" dirty="0"/>
+              <a:t> booking </a:t>
+            </a:r>
+            <a:r>
+              <a:rPr lang="en-US" dirty="0" err="1"/>
+              <a:t>của</a:t>
+            </a:r>
+            <a:r>
+              <a:rPr lang="en-US" dirty="0"/>
+              <a:t> </a:t>
+            </a:r>
+            <a:r>
+              <a:rPr lang="en-US" dirty="0" err="1"/>
+              <a:t>khách</a:t>
+            </a:r>
+            <a:r>
+              <a:rPr lang="en-US" dirty="0"/>
+              <a:t> hang</a:t>
+            </a:r>
+          </a:p>
+          <a:p>
+            <a:r>
+              <a:rPr lang="en-US" dirty="0" err="1"/>
+              <a:t>Quản</a:t>
+            </a:r>
+            <a:r>
+              <a:rPr lang="en-US" dirty="0"/>
+              <a:t> </a:t>
+            </a:r>
+            <a:r>
+              <a:rPr lang="en-US" dirty="0" err="1"/>
+              <a:t>lý</a:t>
+            </a:r>
+            <a:r>
+              <a:rPr lang="en-US" dirty="0"/>
+              <a:t> đ</a:t>
+            </a:r>
+            <a:r>
+              <a:rPr lang="vi-VN" dirty="0"/>
+              <a:t>ư</a:t>
+            </a:r>
+            <a:r>
+              <a:rPr lang="en-US" dirty="0" err="1"/>
+              <a:t>ợc</a:t>
+            </a:r>
+            <a:r>
+              <a:rPr lang="en-US" dirty="0"/>
+              <a:t> schedule booking </a:t>
+            </a:r>
+            <a:r>
+              <a:rPr lang="en-US" dirty="0" err="1"/>
+              <a:t>của</a:t>
+            </a:r>
+            <a:r>
+              <a:rPr lang="en-US" dirty="0"/>
+              <a:t> </a:t>
+            </a:r>
+            <a:r>
+              <a:rPr lang="en-US" dirty="0" err="1"/>
+              <a:t>khách</a:t>
+            </a:r>
+            <a:r>
+              <a:rPr lang="en-US" dirty="0"/>
+              <a:t> hang</a:t>
+            </a:r>
+          </a:p>
+          <a:p>
+            <a:r>
+              <a:rPr lang="en-US" dirty="0"/>
+              <a:t>Cho </a:t>
+            </a:r>
+            <a:r>
+              <a:rPr lang="en-US" dirty="0" err="1"/>
+              <a:t>khách</a:t>
+            </a:r>
+            <a:r>
+              <a:rPr lang="en-US" dirty="0"/>
+              <a:t> </a:t>
+            </a:r>
+            <a:r>
+              <a:rPr lang="en-US" dirty="0" err="1"/>
+              <a:t>hàng</a:t>
+            </a:r>
+            <a:r>
+              <a:rPr lang="en-US" dirty="0"/>
+              <a:t> </a:t>
+            </a:r>
+            <a:r>
+              <a:rPr lang="en-US" dirty="0" err="1"/>
+              <a:t>tùy</a:t>
+            </a:r>
+            <a:r>
+              <a:rPr lang="en-US" dirty="0"/>
+              <a:t> </a:t>
+            </a:r>
+            <a:r>
+              <a:rPr lang="en-US" dirty="0" err="1"/>
+              <a:t>chỉnh</a:t>
+            </a:r>
+            <a:r>
+              <a:rPr lang="en-US" dirty="0"/>
+              <a:t> </a:t>
+            </a:r>
+            <a:r>
+              <a:rPr lang="en-US" dirty="0" err="1"/>
+              <a:t>hầu</a:t>
+            </a:r>
+            <a:r>
+              <a:rPr lang="en-US" dirty="0"/>
+              <a:t> </a:t>
+            </a:r>
+            <a:r>
+              <a:rPr lang="en-US" dirty="0" err="1"/>
+              <a:t>hết</a:t>
+            </a:r>
+            <a:r>
+              <a:rPr lang="en-US" dirty="0"/>
+              <a:t> content </a:t>
+            </a:r>
+            <a:r>
+              <a:rPr lang="en-US" dirty="0" err="1"/>
+              <a:t>trên</a:t>
+            </a:r>
+            <a:r>
+              <a:rPr lang="en-US" dirty="0"/>
+              <a:t> </a:t>
+            </a:r>
+            <a:r>
+              <a:rPr lang="en-US" dirty="0" err="1"/>
+              <a:t>trang</a:t>
+            </a:r>
+            <a:r>
+              <a:rPr lang="en-US" dirty="0"/>
+              <a:t> web</a:t>
+            </a:r>
+          </a:p>
+          <a:p>
+            <a:r>
+              <a:rPr lang="en-US" dirty="0" err="1"/>
+              <a:t>Thông</a:t>
+            </a:r>
+            <a:r>
+              <a:rPr lang="en-US" dirty="0"/>
+              <a:t> </a:t>
+            </a:r>
+            <a:r>
+              <a:rPr lang="en-US" dirty="0" err="1"/>
+              <a:t>kê</a:t>
+            </a:r>
+            <a:r>
+              <a:rPr lang="en-US" dirty="0"/>
+              <a:t> đ</a:t>
+            </a:r>
+            <a:r>
+              <a:rPr lang="vi-VN" dirty="0"/>
+              <a:t>ư</a:t>
+            </a:r>
+            <a:r>
+              <a:rPr lang="en-US" dirty="0" err="1"/>
+              <a:t>ợc</a:t>
+            </a:r>
+            <a:r>
+              <a:rPr lang="en-US" dirty="0"/>
+              <a:t> </a:t>
+            </a:r>
+            <a:r>
+              <a:rPr lang="en-US" dirty="0" err="1"/>
+              <a:t>số</a:t>
+            </a:r>
+            <a:r>
+              <a:rPr lang="en-US" dirty="0"/>
+              <a:t> l</a:t>
+            </a:r>
+            <a:r>
+              <a:rPr lang="vi-VN" dirty="0"/>
+              <a:t>ư</a:t>
+            </a:r>
+            <a:r>
+              <a:rPr lang="en-US" dirty="0" err="1"/>
+              <a:t>ợng</a:t>
+            </a:r>
+            <a:r>
+              <a:rPr lang="en-US" dirty="0"/>
+              <a:t> ng</a:t>
+            </a:r>
+            <a:r>
+              <a:rPr lang="vi-VN" dirty="0"/>
+              <a:t>ư</a:t>
+            </a:r>
+            <a:r>
+              <a:rPr lang="en-US" dirty="0" err="1"/>
+              <a:t>ời</a:t>
+            </a:r>
+            <a:r>
+              <a:rPr lang="en-US" dirty="0"/>
+              <a:t> </a:t>
+            </a:r>
+            <a:r>
+              <a:rPr lang="en-US" dirty="0" err="1"/>
+              <a:t>vào</a:t>
+            </a:r>
+            <a:r>
+              <a:rPr lang="en-US" dirty="0"/>
+              <a:t> </a:t>
+            </a:r>
+            <a:r>
+              <a:rPr lang="en-US" dirty="0" err="1"/>
+              <a:t>trang</a:t>
+            </a:r>
+            <a:r>
+              <a:rPr lang="en-US" dirty="0"/>
+              <a:t> web, </a:t>
+            </a:r>
+            <a:r>
+              <a:rPr lang="en-US" dirty="0" err="1"/>
+              <a:t>số</a:t>
+            </a:r>
+            <a:r>
+              <a:rPr lang="en-US" dirty="0"/>
+              <a:t> l</a:t>
+            </a:r>
+            <a:r>
+              <a:rPr lang="vi-VN" dirty="0"/>
+              <a:t>ư</a:t>
+            </a:r>
+            <a:r>
+              <a:rPr lang="en-US" dirty="0" err="1"/>
+              <a:t>ợng</a:t>
+            </a:r>
+            <a:r>
+              <a:rPr lang="en-US" dirty="0"/>
+              <a:t> ng</a:t>
+            </a:r>
+            <a:r>
+              <a:rPr lang="vi-VN" dirty="0"/>
+              <a:t>ư</a:t>
+            </a:r>
+            <a:r>
+              <a:rPr lang="en-US" dirty="0" err="1"/>
+              <a:t>ời</a:t>
+            </a:r>
+            <a:r>
+              <a:rPr lang="en-US" dirty="0"/>
+              <a:t> booking </a:t>
+            </a:r>
+            <a:r>
+              <a:rPr lang="en-US" dirty="0" err="1"/>
+              <a:t>dịch</a:t>
+            </a:r>
+            <a:r>
+              <a:rPr lang="en-US" dirty="0"/>
+              <a:t> </a:t>
+            </a:r>
+            <a:r>
+              <a:rPr lang="en-US" dirty="0" err="1"/>
+              <a:t>vụ</a:t>
+            </a:r>
+            <a:r>
+              <a:rPr lang="en-US" dirty="0"/>
+              <a:t>, </a:t>
+            </a:r>
+            <a:r>
+              <a:rPr lang="en-US" dirty="0" err="1"/>
+              <a:t>số</a:t>
+            </a:r>
+            <a:r>
+              <a:rPr lang="en-US" dirty="0"/>
+              <a:t> l</a:t>
+            </a:r>
+            <a:r>
+              <a:rPr lang="vi-VN" dirty="0"/>
+              <a:t>ư</a:t>
+            </a:r>
+            <a:r>
+              <a:rPr lang="en-US" dirty="0" err="1"/>
+              <a:t>ợng</a:t>
+            </a:r>
+            <a:r>
+              <a:rPr lang="en-US" dirty="0"/>
+              <a:t> </a:t>
+            </a:r>
+            <a:r>
+              <a:rPr lang="en-US" dirty="0" err="1"/>
+              <a:t>khách</a:t>
+            </a:r>
+            <a:r>
+              <a:rPr lang="en-US" dirty="0"/>
+              <a:t> </a:t>
+            </a:r>
+            <a:r>
+              <a:rPr lang="en-US" dirty="0" err="1"/>
+              <a:t>hàng</a:t>
+            </a:r>
+            <a:r>
+              <a:rPr lang="en-US" dirty="0"/>
+              <a:t>, </a:t>
+            </a:r>
+            <a:r>
+              <a:rPr lang="en-US" dirty="0" err="1"/>
+              <a:t>thể</a:t>
+            </a:r>
+            <a:r>
+              <a:rPr lang="en-US" dirty="0"/>
+              <a:t> </a:t>
+            </a:r>
+            <a:r>
+              <a:rPr lang="en-US" dirty="0" err="1"/>
+              <a:t>hiện</a:t>
+            </a:r>
+            <a:r>
+              <a:rPr lang="en-US" dirty="0"/>
+              <a:t> qua Chart </a:t>
+            </a:r>
+            <a:r>
+              <a:rPr lang="en-US" dirty="0" err="1"/>
+              <a:t>theo</a:t>
+            </a:r>
+            <a:r>
+              <a:rPr lang="en-US" dirty="0"/>
+              <a:t> </a:t>
+            </a:r>
+            <a:r>
+              <a:rPr lang="en-US" dirty="0" err="1"/>
+              <a:t>từng</a:t>
+            </a:r>
+            <a:r>
+              <a:rPr lang="en-US" dirty="0"/>
+              <a:t> </a:t>
+            </a:r>
+            <a:r>
+              <a:rPr lang="en-US" dirty="0" err="1"/>
+              <a:t>tháng</a:t>
+            </a:r>
+            <a:endParaRPr lang="en-US" dirty="0"/>
+          </a:p>
+        </p:txBody>
+      </p:sp>
+    </p:spTree>
+    <p:extLst>
+      <p:ext uri="{BB962C8B-B14F-4D97-AF65-F5344CB8AC3E}">
+        <p14:creationId xmlns:p14="http://schemas.microsoft.com/office/powerpoint/2010/main" val="230527788"/>
+      </p:ext>
+    </p:extLst>
+  </p:cSld>
+  <p:clrMapOvr>
+    <a:masterClrMapping/>
+  </p:clrMapOvr>
+</p:sld>
+</file>
+
+<file path=ppt/slides/slide22.xml><?xml version="1.0" encoding="utf-8"?>
+<p:sld xmlns:a="http://schemas.openxmlformats.org/drawingml/2006/main" xmlns:r="http://schemas.openxmlformats.org/officeDocument/2006/relationships" xmlns:p="http://schemas.openxmlformats.org/presentationml/2006/main">
+  <p:cSld>
+    <p:spTree>
+      <p:nvGrpSpPr>
+        <p:cNvPr id="1" name=""/>
+        <p:cNvGrpSpPr/>
+        <p:nvPr/>
+      </p:nvGrpSpPr>
+      <p:grpSpPr>
+        <a:xfrm>
+          <a:off x="0" y="0"/>
+          <a:ext cx="0" cy="0"/>
+          <a:chOff x="0" y="0"/>
+          <a:chExt cx="0" cy="0"/>
+        </a:xfrm>
+      </p:grpSpPr>
+      <p:sp>
+        <p:nvSpPr>
+          <p:cNvPr id="2" name="Title 1">
+            <a:extLst>
+              <a:ext uri="{FF2B5EF4-FFF2-40B4-BE49-F238E27FC236}">
+                <a16:creationId xmlns:a16="http://schemas.microsoft.com/office/drawing/2014/main" id="{D438D45C-2927-41C6-B629-25E3901A2D3B}"/>
+              </a:ext>
+            </a:extLst>
+          </p:cNvPr>
+          <p:cNvSpPr>
+            <a:spLocks noGrp="1"/>
+          </p:cNvSpPr>
+          <p:nvPr>
+            <p:ph type="title"/>
+          </p:nvPr>
+        </p:nvSpPr>
+        <p:spPr/>
+        <p:txBody>
+          <a:bodyPr/>
+          <a:lstStyle/>
+          <a:p>
+            <a:r>
+              <a:rPr lang="en-US" dirty="0" err="1"/>
+              <a:t>Hạn</a:t>
+            </a:r>
+            <a:r>
+              <a:rPr lang="en-US" dirty="0"/>
+              <a:t> </a:t>
+            </a:r>
+            <a:r>
+              <a:rPr lang="en-US" dirty="0" err="1"/>
+              <a:t>chế</a:t>
+            </a:r>
+            <a:endParaRPr lang="en-US" dirty="0"/>
+          </a:p>
+        </p:txBody>
+      </p:sp>
+      <p:sp>
+        <p:nvSpPr>
+          <p:cNvPr id="3" name="Content Placeholder 2">
+            <a:extLst>
+              <a:ext uri="{FF2B5EF4-FFF2-40B4-BE49-F238E27FC236}">
+                <a16:creationId xmlns:a16="http://schemas.microsoft.com/office/drawing/2014/main" id="{024D454A-3BDE-4D6F-A833-B2DC21596CF7}"/>
+              </a:ext>
+            </a:extLst>
+          </p:cNvPr>
+          <p:cNvSpPr>
+            <a:spLocks noGrp="1"/>
+          </p:cNvSpPr>
+          <p:nvPr>
+            <p:ph idx="1"/>
+          </p:nvPr>
+        </p:nvSpPr>
+        <p:spPr/>
+        <p:txBody>
+          <a:bodyPr/>
+          <a:lstStyle/>
+          <a:p>
+            <a:r>
+              <a:rPr lang="en-US" dirty="0"/>
+              <a:t>Business Logic </a:t>
+            </a:r>
+            <a:r>
+              <a:rPr lang="en-US" dirty="0" err="1"/>
+              <a:t>ch</a:t>
+            </a:r>
+            <a:r>
+              <a:rPr lang="vi-VN" dirty="0"/>
+              <a:t>ư</a:t>
+            </a:r>
+            <a:r>
+              <a:rPr lang="en-US" dirty="0"/>
+              <a:t>a đ</a:t>
+            </a:r>
+            <a:r>
+              <a:rPr lang="vi-VN" dirty="0"/>
+              <a:t>ư</a:t>
+            </a:r>
+            <a:r>
+              <a:rPr lang="en-US" dirty="0" err="1"/>
+              <a:t>ợc</a:t>
+            </a:r>
+            <a:r>
+              <a:rPr lang="en-US" dirty="0"/>
+              <a:t> </a:t>
+            </a:r>
+            <a:r>
+              <a:rPr lang="en-US" dirty="0" err="1"/>
+              <a:t>tốt</a:t>
+            </a:r>
+            <a:r>
+              <a:rPr lang="en-US" dirty="0"/>
+              <a:t>, </a:t>
+            </a:r>
+            <a:r>
+              <a:rPr lang="en-US" dirty="0" err="1"/>
+              <a:t>còn</a:t>
+            </a:r>
+            <a:r>
+              <a:rPr lang="en-US" dirty="0"/>
+              <a:t> </a:t>
+            </a:r>
+            <a:r>
+              <a:rPr lang="en-US" dirty="0" err="1"/>
+              <a:t>nhiều</a:t>
+            </a:r>
+            <a:r>
+              <a:rPr lang="en-US" dirty="0"/>
+              <a:t> </a:t>
+            </a:r>
+            <a:r>
+              <a:rPr lang="en-US" dirty="0" err="1"/>
+              <a:t>hạn</a:t>
+            </a:r>
+            <a:r>
+              <a:rPr lang="en-US" dirty="0"/>
+              <a:t> </a:t>
+            </a:r>
+            <a:r>
+              <a:rPr lang="en-US" dirty="0" err="1"/>
+              <a:t>chế</a:t>
+            </a:r>
+            <a:r>
+              <a:rPr lang="en-US" dirty="0"/>
+              <a:t> </a:t>
+            </a:r>
+            <a:r>
+              <a:rPr lang="en-US" dirty="0" err="1"/>
+              <a:t>gây</a:t>
+            </a:r>
+            <a:r>
+              <a:rPr lang="en-US" dirty="0"/>
+              <a:t> </a:t>
+            </a:r>
+            <a:r>
+              <a:rPr lang="en-US" dirty="0" err="1"/>
+              <a:t>khó</a:t>
+            </a:r>
+            <a:r>
+              <a:rPr lang="en-US" dirty="0"/>
+              <a:t> </a:t>
+            </a:r>
+            <a:r>
+              <a:rPr lang="en-US" dirty="0" err="1"/>
+              <a:t>chịu</a:t>
+            </a:r>
+            <a:r>
+              <a:rPr lang="en-US" dirty="0"/>
+              <a:t> </a:t>
+            </a:r>
+            <a:r>
+              <a:rPr lang="en-US" dirty="0" err="1"/>
+              <a:t>cho</a:t>
+            </a:r>
+            <a:r>
+              <a:rPr lang="en-US" dirty="0"/>
+              <a:t> ng</a:t>
+            </a:r>
+            <a:r>
+              <a:rPr lang="vi-VN" dirty="0"/>
+              <a:t>ư</a:t>
+            </a:r>
+            <a:r>
+              <a:rPr lang="en-US" dirty="0" err="1"/>
+              <a:t>ời</a:t>
+            </a:r>
+            <a:r>
+              <a:rPr lang="en-US" dirty="0"/>
+              <a:t> dung</a:t>
+            </a:r>
+          </a:p>
+          <a:p>
+            <a:r>
+              <a:rPr lang="en-US" dirty="0" err="1"/>
+              <a:t>Chức</a:t>
+            </a:r>
+            <a:r>
+              <a:rPr lang="en-US" dirty="0"/>
+              <a:t> </a:t>
+            </a:r>
+            <a:r>
+              <a:rPr lang="en-US" dirty="0" err="1"/>
+              <a:t>năng</a:t>
+            </a:r>
+            <a:r>
+              <a:rPr lang="en-US" dirty="0"/>
+              <a:t> </a:t>
+            </a:r>
+            <a:r>
+              <a:rPr lang="en-US" dirty="0" err="1"/>
+              <a:t>của</a:t>
+            </a:r>
+            <a:r>
+              <a:rPr lang="en-US" dirty="0"/>
+              <a:t> website </a:t>
+            </a:r>
+            <a:r>
+              <a:rPr lang="en-US" dirty="0" err="1"/>
+              <a:t>ch</a:t>
+            </a:r>
+            <a:r>
+              <a:rPr lang="vi-VN" dirty="0"/>
+              <a:t>ư</a:t>
+            </a:r>
+            <a:r>
+              <a:rPr lang="en-US" dirty="0"/>
+              <a:t>a </a:t>
+            </a:r>
+            <a:r>
+              <a:rPr lang="en-US" dirty="0" err="1"/>
+              <a:t>nhiều</a:t>
+            </a:r>
+            <a:endParaRPr lang="en-US" dirty="0"/>
+          </a:p>
+          <a:p>
+            <a:r>
+              <a:rPr lang="en-US" dirty="0"/>
+              <a:t>Document </a:t>
+            </a:r>
+            <a:r>
+              <a:rPr lang="en-US" dirty="0" err="1"/>
+              <a:t>viết</a:t>
+            </a:r>
+            <a:r>
+              <a:rPr lang="en-US" dirty="0"/>
+              <a:t> </a:t>
+            </a:r>
+            <a:r>
+              <a:rPr lang="en-US" dirty="0" err="1"/>
+              <a:t>ch</a:t>
+            </a:r>
+            <a:r>
+              <a:rPr lang="vi-VN" dirty="0"/>
+              <a:t>ư</a:t>
+            </a:r>
+            <a:r>
+              <a:rPr lang="en-US" dirty="0"/>
+              <a:t>a </a:t>
+            </a:r>
+            <a:r>
+              <a:rPr lang="en-US" dirty="0" err="1"/>
+              <a:t>tốt</a:t>
+            </a:r>
+            <a:r>
+              <a:rPr lang="en-US" dirty="0"/>
+              <a:t>, </a:t>
+            </a:r>
+            <a:r>
+              <a:rPr lang="en-US" dirty="0" err="1"/>
+              <a:t>ch</a:t>
+            </a:r>
+            <a:r>
+              <a:rPr lang="vi-VN" dirty="0"/>
+              <a:t>ư</a:t>
+            </a:r>
+            <a:r>
+              <a:rPr lang="en-US" dirty="0"/>
+              <a:t>a </a:t>
+            </a:r>
+            <a:r>
+              <a:rPr lang="en-US" dirty="0" err="1"/>
+              <a:t>rõ</a:t>
+            </a:r>
+            <a:r>
+              <a:rPr lang="en-US" dirty="0"/>
+              <a:t> rang</a:t>
+            </a:r>
+          </a:p>
+          <a:p>
+            <a:r>
+              <a:rPr lang="en-US" dirty="0" err="1"/>
+              <a:t>Tích</a:t>
+            </a:r>
+            <a:r>
+              <a:rPr lang="en-US" dirty="0"/>
+              <a:t> </a:t>
+            </a:r>
+            <a:r>
+              <a:rPr lang="en-US" dirty="0" err="1"/>
+              <a:t>hợp</a:t>
+            </a:r>
+            <a:r>
+              <a:rPr lang="en-US" dirty="0"/>
+              <a:t> API google Map</a:t>
+            </a:r>
+          </a:p>
+        </p:txBody>
+      </p:sp>
+    </p:spTree>
+    <p:extLst>
+      <p:ext uri="{BB962C8B-B14F-4D97-AF65-F5344CB8AC3E}">
+        <p14:creationId xmlns:p14="http://schemas.microsoft.com/office/powerpoint/2010/main" val="1947276725"/>
+      </p:ext>
+    </p:extLst>
+  </p:cSld>
+  <p:clrMapOvr>
+    <a:masterClrMapping/>
+  </p:clrMapOvr>
+</p:sld>
+</file>
+
+<file path=ppt/slides/slide23.xml><?xml version="1.0" encoding="utf-8"?>
 <p:sld xmlns:a="http://schemas.openxmlformats.org/drawingml/2006/main" xmlns:r="http://schemas.openxmlformats.org/officeDocument/2006/relationships" xmlns:p="http://schemas.openxmlformats.org/presentationml/2006/main">
   <p:cSld>
     <p:spTree>
@@ -18441,7 +19660,132 @@
 </p:sld>
 </file>
 
-<file path=ppt/slides/slide21.xml><?xml version="1.0" encoding="utf-8"?>
+<file path=ppt/slides/slide24.xml><?xml version="1.0" encoding="utf-8"?>
+<p:sld xmlns:a="http://schemas.openxmlformats.org/drawingml/2006/main" xmlns:r="http://schemas.openxmlformats.org/officeDocument/2006/relationships" xmlns:p="http://schemas.openxmlformats.org/presentationml/2006/main">
+  <p:cSld>
+    <p:spTree>
+      <p:nvGrpSpPr>
+        <p:cNvPr id="1" name=""/>
+        <p:cNvGrpSpPr/>
+        <p:nvPr/>
+      </p:nvGrpSpPr>
+      <p:grpSpPr>
+        <a:xfrm>
+          <a:off x="0" y="0"/>
+          <a:ext cx="0" cy="0"/>
+          <a:chOff x="0" y="0"/>
+          <a:chExt cx="0" cy="0"/>
+        </a:xfrm>
+      </p:grpSpPr>
+      <p:sp>
+        <p:nvSpPr>
+          <p:cNvPr id="2" name="Title 1">
+            <a:extLst>
+              <a:ext uri="{FF2B5EF4-FFF2-40B4-BE49-F238E27FC236}">
+                <a16:creationId xmlns:a16="http://schemas.microsoft.com/office/drawing/2014/main" id="{098E1B19-53E3-4F73-8F5F-BE4695D17BE3}"/>
+              </a:ext>
+            </a:extLst>
+          </p:cNvPr>
+          <p:cNvSpPr>
+            <a:spLocks noGrp="1"/>
+          </p:cNvSpPr>
+          <p:nvPr>
+            <p:ph type="title"/>
+          </p:nvPr>
+        </p:nvSpPr>
+        <p:spPr/>
+        <p:txBody>
+          <a:bodyPr/>
+          <a:lstStyle/>
+          <a:p>
+            <a:r>
+              <a:rPr lang="en-US" dirty="0" err="1"/>
+              <a:t>Tài</a:t>
+            </a:r>
+            <a:r>
+              <a:rPr lang="en-US" dirty="0"/>
+              <a:t> </a:t>
+            </a:r>
+            <a:r>
+              <a:rPr lang="en-US" dirty="0" err="1"/>
+              <a:t>liệu</a:t>
+            </a:r>
+            <a:r>
+              <a:rPr lang="en-US" dirty="0"/>
+              <a:t> </a:t>
+            </a:r>
+            <a:r>
+              <a:rPr lang="en-US" dirty="0" err="1"/>
+              <a:t>tham</a:t>
+            </a:r>
+            <a:r>
+              <a:rPr lang="en-US" dirty="0"/>
+              <a:t> </a:t>
+            </a:r>
+            <a:r>
+              <a:rPr lang="en-US" dirty="0" err="1"/>
+              <a:t>khảo</a:t>
+            </a:r>
+            <a:endParaRPr lang="en-US" dirty="0"/>
+          </a:p>
+        </p:txBody>
+      </p:sp>
+      <p:sp>
+        <p:nvSpPr>
+          <p:cNvPr id="3" name="Content Placeholder 2">
+            <a:extLst>
+              <a:ext uri="{FF2B5EF4-FFF2-40B4-BE49-F238E27FC236}">
+                <a16:creationId xmlns:a16="http://schemas.microsoft.com/office/drawing/2014/main" id="{16884374-E389-4AF7-A166-4F1F988E8D6D}"/>
+              </a:ext>
+            </a:extLst>
+          </p:cNvPr>
+          <p:cNvSpPr>
+            <a:spLocks noGrp="1"/>
+          </p:cNvSpPr>
+          <p:nvPr>
+            <p:ph idx="1"/>
+          </p:nvPr>
+        </p:nvSpPr>
+        <p:spPr/>
+        <p:txBody>
+          <a:bodyPr/>
+          <a:lstStyle/>
+          <a:p>
+            <a:pPr lvl="1"/>
+            <a:r>
+              <a:rPr lang="en-US" dirty="0">
+                <a:hlinkClick r:id="rId2"/>
+              </a:rPr>
+              <a:t>https://themeforest.net/</a:t>
+            </a:r>
+            <a:endParaRPr lang="en-US" dirty="0"/>
+          </a:p>
+          <a:p>
+            <a:pPr lvl="1"/>
+            <a:r>
+              <a:rPr lang="en-US" dirty="0">
+                <a:hlinkClick r:id="rId3"/>
+              </a:rPr>
+              <a:t>https://w3layouts.com/</a:t>
+            </a:r>
+            <a:endParaRPr lang="en-US" dirty="0"/>
+          </a:p>
+        </p:txBody>
+      </p:sp>
+    </p:spTree>
+    <p:extLst>
+      <p:ext uri="{BB962C8B-B14F-4D97-AF65-F5344CB8AC3E}">
+        <p14:creationId xmlns:p14="http://schemas.microsoft.com/office/powerpoint/2010/main" val="1556396411"/>
+      </p:ext>
+    </p:extLst>
+  </p:cSld>
+  <p:clrMapOvr>
+    <a:masterClrMapping/>
+  </p:clrMapOvr>
+</p:sld>
+</file>
+
+<file path=ppt/slides/slide25.xml><?xml version="1.0" encoding="utf-8"?>
 <p:sld xmlns:a="http://schemas.openxmlformats.org/drawingml/2006/main" xmlns:r="http://schemas.openxmlformats.org/officeDocument/2006/relationships" xmlns:p="http://schemas.openxmlformats.org/presentationml/2006/main">
   <p:cSld>
     <p:spTree>

--- a/Slide.pptx
+++ b/Slide.pptx
@@ -351,7 +351,7 @@
             <a:fld id="{B61BEF0D-F0BB-DE4B-95CE-6DB70DBA9567}" type="datetimeFigureOut">
               <a:rPr lang="en-US" dirty="0"/>
               <a:pPr/>
-              <a:t>12-12-2019</a:t>
+              <a:t>13-12-2019</a:t>
             </a:fld>
             <a:endParaRPr lang="en-US" dirty="0"/>
           </a:p>
@@ -686,7 +686,7 @@
             <a:fld id="{B61BEF0D-F0BB-DE4B-95CE-6DB70DBA9567}" type="datetimeFigureOut">
               <a:rPr lang="en-US" dirty="0"/>
               <a:pPr/>
-              <a:t>12-12-2019</a:t>
+              <a:t>13-12-2019</a:t>
             </a:fld>
             <a:endParaRPr lang="en-US" dirty="0"/>
           </a:p>
@@ -1084,7 +1084,7 @@
             <a:fld id="{B61BEF0D-F0BB-DE4B-95CE-6DB70DBA9567}" type="datetimeFigureOut">
               <a:rPr lang="en-US" dirty="0"/>
               <a:pPr/>
-              <a:t>12-12-2019</a:t>
+              <a:t>13-12-2019</a:t>
             </a:fld>
             <a:endParaRPr lang="en-US" dirty="0"/>
           </a:p>
@@ -1417,7 +1417,7 @@
             <a:fld id="{B61BEF0D-F0BB-DE4B-95CE-6DB70DBA9567}" type="datetimeFigureOut">
               <a:rPr lang="en-US" dirty="0"/>
               <a:pPr/>
-              <a:t>12-12-2019</a:t>
+              <a:t>13-12-2019</a:t>
             </a:fld>
             <a:endParaRPr lang="en-US" dirty="0"/>
           </a:p>
@@ -1734,7 +1734,7 @@
             <a:fld id="{B61BEF0D-F0BB-DE4B-95CE-6DB70DBA9567}" type="datetimeFigureOut">
               <a:rPr lang="en-US" dirty="0"/>
               <a:pPr/>
-              <a:t>12-12-2019</a:t>
+              <a:t>13-12-2019</a:t>
             </a:fld>
             <a:endParaRPr lang="en-US" dirty="0"/>
           </a:p>
@@ -2127,7 +2127,7 @@
             <a:fld id="{B61BEF0D-F0BB-DE4B-95CE-6DB70DBA9567}" type="datetimeFigureOut">
               <a:rPr lang="en-US" dirty="0"/>
               <a:pPr/>
-              <a:t>12-12-2019</a:t>
+              <a:t>13-12-2019</a:t>
             </a:fld>
             <a:endParaRPr lang="en-US" dirty="0"/>
           </a:p>
@@ -2381,7 +2381,7 @@
             <a:fld id="{B61BEF0D-F0BB-DE4B-95CE-6DB70DBA9567}" type="datetimeFigureOut">
               <a:rPr lang="en-US" dirty="0"/>
               <a:pPr/>
-              <a:t>12-12-2019</a:t>
+              <a:t>13-12-2019</a:t>
             </a:fld>
             <a:endParaRPr lang="en-US" dirty="0"/>
           </a:p>
@@ -2640,7 +2640,7 @@
             <a:fld id="{B61BEF0D-F0BB-DE4B-95CE-6DB70DBA9567}" type="datetimeFigureOut">
               <a:rPr lang="en-US" dirty="0"/>
               <a:pPr/>
-              <a:t>12-12-2019</a:t>
+              <a:t>13-12-2019</a:t>
             </a:fld>
             <a:endParaRPr lang="en-US" dirty="0"/>
           </a:p>
@@ -2899,7 +2899,7 @@
             <a:fld id="{B61BEF0D-F0BB-DE4B-95CE-6DB70DBA9567}" type="datetimeFigureOut">
               <a:rPr lang="en-US" dirty="0"/>
               <a:pPr/>
-              <a:t>12-12-2019</a:t>
+              <a:t>13-12-2019</a:t>
             </a:fld>
             <a:endParaRPr lang="en-US" dirty="0"/>
           </a:p>
@@ -3225,7 +3225,7 @@
             <a:fld id="{B61BEF0D-F0BB-DE4B-95CE-6DB70DBA9567}" type="datetimeFigureOut">
               <a:rPr lang="en-US" dirty="0"/>
               <a:pPr/>
-              <a:t>12-12-2019</a:t>
+              <a:t>13-12-2019</a:t>
             </a:fld>
             <a:endParaRPr lang="en-US" dirty="0"/>
           </a:p>
@@ -3545,7 +3545,7 @@
             <a:fld id="{B61BEF0D-F0BB-DE4B-95CE-6DB70DBA9567}" type="datetimeFigureOut">
               <a:rPr lang="en-US" dirty="0"/>
               <a:pPr/>
-              <a:t>12-12-2019</a:t>
+              <a:t>13-12-2019</a:t>
             </a:fld>
             <a:endParaRPr lang="en-US" dirty="0"/>
           </a:p>
@@ -3999,7 +3999,7 @@
             <a:fld id="{B61BEF0D-F0BB-DE4B-95CE-6DB70DBA9567}" type="datetimeFigureOut">
               <a:rPr lang="en-US" dirty="0"/>
               <a:pPr/>
-              <a:t>12-12-2019</a:t>
+              <a:t>13-12-2019</a:t>
             </a:fld>
             <a:endParaRPr lang="en-US" dirty="0"/>
           </a:p>
@@ -4201,7 +4201,7 @@
             <a:fld id="{B61BEF0D-F0BB-DE4B-95CE-6DB70DBA9567}" type="datetimeFigureOut">
               <a:rPr lang="en-US" dirty="0"/>
               <a:pPr/>
-              <a:t>12-12-2019</a:t>
+              <a:t>13-12-2019</a:t>
             </a:fld>
             <a:endParaRPr lang="en-US" dirty="0"/>
           </a:p>
@@ -4375,7 +4375,7 @@
             <a:fld id="{B61BEF0D-F0BB-DE4B-95CE-6DB70DBA9567}" type="datetimeFigureOut">
               <a:rPr lang="en-US" dirty="0"/>
               <a:pPr/>
-              <a:t>12-12-2019</a:t>
+              <a:t>13-12-2019</a:t>
             </a:fld>
             <a:endParaRPr lang="en-US" dirty="0"/>
           </a:p>
@@ -4705,7 +4705,7 @@
             <a:fld id="{B61BEF0D-F0BB-DE4B-95CE-6DB70DBA9567}" type="datetimeFigureOut">
               <a:rPr lang="en-US" dirty="0"/>
               <a:pPr/>
-              <a:t>12-12-2019</a:t>
+              <a:t>13-12-2019</a:t>
             </a:fld>
             <a:endParaRPr lang="en-US" dirty="0"/>
           </a:p>
@@ -5047,7 +5047,7 @@
             <a:fld id="{B61BEF0D-F0BB-DE4B-95CE-6DB70DBA9567}" type="datetimeFigureOut">
               <a:rPr lang="en-US" dirty="0"/>
               <a:pPr/>
-              <a:t>12-12-2019</a:t>
+              <a:t>13-12-2019</a:t>
             </a:fld>
             <a:endParaRPr lang="en-US" dirty="0"/>
           </a:p>
@@ -7161,7 +7161,7 @@
             <a:fld id="{B61BEF0D-F0BB-DE4B-95CE-6DB70DBA9567}" type="datetimeFigureOut">
               <a:rPr lang="en-US" dirty="0"/>
               <a:pPr/>
-              <a:t>12-12-2019</a:t>
+              <a:t>13-12-2019</a:t>
             </a:fld>
             <a:endParaRPr lang="en-US" dirty="0"/>
           </a:p>
@@ -14668,10 +14668,10 @@
       </p:sp>
       <p:pic>
         <p:nvPicPr>
-          <p:cNvPr id="5" name="Picture 4">
+          <p:cNvPr id="7" name="Picture 6">
             <a:extLst>
               <a:ext uri="{FF2B5EF4-FFF2-40B4-BE49-F238E27FC236}">
-                <a16:creationId xmlns:a16="http://schemas.microsoft.com/office/drawing/2014/main" id="{D81F99E4-4D8D-406A-900C-25C10CCB2EA6}"/>
+                <a16:creationId xmlns:a16="http://schemas.microsoft.com/office/drawing/2014/main" id="{5B4D1245-28EA-48F3-96A9-2109A0E8902E}"/>
               </a:ext>
             </a:extLst>
           </p:cNvPr>
@@ -14688,8 +14688,8 @@
         </p:blipFill>
         <p:spPr>
           <a:xfrm>
-            <a:off x="1402672" y="541012"/>
-            <a:ext cx="10022889" cy="4259588"/>
+            <a:off x="944841" y="942799"/>
+            <a:ext cx="10826949" cy="3547136"/>
           </a:xfrm>
           <a:prstGeom prst="rect">
             <a:avLst/>
@@ -14706,6 +14706,127 @@
   <p:clrMapOvr>
     <a:masterClrMapping/>
   </p:clrMapOvr>
+  <p:timing>
+    <p:tnLst>
+      <p:par>
+        <p:cTn id="1" dur="indefinite" restart="never" nodeType="tmRoot">
+          <p:childTnLst>
+            <p:seq concurrent="1" nextAc="seek">
+              <p:cTn id="2" dur="indefinite" nodeType="mainSeq">
+                <p:childTnLst>
+                  <p:par>
+                    <p:cTn id="3" fill="hold">
+                      <p:stCondLst>
+                        <p:cond delay="indefinite"/>
+                      </p:stCondLst>
+                      <p:childTnLst>
+                        <p:par>
+                          <p:cTn id="4" fill="hold">
+                            <p:stCondLst>
+                              <p:cond delay="0"/>
+                            </p:stCondLst>
+                            <p:childTnLst>
+                              <p:par>
+                                <p:cTn id="5" presetID="2" presetClass="entr" presetSubtype="4" fill="hold" nodeType="clickEffect">
+                                  <p:stCondLst>
+                                    <p:cond delay="0"/>
+                                  </p:stCondLst>
+                                  <p:childTnLst>
+                                    <p:set>
+                                      <p:cBhvr>
+                                        <p:cTn id="6" dur="1" fill="hold">
+                                          <p:stCondLst>
+                                            <p:cond delay="0"/>
+                                          </p:stCondLst>
+                                        </p:cTn>
+                                        <p:tgtEl>
+                                          <p:spTgt spid="7"/>
+                                        </p:tgtEl>
+                                        <p:attrNameLst>
+                                          <p:attrName>style.visibility</p:attrName>
+                                        </p:attrNameLst>
+                                      </p:cBhvr>
+                                      <p:to>
+                                        <p:strVal val="visible"/>
+                                      </p:to>
+                                    </p:set>
+                                    <p:anim calcmode="lin" valueType="num">
+                                      <p:cBhvr additive="base">
+                                        <p:cTn id="7" dur="500" fill="hold"/>
+                                        <p:tgtEl>
+                                          <p:spTgt spid="7"/>
+                                        </p:tgtEl>
+                                        <p:attrNameLst>
+                                          <p:attrName>ppt_x</p:attrName>
+                                        </p:attrNameLst>
+                                      </p:cBhvr>
+                                      <p:tavLst>
+                                        <p:tav tm="0">
+                                          <p:val>
+                                            <p:strVal val="#ppt_x"/>
+                                          </p:val>
+                                        </p:tav>
+                                        <p:tav tm="100000">
+                                          <p:val>
+                                            <p:strVal val="#ppt_x"/>
+                                          </p:val>
+                                        </p:tav>
+                                      </p:tavLst>
+                                    </p:anim>
+                                    <p:anim calcmode="lin" valueType="num">
+                                      <p:cBhvr additive="base">
+                                        <p:cTn id="8" dur="500" fill="hold"/>
+                                        <p:tgtEl>
+                                          <p:spTgt spid="7"/>
+                                        </p:tgtEl>
+                                        <p:attrNameLst>
+                                          <p:attrName>ppt_y</p:attrName>
+                                        </p:attrNameLst>
+                                      </p:cBhvr>
+                                      <p:tavLst>
+                                        <p:tav tm="0">
+                                          <p:val>
+                                            <p:strVal val="1+#ppt_h/2"/>
+                                          </p:val>
+                                        </p:tav>
+                                        <p:tav tm="100000">
+                                          <p:val>
+                                            <p:strVal val="#ppt_y"/>
+                                          </p:val>
+                                        </p:tav>
+                                      </p:tavLst>
+                                    </p:anim>
+                                  </p:childTnLst>
+                                </p:cTn>
+                              </p:par>
+                            </p:childTnLst>
+                          </p:cTn>
+                        </p:par>
+                      </p:childTnLst>
+                    </p:cTn>
+                  </p:par>
+                </p:childTnLst>
+              </p:cTn>
+              <p:prevCondLst>
+                <p:cond evt="onPrev" delay="0">
+                  <p:tgtEl>
+                    <p:sldTgt/>
+                  </p:tgtEl>
+                </p:cond>
+              </p:prevCondLst>
+              <p:nextCondLst>
+                <p:cond evt="onNext" delay="0">
+                  <p:tgtEl>
+                    <p:sldTgt/>
+                  </p:tgtEl>
+                </p:cond>
+              </p:nextCondLst>
+            </p:seq>
+          </p:childTnLst>
+        </p:cTn>
+      </p:par>
+    </p:tnLst>
+  </p:timing>
 </p:sld>
 </file>
 
